--- a/examples/pp_replacement.pptx
+++ b/examples/pp_replacement.pptx
@@ -7,7 +7,7 @@
   <p:sldIdLst>
     <p:sldId id="256" r:id="rId2"/>
     <p:sldId id="257" r:id="rId3"/>
-    <p:sldId id="210133187" r:id="rId10"/>
+    <p:sldId id="2070199113" r:id="rId10"/>
     <p:sldId id="259" r:id="rId5"/>
   </p:sldIdLst>
   <p:sldSz cx="12192000" cy="6858000"/>

--- a/examples/pp_replacement.pptx
+++ b/examples/pp_replacement.pptx
@@ -2,22 +2,22 @@
 <file path=ppt/presentation.xml><?xml version="1.0" encoding="utf-8"?>
 <p:presentation xmlns:r="http://schemas.openxmlformats.org/officeDocument/2006/relationships" xmlns:a="http://schemas.openxmlformats.org/drawingml/2006/main" xmlns:p="http://schemas.openxmlformats.org/presentationml/2006/main" xmlns:mc="http://schemas.openxmlformats.org/markup-compatibility/2006" xmlns:c="http://schemas.openxmlformats.org/drawingml/2006/chart" xmlns:ns6="http://schemas.openxmlformats.org/drawingml/2006/chartDrawing" xmlns:dgm="http://schemas.openxmlformats.org/drawingml/2006/diagram" xmlns:pic="http://schemas.openxmlformats.org/drawingml/2006/picture" xmlns:wp="http://schemas.openxmlformats.org/drawingml/2006/wordprocessingDrawing" xmlns:xdr="http://schemas.openxmlformats.org/drawingml/2006/spreadsheetDrawing" xmlns:ns11="http://schemas.openxmlformats.org/drawingml/2006/compatibility" xmlns:ns12="http://schemas.openxmlformats.org/drawingml/2006/lockedCanvas" saveSubsetFonts="true">
   <p:sldMasterIdLst>
-    <p:sldMasterId id="2147483648" r:id="rId1"/>
+    <p:sldMasterId r:id="rId1" id="2147483648"/>
   </p:sldMasterIdLst>
   <p:sldIdLst>
-    <p:sldId id="256" r:id="rId2"/>
-    <p:sldId id="257" r:id="rId3"/>
-    <p:sldId id="2070199113" r:id="rId10"/>
-    <p:sldId id="259" r:id="rId5"/>
+    <p:sldId r:id="rId2" id="256"/>
+    <p:sldId r:id="rId3" id="257"/>
+    <p:sldId r:id="rId10" id="1391003268"/>
+    <p:sldId r:id="rId5" id="259"/>
   </p:sldIdLst>
-  <p:sldSz cx="12192000" cy="6858000"/>
-  <p:notesSz cx="6858000" cy="9144000"/>
+  <p:sldSz cy="6858000" cx="12192000"/>
+  <p:notesSz cy="9144000" cx="6858000"/>
   <p:defaultTextStyle>
     <a:defPPr>
       <a:defRPr lang="fr-FR"/>
     </a:defPPr>
-    <a:lvl1pPr marL="0" algn="l" defTabSz="914400" rtl="false" eaLnBrk="true" latinLnBrk="false" hangingPunct="true">
-      <a:defRPr sz="1800" kern="1200">
+    <a:lvl1pPr hangingPunct="true" latinLnBrk="false" eaLnBrk="true" rtl="false" defTabSz="914400" algn="l" marL="0">
+      <a:defRPr kern="1200" sz="1800">
         <a:solidFill>
           <a:schemeClr val="tx1"/>
         </a:solidFill>
@@ -26,8 +26,8 @@
         <a:cs typeface="+mn-cs"/>
       </a:defRPr>
     </a:lvl1pPr>
-    <a:lvl2pPr marL="457200" algn="l" defTabSz="914400" rtl="false" eaLnBrk="true" latinLnBrk="false" hangingPunct="true">
-      <a:defRPr sz="1800" kern="1200">
+    <a:lvl2pPr hangingPunct="true" latinLnBrk="false" eaLnBrk="true" rtl="false" defTabSz="914400" algn="l" marL="457200">
+      <a:defRPr kern="1200" sz="1800">
         <a:solidFill>
           <a:schemeClr val="tx1"/>
         </a:solidFill>
@@ -36,8 +36,8 @@
         <a:cs typeface="+mn-cs"/>
       </a:defRPr>
     </a:lvl2pPr>
-    <a:lvl3pPr marL="914400" algn="l" defTabSz="914400" rtl="false" eaLnBrk="true" latinLnBrk="false" hangingPunct="true">
-      <a:defRPr sz="1800" kern="1200">
+    <a:lvl3pPr hangingPunct="true" latinLnBrk="false" eaLnBrk="true" rtl="false" defTabSz="914400" algn="l" marL="914400">
+      <a:defRPr kern="1200" sz="1800">
         <a:solidFill>
           <a:schemeClr val="tx1"/>
         </a:solidFill>
@@ -46,8 +46,8 @@
         <a:cs typeface="+mn-cs"/>
       </a:defRPr>
     </a:lvl3pPr>
-    <a:lvl4pPr marL="1371600" algn="l" defTabSz="914400" rtl="false" eaLnBrk="true" latinLnBrk="false" hangingPunct="true">
-      <a:defRPr sz="1800" kern="1200">
+    <a:lvl4pPr hangingPunct="true" latinLnBrk="false" eaLnBrk="true" rtl="false" defTabSz="914400" algn="l" marL="1371600">
+      <a:defRPr kern="1200" sz="1800">
         <a:solidFill>
           <a:schemeClr val="tx1"/>
         </a:solidFill>
@@ -56,8 +56,8 @@
         <a:cs typeface="+mn-cs"/>
       </a:defRPr>
     </a:lvl4pPr>
-    <a:lvl5pPr marL="1828800" algn="l" defTabSz="914400" rtl="false" eaLnBrk="true" latinLnBrk="false" hangingPunct="true">
-      <a:defRPr sz="1800" kern="1200">
+    <a:lvl5pPr hangingPunct="true" latinLnBrk="false" eaLnBrk="true" rtl="false" defTabSz="914400" algn="l" marL="1828800">
+      <a:defRPr kern="1200" sz="1800">
         <a:solidFill>
           <a:schemeClr val="tx1"/>
         </a:solidFill>
@@ -66,8 +66,8 @@
         <a:cs typeface="+mn-cs"/>
       </a:defRPr>
     </a:lvl5pPr>
-    <a:lvl6pPr marL="2286000" algn="l" defTabSz="914400" rtl="false" eaLnBrk="true" latinLnBrk="false" hangingPunct="true">
-      <a:defRPr sz="1800" kern="1200">
+    <a:lvl6pPr hangingPunct="true" latinLnBrk="false" eaLnBrk="true" rtl="false" defTabSz="914400" algn="l" marL="2286000">
+      <a:defRPr kern="1200" sz="1800">
         <a:solidFill>
           <a:schemeClr val="tx1"/>
         </a:solidFill>
@@ -76,8 +76,8 @@
         <a:cs typeface="+mn-cs"/>
       </a:defRPr>
     </a:lvl6pPr>
-    <a:lvl7pPr marL="2743200" algn="l" defTabSz="914400" rtl="false" eaLnBrk="true" latinLnBrk="false" hangingPunct="true">
-      <a:defRPr sz="1800" kern="1200">
+    <a:lvl7pPr hangingPunct="true" latinLnBrk="false" eaLnBrk="true" rtl="false" defTabSz="914400" algn="l" marL="2743200">
+      <a:defRPr kern="1200" sz="1800">
         <a:solidFill>
           <a:schemeClr val="tx1"/>
         </a:solidFill>
@@ -86,8 +86,8 @@
         <a:cs typeface="+mn-cs"/>
       </a:defRPr>
     </a:lvl7pPr>
-    <a:lvl8pPr marL="3200400" algn="l" defTabSz="914400" rtl="false" eaLnBrk="true" latinLnBrk="false" hangingPunct="true">
-      <a:defRPr sz="1800" kern="1200">
+    <a:lvl8pPr hangingPunct="true" latinLnBrk="false" eaLnBrk="true" rtl="false" defTabSz="914400" algn="l" marL="3200400">
+      <a:defRPr kern="1200" sz="1800">
         <a:solidFill>
           <a:schemeClr val="tx1"/>
         </a:solidFill>
@@ -96,8 +96,8 @@
         <a:cs typeface="+mn-cs"/>
       </a:defRPr>
     </a:lvl8pPr>
-    <a:lvl9pPr marL="3657600" algn="l" defTabSz="914400" rtl="false" eaLnBrk="true" latinLnBrk="false" hangingPunct="true">
-      <a:defRPr sz="1800" kern="1200">
+    <a:lvl9pPr hangingPunct="true" latinLnBrk="false" eaLnBrk="true" rtl="false" defTabSz="914400" algn="l" marL="3657600">
+      <a:defRPr kern="1200" sz="1800">
         <a:solidFill>
           <a:schemeClr val="tx1"/>
         </a:solidFill>
@@ -116,25 +116,25 @@
 </file>
 
 <file path=ppt/slideLayouts/slideLayout1.xml><?xml version="1.0" encoding="utf-8"?>
-<p:sldLayout xmlns:r="http://schemas.openxmlformats.org/officeDocument/2006/relationships" xmlns:a="http://schemas.openxmlformats.org/drawingml/2006/main" xmlns:p="http://schemas.openxmlformats.org/presentationml/2006/main" xmlns:mc="http://schemas.openxmlformats.org/markup-compatibility/2006" xmlns:c="http://schemas.openxmlformats.org/drawingml/2006/chart" xmlns:ns6="http://schemas.openxmlformats.org/drawingml/2006/chartDrawing" xmlns:dgm="http://schemas.openxmlformats.org/drawingml/2006/diagram" xmlns:pic="http://schemas.openxmlformats.org/drawingml/2006/picture" xmlns:wp="http://schemas.openxmlformats.org/drawingml/2006/wordprocessingDrawing" xmlns:xdr="http://schemas.openxmlformats.org/drawingml/2006/spreadsheetDrawing" xmlns:ns11="http://schemas.openxmlformats.org/drawingml/2006/compatibility" xmlns:ns12="http://schemas.openxmlformats.org/drawingml/2006/lockedCanvas" type="title" preserve="true">
+<p:sldLayout xmlns:r="http://schemas.openxmlformats.org/officeDocument/2006/relationships" xmlns:a="http://schemas.openxmlformats.org/drawingml/2006/main" xmlns:p="http://schemas.openxmlformats.org/presentationml/2006/main" xmlns:mc="http://schemas.openxmlformats.org/markup-compatibility/2006" xmlns:c="http://schemas.openxmlformats.org/drawingml/2006/chart" xmlns:ns6="http://schemas.openxmlformats.org/drawingml/2006/chartDrawing" xmlns:dgm="http://schemas.openxmlformats.org/drawingml/2006/diagram" xmlns:pic="http://schemas.openxmlformats.org/drawingml/2006/picture" xmlns:wp="http://schemas.openxmlformats.org/drawingml/2006/wordprocessingDrawing" xmlns:xdr="http://schemas.openxmlformats.org/drawingml/2006/spreadsheetDrawing" xmlns:ns11="http://schemas.openxmlformats.org/drawingml/2006/compatibility" xmlns:ns12="http://schemas.openxmlformats.org/drawingml/2006/lockedCanvas" preserve="true" type="title">
   <p:cSld name="Title Slide">
     <p:spTree>
       <p:nvGrpSpPr>
-        <p:cNvPr id="1" name=""/>
+        <p:cNvPr name="" id="1"/>
         <p:cNvGrpSpPr/>
         <p:nvPr/>
       </p:nvGrpSpPr>
       <p:grpSpPr>
         <a:xfrm>
-          <a:off x="0" y="0"/>
-          <a:ext cx="0" cy="0"/>
-          <a:chOff x="0" y="0"/>
-          <a:chExt cx="0" cy="0"/>
+          <a:off y="0" x="0"/>
+          <a:ext cy="0" cx="0"/>
+          <a:chOff y="0" x="0"/>
+          <a:chExt cy="0" cx="0"/>
         </a:xfrm>
       </p:grpSpPr>
       <p:sp>
         <p:nvSpPr>
-          <p:cNvPr id="2" name="Titre 1"/>
+          <p:cNvPr name="Titre 1" id="2"/>
           <p:cNvSpPr>
             <a:spLocks noGrp="true"/>
           </p:cNvSpPr>
@@ -144,8 +144,8 @@
         </p:nvSpPr>
         <p:spPr>
           <a:xfrm>
-            <a:off x="1524000" y="1122363"/>
-            <a:ext cx="9144000" cy="2387600"/>
+            <a:off y="1122363" x="1524000"/>
+            <a:ext cy="2387600" cx="9144000"/>
           </a:xfrm>
         </p:spPr>
         <p:txBody>
@@ -157,7 +157,7 @@
           </a:lstStyle>
           <a:p>
             <a:r>
-              <a:rPr lang="fr-FR" smtClean="false"/>
+              <a:rPr smtClean="false" lang="fr-FR"/>
               <a:t>Modifiez le style du titre</a:t>
             </a:r>
             <a:endParaRPr lang="fr-FR"/>
@@ -166,63 +166,63 @@
       </p:sp>
       <p:sp>
         <p:nvSpPr>
-          <p:cNvPr id="3" name="Sous-titre 2"/>
+          <p:cNvPr name="Sous-titre 2" id="3"/>
           <p:cNvSpPr>
             <a:spLocks noGrp="true"/>
           </p:cNvSpPr>
           <p:nvPr>
-            <p:ph type="subTitle" idx="1"/>
+            <p:ph idx="1" type="subTitle"/>
           </p:nvPr>
         </p:nvSpPr>
         <p:spPr>
           <a:xfrm>
-            <a:off x="1524000" y="3602038"/>
-            <a:ext cx="9144000" cy="1655762"/>
+            <a:off y="3602038" x="1524000"/>
+            <a:ext cy="1655762" cx="9144000"/>
           </a:xfrm>
         </p:spPr>
         <p:txBody>
           <a:bodyPr/>
           <a:lstStyle>
-            <a:lvl1pPr marL="0" indent="0" algn="ctr">
+            <a:lvl1pPr algn="ctr" indent="0" marL="0">
               <a:buNone/>
               <a:defRPr sz="2400"/>
             </a:lvl1pPr>
-            <a:lvl2pPr marL="457200" indent="0" algn="ctr">
+            <a:lvl2pPr algn="ctr" indent="0" marL="457200">
               <a:buNone/>
               <a:defRPr sz="2000"/>
             </a:lvl2pPr>
-            <a:lvl3pPr marL="914400" indent="0" algn="ctr">
+            <a:lvl3pPr algn="ctr" indent="0" marL="914400">
               <a:buNone/>
               <a:defRPr sz="1800"/>
             </a:lvl3pPr>
-            <a:lvl4pPr marL="1371600" indent="0" algn="ctr">
+            <a:lvl4pPr algn="ctr" indent="0" marL="1371600">
               <a:buNone/>
               <a:defRPr sz="1600"/>
             </a:lvl4pPr>
-            <a:lvl5pPr marL="1828800" indent="0" algn="ctr">
+            <a:lvl5pPr algn="ctr" indent="0" marL="1828800">
               <a:buNone/>
               <a:defRPr sz="1600"/>
             </a:lvl5pPr>
-            <a:lvl6pPr marL="2286000" indent="0" algn="ctr">
+            <a:lvl6pPr algn="ctr" indent="0" marL="2286000">
               <a:buNone/>
               <a:defRPr sz="1600"/>
             </a:lvl6pPr>
-            <a:lvl7pPr marL="2743200" indent="0" algn="ctr">
+            <a:lvl7pPr algn="ctr" indent="0" marL="2743200">
               <a:buNone/>
               <a:defRPr sz="1600"/>
             </a:lvl7pPr>
-            <a:lvl8pPr marL="3200400" indent="0" algn="ctr">
+            <a:lvl8pPr algn="ctr" indent="0" marL="3200400">
               <a:buNone/>
               <a:defRPr sz="1600"/>
             </a:lvl8pPr>
-            <a:lvl9pPr marL="3657600" indent="0" algn="ctr">
+            <a:lvl9pPr algn="ctr" indent="0" marL="3657600">
               <a:buNone/>
               <a:defRPr sz="1600"/>
             </a:lvl9pPr>
           </a:lstStyle>
           <a:p>
             <a:r>
-              <a:rPr lang="fr-FR" smtClean="false"/>
+              <a:rPr smtClean="false" lang="fr-FR"/>
               <a:t>Modifiez le style des sous-titres du masque</a:t>
             </a:r>
             <a:endParaRPr lang="fr-FR"/>
@@ -231,12 +231,12 @@
       </p:sp>
       <p:sp>
         <p:nvSpPr>
-          <p:cNvPr id="4" name="Espace réservé de la date 3"/>
+          <p:cNvPr name="Espace réservé de la date 3" id="4"/>
           <p:cNvSpPr>
             <a:spLocks noGrp="true"/>
           </p:cNvSpPr>
           <p:nvPr>
-            <p:ph type="dt" sz="half" idx="10"/>
+            <p:ph idx="10" sz="half" type="dt"/>
           </p:nvPr>
         </p:nvSpPr>
         <p:spPr/>
@@ -244,8 +244,8 @@
           <a:bodyPr/>
           <a:lstStyle/>
           <a:p>
-            <a:fld id="{CE3110EA-6548-4EF6-B0A9-8F847AEECEDD}" type="datetimeFigureOut">
-              <a:rPr lang="fr-FR" smtClean="false"/>
+            <a:fld type="datetimeFigureOut" id="{CE3110EA-6548-4EF6-B0A9-8F847AEECEDD}">
+              <a:rPr smtClean="false" lang="fr-FR"/>
               <a:t>19/07/2014</a:t>
             </a:fld>
             <a:endParaRPr lang="fr-FR"/>
@@ -254,12 +254,12 @@
       </p:sp>
       <p:sp>
         <p:nvSpPr>
-          <p:cNvPr id="5" name="Espace réservé du pied de page 4"/>
+          <p:cNvPr name="Espace réservé du pied de page 4" id="5"/>
           <p:cNvSpPr>
             <a:spLocks noGrp="true"/>
           </p:cNvSpPr>
           <p:nvPr>
-            <p:ph type="ftr" sz="quarter" idx="11"/>
+            <p:ph idx="11" sz="quarter" type="ftr"/>
           </p:nvPr>
         </p:nvSpPr>
         <p:spPr/>
@@ -273,12 +273,12 @@
       </p:sp>
       <p:sp>
         <p:nvSpPr>
-          <p:cNvPr id="6" name="Espace réservé du numéro de diapositive 5"/>
+          <p:cNvPr name="Espace réservé du numéro de diapositive 5" id="6"/>
           <p:cNvSpPr>
             <a:spLocks noGrp="true"/>
           </p:cNvSpPr>
           <p:nvPr>
-            <p:ph type="sldNum" sz="quarter" idx="12"/>
+            <p:ph idx="12" sz="quarter" type="sldNum"/>
           </p:nvPr>
         </p:nvSpPr>
         <p:spPr/>
@@ -286,8 +286,8 @@
           <a:bodyPr/>
           <a:lstStyle/>
           <a:p>
-            <a:fld id="{C47AABF0-D73A-43C1-84CC-8A30B6535388}" type="slidenum">
-              <a:rPr lang="fr-FR" smtClean="false"/>
+            <a:fld type="slidenum" id="{C47AABF0-D73A-43C1-84CC-8A30B6535388}">
+              <a:rPr smtClean="false" lang="fr-FR"/>
               <a:t>‹N°›</a:t>
             </a:fld>
             <a:endParaRPr lang="fr-FR"/>
@@ -296,14 +296,14 @@
       </p:sp>
       <p:cxnSp>
         <p:nvCxnSpPr>
-          <p:cNvPr id="8" name="Connecteur droit 7"/>
+          <p:cNvPr name="Connecteur droit 7" id="8"/>
           <p:cNvCxnSpPr/>
           <p:nvPr userDrawn="true"/>
         </p:nvCxnSpPr>
         <p:spPr>
           <a:xfrm>
-            <a:off x="838200" y="3564611"/>
-            <a:ext cx="10515600" cy="0"/>
+            <a:off y="3564611" x="838200"/>
+            <a:ext cy="0" cx="10515600"/>
           </a:xfrm>
           <a:prstGeom prst="line">
             <a:avLst/>
@@ -342,7 +342,7 @@
   <p:timing>
     <p:tnLst>
       <p:par>
-        <p:cTn id="1" dur="indefinite" restart="never" nodeType="tmRoot"/>
+        <p:cTn nodeType="tmRoot" restart="never" dur="indefinite" id="1"/>
       </p:par>
     </p:tnLst>
   </p:timing>
@@ -350,25 +350,25 @@
 </file>
 
 <file path=ppt/slideLayouts/slideLayout10.xml><?xml version="1.0" encoding="utf-8"?>
-<p:sldLayout xmlns:r="http://schemas.openxmlformats.org/officeDocument/2006/relationships" xmlns:a="http://schemas.openxmlformats.org/drawingml/2006/main" xmlns:p="http://schemas.openxmlformats.org/presentationml/2006/main" xmlns:mc="http://schemas.openxmlformats.org/markup-compatibility/2006" xmlns:c="http://schemas.openxmlformats.org/drawingml/2006/chart" xmlns:ns6="http://schemas.openxmlformats.org/drawingml/2006/chartDrawing" xmlns:dgm="http://schemas.openxmlformats.org/drawingml/2006/diagram" xmlns:pic="http://schemas.openxmlformats.org/drawingml/2006/picture" xmlns:wp="http://schemas.openxmlformats.org/drawingml/2006/wordprocessingDrawing" xmlns:xdr="http://schemas.openxmlformats.org/drawingml/2006/spreadsheetDrawing" xmlns:ns11="http://schemas.openxmlformats.org/drawingml/2006/compatibility" xmlns:ns12="http://schemas.openxmlformats.org/drawingml/2006/lockedCanvas" type="vertTx" preserve="true">
+<p:sldLayout xmlns:r="http://schemas.openxmlformats.org/officeDocument/2006/relationships" xmlns:a="http://schemas.openxmlformats.org/drawingml/2006/main" xmlns:p="http://schemas.openxmlformats.org/presentationml/2006/main" xmlns:mc="http://schemas.openxmlformats.org/markup-compatibility/2006" xmlns:c="http://schemas.openxmlformats.org/drawingml/2006/chart" xmlns:ns6="http://schemas.openxmlformats.org/drawingml/2006/chartDrawing" xmlns:dgm="http://schemas.openxmlformats.org/drawingml/2006/diagram" xmlns:pic="http://schemas.openxmlformats.org/drawingml/2006/picture" xmlns:wp="http://schemas.openxmlformats.org/drawingml/2006/wordprocessingDrawing" xmlns:xdr="http://schemas.openxmlformats.org/drawingml/2006/spreadsheetDrawing" xmlns:ns11="http://schemas.openxmlformats.org/drawingml/2006/compatibility" xmlns:ns12="http://schemas.openxmlformats.org/drawingml/2006/lockedCanvas" preserve="true" type="vertTx">
   <p:cSld name="Title and Vertical Text">
     <p:spTree>
       <p:nvGrpSpPr>
-        <p:cNvPr id="1" name=""/>
+        <p:cNvPr name="" id="1"/>
         <p:cNvGrpSpPr/>
         <p:nvPr/>
       </p:nvGrpSpPr>
       <p:grpSpPr>
         <a:xfrm>
-          <a:off x="0" y="0"/>
-          <a:ext cx="0" cy="0"/>
-          <a:chOff x="0" y="0"/>
-          <a:chExt cx="0" cy="0"/>
+          <a:off y="0" x="0"/>
+          <a:ext cy="0" cx="0"/>
+          <a:chOff y="0" x="0"/>
+          <a:chExt cy="0" cx="0"/>
         </a:xfrm>
       </p:grpSpPr>
       <p:sp>
         <p:nvSpPr>
-          <p:cNvPr id="2" name="Titre 1"/>
+          <p:cNvPr name="Titre 1" id="2"/>
           <p:cNvSpPr>
             <a:spLocks noGrp="true"/>
           </p:cNvSpPr>
@@ -382,7 +382,7 @@
           <a:lstStyle/>
           <a:p>
             <a:r>
-              <a:rPr lang="fr-FR" smtClean="false"/>
+              <a:rPr smtClean="false" lang="fr-FR"/>
               <a:t>Modifiez le style du titre</a:t>
             </a:r>
             <a:endParaRPr lang="fr-FR"/>
@@ -391,12 +391,12 @@
       </p:sp>
       <p:sp>
         <p:nvSpPr>
-          <p:cNvPr id="3" name="Espace réservé du texte vertical 2"/>
+          <p:cNvPr name="Espace réservé du texte vertical 2" id="3"/>
           <p:cNvSpPr>
             <a:spLocks noGrp="true"/>
           </p:cNvSpPr>
           <p:nvPr>
-            <p:ph type="body" orient="vert" idx="1"/>
+            <p:ph idx="1" orient="vert" type="body"/>
           </p:nvPr>
         </p:nvSpPr>
         <p:spPr/>
@@ -406,35 +406,35 @@
           <a:p>
             <a:pPr lvl="0"/>
             <a:r>
-              <a:rPr lang="fr-FR" smtClean="false"/>
+              <a:rPr smtClean="false" lang="fr-FR"/>
               <a:t>Modifiez les styles du texte du masque</a:t>
             </a:r>
           </a:p>
           <a:p>
             <a:pPr lvl="1"/>
             <a:r>
-              <a:rPr lang="fr-FR" smtClean="false"/>
+              <a:rPr smtClean="false" lang="fr-FR"/>
               <a:t>Deuxième niveau</a:t>
             </a:r>
           </a:p>
           <a:p>
             <a:pPr lvl="2"/>
             <a:r>
-              <a:rPr lang="fr-FR" smtClean="false"/>
+              <a:rPr smtClean="false" lang="fr-FR"/>
               <a:t>Troisième niveau</a:t>
             </a:r>
           </a:p>
           <a:p>
             <a:pPr lvl="3"/>
             <a:r>
-              <a:rPr lang="fr-FR" smtClean="false"/>
+              <a:rPr smtClean="false" lang="fr-FR"/>
               <a:t>Quatrième niveau</a:t>
             </a:r>
           </a:p>
           <a:p>
             <a:pPr lvl="4"/>
             <a:r>
-              <a:rPr lang="fr-FR" smtClean="false"/>
+              <a:rPr smtClean="false" lang="fr-FR"/>
               <a:t>Cinquième niveau</a:t>
             </a:r>
             <a:endParaRPr lang="fr-FR"/>
@@ -443,12 +443,12 @@
       </p:sp>
       <p:sp>
         <p:nvSpPr>
-          <p:cNvPr id="4" name="Espace réservé de la date 3"/>
+          <p:cNvPr name="Espace réservé de la date 3" id="4"/>
           <p:cNvSpPr>
             <a:spLocks noGrp="true"/>
           </p:cNvSpPr>
           <p:nvPr>
-            <p:ph type="dt" sz="half" idx="10"/>
+            <p:ph idx="10" sz="half" type="dt"/>
           </p:nvPr>
         </p:nvSpPr>
         <p:spPr/>
@@ -456,8 +456,8 @@
           <a:bodyPr/>
           <a:lstStyle/>
           <a:p>
-            <a:fld id="{CE3110EA-6548-4EF6-B0A9-8F847AEECEDD}" type="datetimeFigureOut">
-              <a:rPr lang="fr-FR" smtClean="false"/>
+            <a:fld type="datetimeFigureOut" id="{CE3110EA-6548-4EF6-B0A9-8F847AEECEDD}">
+              <a:rPr smtClean="false" lang="fr-FR"/>
               <a:t>19/07/2014</a:t>
             </a:fld>
             <a:endParaRPr lang="fr-FR"/>
@@ -466,12 +466,12 @@
       </p:sp>
       <p:sp>
         <p:nvSpPr>
-          <p:cNvPr id="5" name="Espace réservé du pied de page 4"/>
+          <p:cNvPr name="Espace réservé du pied de page 4" id="5"/>
           <p:cNvSpPr>
             <a:spLocks noGrp="true"/>
           </p:cNvSpPr>
           <p:nvPr>
-            <p:ph type="ftr" sz="quarter" idx="11"/>
+            <p:ph idx="11" sz="quarter" type="ftr"/>
           </p:nvPr>
         </p:nvSpPr>
         <p:spPr/>
@@ -485,12 +485,12 @@
       </p:sp>
       <p:sp>
         <p:nvSpPr>
-          <p:cNvPr id="6" name="Espace réservé du numéro de diapositive 5"/>
+          <p:cNvPr name="Espace réservé du numéro de diapositive 5" id="6"/>
           <p:cNvSpPr>
             <a:spLocks noGrp="true"/>
           </p:cNvSpPr>
           <p:nvPr>
-            <p:ph type="sldNum" sz="quarter" idx="12"/>
+            <p:ph idx="12" sz="quarter" type="sldNum"/>
           </p:nvPr>
         </p:nvSpPr>
         <p:spPr/>
@@ -498,8 +498,8 @@
           <a:bodyPr/>
           <a:lstStyle/>
           <a:p>
-            <a:fld id="{C47AABF0-D73A-43C1-84CC-8A30B6535388}" type="slidenum">
-              <a:rPr lang="fr-FR" smtClean="false"/>
+            <a:fld type="slidenum" id="{C47AABF0-D73A-43C1-84CC-8A30B6535388}">
+              <a:rPr smtClean="false" lang="fr-FR"/>
               <a:t>‹N°›</a:t>
             </a:fld>
             <a:endParaRPr lang="fr-FR"/>
@@ -519,7 +519,7 @@
   <p:timing>
     <p:tnLst>
       <p:par>
-        <p:cTn id="1" dur="indefinite" restart="never" nodeType="tmRoot"/>
+        <p:cTn nodeType="tmRoot" restart="never" dur="indefinite" id="1"/>
       </p:par>
     </p:tnLst>
   </p:timing>
@@ -527,36 +527,36 @@
 </file>
 
 <file path=ppt/slideLayouts/slideLayout11.xml><?xml version="1.0" encoding="utf-8"?>
-<p:sldLayout xmlns:r="http://schemas.openxmlformats.org/officeDocument/2006/relationships" xmlns:a="http://schemas.openxmlformats.org/drawingml/2006/main" xmlns:p="http://schemas.openxmlformats.org/presentationml/2006/main" xmlns:mc="http://schemas.openxmlformats.org/markup-compatibility/2006" xmlns:c="http://schemas.openxmlformats.org/drawingml/2006/chart" xmlns:ns6="http://schemas.openxmlformats.org/drawingml/2006/chartDrawing" xmlns:dgm="http://schemas.openxmlformats.org/drawingml/2006/diagram" xmlns:pic="http://schemas.openxmlformats.org/drawingml/2006/picture" xmlns:wp="http://schemas.openxmlformats.org/drawingml/2006/wordprocessingDrawing" xmlns:xdr="http://schemas.openxmlformats.org/drawingml/2006/spreadsheetDrawing" xmlns:ns11="http://schemas.openxmlformats.org/drawingml/2006/compatibility" xmlns:ns12="http://schemas.openxmlformats.org/drawingml/2006/lockedCanvas" type="vertTitleAndTx" preserve="true">
+<p:sldLayout xmlns:r="http://schemas.openxmlformats.org/officeDocument/2006/relationships" xmlns:a="http://schemas.openxmlformats.org/drawingml/2006/main" xmlns:p="http://schemas.openxmlformats.org/presentationml/2006/main" xmlns:mc="http://schemas.openxmlformats.org/markup-compatibility/2006" xmlns:c="http://schemas.openxmlformats.org/drawingml/2006/chart" xmlns:ns6="http://schemas.openxmlformats.org/drawingml/2006/chartDrawing" xmlns:dgm="http://schemas.openxmlformats.org/drawingml/2006/diagram" xmlns:pic="http://schemas.openxmlformats.org/drawingml/2006/picture" xmlns:wp="http://schemas.openxmlformats.org/drawingml/2006/wordprocessingDrawing" xmlns:xdr="http://schemas.openxmlformats.org/drawingml/2006/spreadsheetDrawing" xmlns:ns11="http://schemas.openxmlformats.org/drawingml/2006/compatibility" xmlns:ns12="http://schemas.openxmlformats.org/drawingml/2006/lockedCanvas" preserve="true" type="vertTitleAndTx">
   <p:cSld name="Vertical Title and Text">
     <p:spTree>
       <p:nvGrpSpPr>
-        <p:cNvPr id="1" name=""/>
+        <p:cNvPr name="" id="1"/>
         <p:cNvGrpSpPr/>
         <p:nvPr/>
       </p:nvGrpSpPr>
       <p:grpSpPr>
         <a:xfrm>
-          <a:off x="0" y="0"/>
-          <a:ext cx="0" cy="0"/>
-          <a:chOff x="0" y="0"/>
-          <a:chExt cx="0" cy="0"/>
+          <a:off y="0" x="0"/>
+          <a:ext cy="0" cx="0"/>
+          <a:chOff y="0" x="0"/>
+          <a:chExt cy="0" cx="0"/>
         </a:xfrm>
       </p:grpSpPr>
       <p:sp>
         <p:nvSpPr>
-          <p:cNvPr id="2" name="Titre vertical 1"/>
+          <p:cNvPr name="Titre vertical 1" id="2"/>
           <p:cNvSpPr>
             <a:spLocks noGrp="true"/>
           </p:cNvSpPr>
           <p:nvPr>
-            <p:ph type="title" orient="vert"/>
+            <p:ph orient="vert" type="title"/>
           </p:nvPr>
         </p:nvSpPr>
         <p:spPr>
           <a:xfrm>
-            <a:off x="8724900" y="365125"/>
-            <a:ext cx="2628900" cy="5811838"/>
+            <a:off y="365125" x="8724900"/>
+            <a:ext cy="5811838" cx="2628900"/>
           </a:xfrm>
         </p:spPr>
         <p:txBody>
@@ -564,7 +564,7 @@
           <a:lstStyle/>
           <a:p>
             <a:r>
-              <a:rPr lang="fr-FR" smtClean="false"/>
+              <a:rPr smtClean="false" lang="fr-FR"/>
               <a:t>Modifiez le style du titre</a:t>
             </a:r>
             <a:endParaRPr lang="fr-FR"/>
@@ -573,18 +573,18 @@
       </p:sp>
       <p:sp>
         <p:nvSpPr>
-          <p:cNvPr id="3" name="Espace réservé du texte vertical 2"/>
+          <p:cNvPr name="Espace réservé du texte vertical 2" id="3"/>
           <p:cNvSpPr>
             <a:spLocks noGrp="true"/>
           </p:cNvSpPr>
           <p:nvPr>
-            <p:ph type="body" orient="vert" idx="1"/>
+            <p:ph idx="1" orient="vert" type="body"/>
           </p:nvPr>
         </p:nvSpPr>
         <p:spPr>
           <a:xfrm>
-            <a:off x="838200" y="365125"/>
-            <a:ext cx="7734300" cy="5811838"/>
+            <a:off y="365125" x="838200"/>
+            <a:ext cy="5811838" cx="7734300"/>
           </a:xfrm>
         </p:spPr>
         <p:txBody>
@@ -593,35 +593,35 @@
           <a:p>
             <a:pPr lvl="0"/>
             <a:r>
-              <a:rPr lang="fr-FR" smtClean="false"/>
+              <a:rPr smtClean="false" lang="fr-FR"/>
               <a:t>Modifiez les styles du texte du masque</a:t>
             </a:r>
           </a:p>
           <a:p>
             <a:pPr lvl="1"/>
             <a:r>
-              <a:rPr lang="fr-FR" smtClean="false"/>
+              <a:rPr smtClean="false" lang="fr-FR"/>
               <a:t>Deuxième niveau</a:t>
             </a:r>
           </a:p>
           <a:p>
             <a:pPr lvl="2"/>
             <a:r>
-              <a:rPr lang="fr-FR" smtClean="false"/>
+              <a:rPr smtClean="false" lang="fr-FR"/>
               <a:t>Troisième niveau</a:t>
             </a:r>
           </a:p>
           <a:p>
             <a:pPr lvl="3"/>
             <a:r>
-              <a:rPr lang="fr-FR" smtClean="false"/>
+              <a:rPr smtClean="false" lang="fr-FR"/>
               <a:t>Quatrième niveau</a:t>
             </a:r>
           </a:p>
           <a:p>
             <a:pPr lvl="4"/>
             <a:r>
-              <a:rPr lang="fr-FR" smtClean="false"/>
+              <a:rPr smtClean="false" lang="fr-FR"/>
               <a:t>Cinquième niveau</a:t>
             </a:r>
             <a:endParaRPr lang="fr-FR"/>
@@ -630,12 +630,12 @@
       </p:sp>
       <p:sp>
         <p:nvSpPr>
-          <p:cNvPr id="4" name="Espace réservé de la date 3"/>
+          <p:cNvPr name="Espace réservé de la date 3" id="4"/>
           <p:cNvSpPr>
             <a:spLocks noGrp="true"/>
           </p:cNvSpPr>
           <p:nvPr>
-            <p:ph type="dt" sz="half" idx="10"/>
+            <p:ph idx="10" sz="half" type="dt"/>
           </p:nvPr>
         </p:nvSpPr>
         <p:spPr/>
@@ -643,8 +643,8 @@
           <a:bodyPr/>
           <a:lstStyle/>
           <a:p>
-            <a:fld id="{CE3110EA-6548-4EF6-B0A9-8F847AEECEDD}" type="datetimeFigureOut">
-              <a:rPr lang="fr-FR" smtClean="false"/>
+            <a:fld type="datetimeFigureOut" id="{CE3110EA-6548-4EF6-B0A9-8F847AEECEDD}">
+              <a:rPr smtClean="false" lang="fr-FR"/>
               <a:t>19/07/2014</a:t>
             </a:fld>
             <a:endParaRPr lang="fr-FR"/>
@@ -653,12 +653,12 @@
       </p:sp>
       <p:sp>
         <p:nvSpPr>
-          <p:cNvPr id="5" name="Espace réservé du pied de page 4"/>
+          <p:cNvPr name="Espace réservé du pied de page 4" id="5"/>
           <p:cNvSpPr>
             <a:spLocks noGrp="true"/>
           </p:cNvSpPr>
           <p:nvPr>
-            <p:ph type="ftr" sz="quarter" idx="11"/>
+            <p:ph idx="11" sz="quarter" type="ftr"/>
           </p:nvPr>
         </p:nvSpPr>
         <p:spPr/>
@@ -672,12 +672,12 @@
       </p:sp>
       <p:sp>
         <p:nvSpPr>
-          <p:cNvPr id="6" name="Espace réservé du numéro de diapositive 5"/>
+          <p:cNvPr name="Espace réservé du numéro de diapositive 5" id="6"/>
           <p:cNvSpPr>
             <a:spLocks noGrp="true"/>
           </p:cNvSpPr>
           <p:nvPr>
-            <p:ph type="sldNum" sz="quarter" idx="12"/>
+            <p:ph idx="12" sz="quarter" type="sldNum"/>
           </p:nvPr>
         </p:nvSpPr>
         <p:spPr/>
@@ -685,8 +685,8 @@
           <a:bodyPr/>
           <a:lstStyle/>
           <a:p>
-            <a:fld id="{C47AABF0-D73A-43C1-84CC-8A30B6535388}" type="slidenum">
-              <a:rPr lang="fr-FR" smtClean="false"/>
+            <a:fld type="slidenum" id="{C47AABF0-D73A-43C1-84CC-8A30B6535388}">
+              <a:rPr smtClean="false" lang="fr-FR"/>
               <a:t>‹N°›</a:t>
             </a:fld>
             <a:endParaRPr lang="fr-FR"/>
@@ -706,7 +706,7 @@
   <p:timing>
     <p:tnLst>
       <p:par>
-        <p:cTn id="1" dur="indefinite" restart="never" nodeType="tmRoot"/>
+        <p:cTn nodeType="tmRoot" restart="never" dur="indefinite" id="1"/>
       </p:par>
     </p:tnLst>
   </p:timing>
@@ -714,25 +714,25 @@
 </file>
 
 <file path=ppt/slideLayouts/slideLayout2.xml><?xml version="1.0" encoding="utf-8"?>
-<p:sldLayout xmlns:r="http://schemas.openxmlformats.org/officeDocument/2006/relationships" xmlns:a="http://schemas.openxmlformats.org/drawingml/2006/main" xmlns:p="http://schemas.openxmlformats.org/presentationml/2006/main" xmlns:mc="http://schemas.openxmlformats.org/markup-compatibility/2006" xmlns:c="http://schemas.openxmlformats.org/drawingml/2006/chart" xmlns:ns6="http://schemas.openxmlformats.org/drawingml/2006/chartDrawing" xmlns:dgm="http://schemas.openxmlformats.org/drawingml/2006/diagram" xmlns:pic="http://schemas.openxmlformats.org/drawingml/2006/picture" xmlns:wp="http://schemas.openxmlformats.org/drawingml/2006/wordprocessingDrawing" xmlns:xdr="http://schemas.openxmlformats.org/drawingml/2006/spreadsheetDrawing" xmlns:ns11="http://schemas.openxmlformats.org/drawingml/2006/compatibility" xmlns:ns12="http://schemas.openxmlformats.org/drawingml/2006/lockedCanvas" type="obj" preserve="true">
+<p:sldLayout xmlns:r="http://schemas.openxmlformats.org/officeDocument/2006/relationships" xmlns:a="http://schemas.openxmlformats.org/drawingml/2006/main" xmlns:p="http://schemas.openxmlformats.org/presentationml/2006/main" xmlns:mc="http://schemas.openxmlformats.org/markup-compatibility/2006" xmlns:c="http://schemas.openxmlformats.org/drawingml/2006/chart" xmlns:ns6="http://schemas.openxmlformats.org/drawingml/2006/chartDrawing" xmlns:dgm="http://schemas.openxmlformats.org/drawingml/2006/diagram" xmlns:pic="http://schemas.openxmlformats.org/drawingml/2006/picture" xmlns:wp="http://schemas.openxmlformats.org/drawingml/2006/wordprocessingDrawing" xmlns:xdr="http://schemas.openxmlformats.org/drawingml/2006/spreadsheetDrawing" xmlns:ns11="http://schemas.openxmlformats.org/drawingml/2006/compatibility" xmlns:ns12="http://schemas.openxmlformats.org/drawingml/2006/lockedCanvas" preserve="true" type="obj">
   <p:cSld name="Title and Content">
     <p:spTree>
       <p:nvGrpSpPr>
-        <p:cNvPr id="1" name=""/>
+        <p:cNvPr name="" id="1"/>
         <p:cNvGrpSpPr/>
         <p:nvPr/>
       </p:nvGrpSpPr>
       <p:grpSpPr>
         <a:xfrm>
-          <a:off x="0" y="0"/>
-          <a:ext cx="0" cy="0"/>
-          <a:chOff x="0" y="0"/>
-          <a:chExt cx="0" cy="0"/>
+          <a:off y="0" x="0"/>
+          <a:ext cy="0" cx="0"/>
+          <a:chOff y="0" x="0"/>
+          <a:chExt cy="0" cx="0"/>
         </a:xfrm>
       </p:grpSpPr>
       <p:sp>
         <p:nvSpPr>
-          <p:cNvPr id="2" name="Titre 1"/>
+          <p:cNvPr name="Titre 1" id="2"/>
           <p:cNvSpPr>
             <a:spLocks noGrp="true"/>
           </p:cNvSpPr>
@@ -746,7 +746,7 @@
           <a:lstStyle/>
           <a:p>
             <a:r>
-              <a:rPr lang="fr-FR" smtClean="false"/>
+              <a:rPr smtClean="false" lang="fr-FR"/>
               <a:t>Modifiez le style du titre</a:t>
             </a:r>
             <a:endParaRPr lang="fr-FR"/>
@@ -755,7 +755,7 @@
       </p:sp>
       <p:sp>
         <p:nvSpPr>
-          <p:cNvPr id="3" name="Espace réservé du contenu 2"/>
+          <p:cNvPr name="Espace réservé du contenu 2" id="3"/>
           <p:cNvSpPr>
             <a:spLocks noGrp="true"/>
           </p:cNvSpPr>
@@ -765,8 +765,8 @@
         </p:nvSpPr>
         <p:spPr>
           <a:xfrm>
-            <a:off x="838200" y="1825625"/>
-            <a:ext cx="10515600" cy="4351338"/>
+            <a:off y="1825625" x="838200"/>
+            <a:ext cy="4351338" cx="10515600"/>
           </a:xfrm>
         </p:spPr>
         <p:txBody>
@@ -775,35 +775,35 @@
           <a:p>
             <a:pPr lvl="0"/>
             <a:r>
-              <a:rPr lang="fr-FR" smtClean="false"/>
+              <a:rPr smtClean="false" lang="fr-FR"/>
               <a:t>Modifiez les styles du texte du masque</a:t>
             </a:r>
           </a:p>
           <a:p>
             <a:pPr lvl="1"/>
             <a:r>
-              <a:rPr lang="fr-FR" smtClean="false"/>
+              <a:rPr smtClean="false" lang="fr-FR"/>
               <a:t>Deuxième niveau</a:t>
             </a:r>
           </a:p>
           <a:p>
             <a:pPr lvl="2"/>
             <a:r>
-              <a:rPr lang="fr-FR" smtClean="false"/>
+              <a:rPr smtClean="false" lang="fr-FR"/>
               <a:t>Troisième niveau</a:t>
             </a:r>
           </a:p>
           <a:p>
             <a:pPr lvl="3"/>
             <a:r>
-              <a:rPr lang="fr-FR" smtClean="false"/>
+              <a:rPr smtClean="false" lang="fr-FR"/>
               <a:t>Quatrième niveau</a:t>
             </a:r>
           </a:p>
           <a:p>
             <a:pPr lvl="4"/>
             <a:r>
-              <a:rPr lang="fr-FR" smtClean="false"/>
+              <a:rPr smtClean="false" lang="fr-FR"/>
               <a:t>Cinquième niveau</a:t>
             </a:r>
             <a:endParaRPr lang="fr-FR"/>
@@ -812,12 +812,12 @@
       </p:sp>
       <p:sp>
         <p:nvSpPr>
-          <p:cNvPr id="4" name="Espace réservé de la date 3"/>
+          <p:cNvPr name="Espace réservé de la date 3" id="4"/>
           <p:cNvSpPr>
             <a:spLocks noGrp="true"/>
           </p:cNvSpPr>
           <p:nvPr>
-            <p:ph type="dt" sz="half" idx="10"/>
+            <p:ph idx="10" sz="half" type="dt"/>
           </p:nvPr>
         </p:nvSpPr>
         <p:spPr/>
@@ -825,8 +825,8 @@
           <a:bodyPr/>
           <a:lstStyle/>
           <a:p>
-            <a:fld id="{CE3110EA-6548-4EF6-B0A9-8F847AEECEDD}" type="datetimeFigureOut">
-              <a:rPr lang="fr-FR" smtClean="false"/>
+            <a:fld type="datetimeFigureOut" id="{CE3110EA-6548-4EF6-B0A9-8F847AEECEDD}">
+              <a:rPr smtClean="false" lang="fr-FR"/>
               <a:t>19/07/2014</a:t>
             </a:fld>
             <a:endParaRPr lang="fr-FR"/>
@@ -835,12 +835,12 @@
       </p:sp>
       <p:sp>
         <p:nvSpPr>
-          <p:cNvPr id="5" name="Espace réservé du pied de page 4"/>
+          <p:cNvPr name="Espace réservé du pied de page 4" id="5"/>
           <p:cNvSpPr>
             <a:spLocks noGrp="true"/>
           </p:cNvSpPr>
           <p:nvPr>
-            <p:ph type="ftr" sz="quarter" idx="11"/>
+            <p:ph idx="11" sz="quarter" type="ftr"/>
           </p:nvPr>
         </p:nvSpPr>
         <p:spPr/>
@@ -854,12 +854,12 @@
       </p:sp>
       <p:sp>
         <p:nvSpPr>
-          <p:cNvPr id="6" name="Espace réservé du numéro de diapositive 5"/>
+          <p:cNvPr name="Espace réservé du numéro de diapositive 5" id="6"/>
           <p:cNvSpPr>
             <a:spLocks noGrp="true"/>
           </p:cNvSpPr>
           <p:nvPr>
-            <p:ph type="sldNum" sz="quarter" idx="12"/>
+            <p:ph idx="12" sz="quarter" type="sldNum"/>
           </p:nvPr>
         </p:nvSpPr>
         <p:spPr/>
@@ -867,8 +867,8 @@
           <a:bodyPr/>
           <a:lstStyle/>
           <a:p>
-            <a:fld id="{C47AABF0-D73A-43C1-84CC-8A30B6535388}" type="slidenum">
-              <a:rPr lang="fr-FR" smtClean="false"/>
+            <a:fld type="slidenum" id="{C47AABF0-D73A-43C1-84CC-8A30B6535388}">
+              <a:rPr smtClean="false" lang="fr-FR"/>
               <a:t>‹N°›</a:t>
             </a:fld>
             <a:endParaRPr lang="fr-FR"/>
@@ -877,14 +877,14 @@
       </p:sp>
       <p:cxnSp>
         <p:nvCxnSpPr>
-          <p:cNvPr id="7" name="Connecteur droit 6"/>
+          <p:cNvPr name="Connecteur droit 6" id="7"/>
           <p:cNvCxnSpPr/>
           <p:nvPr userDrawn="true"/>
         </p:nvCxnSpPr>
         <p:spPr>
           <a:xfrm>
-            <a:off x="838200" y="1755899"/>
-            <a:ext cx="10515600" cy="0"/>
+            <a:off y="1755899" x="838200"/>
+            <a:ext cy="0" cx="10515600"/>
           </a:xfrm>
           <a:prstGeom prst="line">
             <a:avLst/>
@@ -923,7 +923,7 @@
   <p:timing>
     <p:tnLst>
       <p:par>
-        <p:cTn id="1" dur="indefinite" restart="never" nodeType="tmRoot"/>
+        <p:cTn nodeType="tmRoot" restart="never" dur="indefinite" id="1"/>
       </p:par>
     </p:tnLst>
   </p:timing>
@@ -931,25 +931,25 @@
 </file>
 
 <file path=ppt/slideLayouts/slideLayout3.xml><?xml version="1.0" encoding="utf-8"?>
-<p:sldLayout xmlns:r="http://schemas.openxmlformats.org/officeDocument/2006/relationships" xmlns:a="http://schemas.openxmlformats.org/drawingml/2006/main" xmlns:p="http://schemas.openxmlformats.org/presentationml/2006/main" xmlns:mc="http://schemas.openxmlformats.org/markup-compatibility/2006" xmlns:c="http://schemas.openxmlformats.org/drawingml/2006/chart" xmlns:ns6="http://schemas.openxmlformats.org/drawingml/2006/chartDrawing" xmlns:dgm="http://schemas.openxmlformats.org/drawingml/2006/diagram" xmlns:pic="http://schemas.openxmlformats.org/drawingml/2006/picture" xmlns:wp="http://schemas.openxmlformats.org/drawingml/2006/wordprocessingDrawing" xmlns:xdr="http://schemas.openxmlformats.org/drawingml/2006/spreadsheetDrawing" xmlns:ns11="http://schemas.openxmlformats.org/drawingml/2006/compatibility" xmlns:ns12="http://schemas.openxmlformats.org/drawingml/2006/lockedCanvas" type="secHead" preserve="true">
+<p:sldLayout xmlns:r="http://schemas.openxmlformats.org/officeDocument/2006/relationships" xmlns:a="http://schemas.openxmlformats.org/drawingml/2006/main" xmlns:p="http://schemas.openxmlformats.org/presentationml/2006/main" xmlns:mc="http://schemas.openxmlformats.org/markup-compatibility/2006" xmlns:c="http://schemas.openxmlformats.org/drawingml/2006/chart" xmlns:ns6="http://schemas.openxmlformats.org/drawingml/2006/chartDrawing" xmlns:dgm="http://schemas.openxmlformats.org/drawingml/2006/diagram" xmlns:pic="http://schemas.openxmlformats.org/drawingml/2006/picture" xmlns:wp="http://schemas.openxmlformats.org/drawingml/2006/wordprocessingDrawing" xmlns:xdr="http://schemas.openxmlformats.org/drawingml/2006/spreadsheetDrawing" xmlns:ns11="http://schemas.openxmlformats.org/drawingml/2006/compatibility" xmlns:ns12="http://schemas.openxmlformats.org/drawingml/2006/lockedCanvas" preserve="true" type="secHead">
   <p:cSld name="Section Header">
     <p:spTree>
       <p:nvGrpSpPr>
-        <p:cNvPr id="1" name=""/>
+        <p:cNvPr name="" id="1"/>
         <p:cNvGrpSpPr/>
         <p:nvPr/>
       </p:nvGrpSpPr>
       <p:grpSpPr>
         <a:xfrm>
-          <a:off x="0" y="0"/>
-          <a:ext cx="0" cy="0"/>
-          <a:chOff x="0" y="0"/>
-          <a:chExt cx="0" cy="0"/>
+          <a:off y="0" x="0"/>
+          <a:ext cy="0" cx="0"/>
+          <a:chOff y="0" x="0"/>
+          <a:chExt cy="0" cx="0"/>
         </a:xfrm>
       </p:grpSpPr>
       <p:sp>
         <p:nvSpPr>
-          <p:cNvPr id="2" name="Titre 1"/>
+          <p:cNvPr name="Titre 1" id="2"/>
           <p:cNvSpPr>
             <a:spLocks noGrp="true"/>
           </p:cNvSpPr>
@@ -959,8 +959,8 @@
         </p:nvSpPr>
         <p:spPr>
           <a:xfrm>
-            <a:off x="831850" y="1709738"/>
-            <a:ext cx="10515600" cy="2852737"/>
+            <a:off y="1709738" x="831850"/>
+            <a:ext cy="2852737" cx="10515600"/>
           </a:xfrm>
         </p:spPr>
         <p:txBody>
@@ -972,7 +972,7 @@
           </a:lstStyle>
           <a:p>
             <a:r>
-              <a:rPr lang="fr-FR" smtClean="false"/>
+              <a:rPr smtClean="false" lang="fr-FR"/>
               <a:t>Modifiez le style du titre</a:t>
             </a:r>
             <a:endParaRPr lang="fr-FR"/>
@@ -981,24 +981,24 @@
       </p:sp>
       <p:sp>
         <p:nvSpPr>
-          <p:cNvPr id="3" name="Espace réservé du texte 2"/>
+          <p:cNvPr name="Espace réservé du texte 2" id="3"/>
           <p:cNvSpPr>
             <a:spLocks noGrp="true"/>
           </p:cNvSpPr>
           <p:nvPr>
-            <p:ph type="body" idx="1"/>
+            <p:ph idx="1" type="body"/>
           </p:nvPr>
         </p:nvSpPr>
         <p:spPr>
           <a:xfrm>
-            <a:off x="831850" y="4589463"/>
-            <a:ext cx="10515600" cy="1500187"/>
+            <a:off y="4589463" x="831850"/>
+            <a:ext cy="1500187" cx="10515600"/>
           </a:xfrm>
         </p:spPr>
         <p:txBody>
           <a:bodyPr/>
           <a:lstStyle>
-            <a:lvl1pPr marL="0" indent="0">
+            <a:lvl1pPr indent="0" marL="0">
               <a:buNone/>
               <a:defRPr sz="2400">
                 <a:solidFill>
@@ -1008,7 +1008,7 @@
                 </a:solidFill>
               </a:defRPr>
             </a:lvl1pPr>
-            <a:lvl2pPr marL="457200" indent="0">
+            <a:lvl2pPr indent="0" marL="457200">
               <a:buNone/>
               <a:defRPr sz="2000">
                 <a:solidFill>
@@ -1018,7 +1018,7 @@
                 </a:solidFill>
               </a:defRPr>
             </a:lvl2pPr>
-            <a:lvl3pPr marL="914400" indent="0">
+            <a:lvl3pPr indent="0" marL="914400">
               <a:buNone/>
               <a:defRPr sz="1800">
                 <a:solidFill>
@@ -1028,7 +1028,7 @@
                 </a:solidFill>
               </a:defRPr>
             </a:lvl3pPr>
-            <a:lvl4pPr marL="1371600" indent="0">
+            <a:lvl4pPr indent="0" marL="1371600">
               <a:buNone/>
               <a:defRPr sz="1600">
                 <a:solidFill>
@@ -1038,7 +1038,7 @@
                 </a:solidFill>
               </a:defRPr>
             </a:lvl4pPr>
-            <a:lvl5pPr marL="1828800" indent="0">
+            <a:lvl5pPr indent="0" marL="1828800">
               <a:buNone/>
               <a:defRPr sz="1600">
                 <a:solidFill>
@@ -1048,7 +1048,7 @@
                 </a:solidFill>
               </a:defRPr>
             </a:lvl5pPr>
-            <a:lvl6pPr marL="2286000" indent="0">
+            <a:lvl6pPr indent="0" marL="2286000">
               <a:buNone/>
               <a:defRPr sz="1600">
                 <a:solidFill>
@@ -1058,7 +1058,7 @@
                 </a:solidFill>
               </a:defRPr>
             </a:lvl6pPr>
-            <a:lvl7pPr marL="2743200" indent="0">
+            <a:lvl7pPr indent="0" marL="2743200">
               <a:buNone/>
               <a:defRPr sz="1600">
                 <a:solidFill>
@@ -1068,7 +1068,7 @@
                 </a:solidFill>
               </a:defRPr>
             </a:lvl7pPr>
-            <a:lvl8pPr marL="3200400" indent="0">
+            <a:lvl8pPr indent="0" marL="3200400">
               <a:buNone/>
               <a:defRPr sz="1600">
                 <a:solidFill>
@@ -1078,7 +1078,7 @@
                 </a:solidFill>
               </a:defRPr>
             </a:lvl8pPr>
-            <a:lvl9pPr marL="3657600" indent="0">
+            <a:lvl9pPr indent="0" marL="3657600">
               <a:buNone/>
               <a:defRPr sz="1600">
                 <a:solidFill>
@@ -1092,7 +1092,7 @@
           <a:p>
             <a:pPr lvl="0"/>
             <a:r>
-              <a:rPr lang="fr-FR" smtClean="false"/>
+              <a:rPr smtClean="false" lang="fr-FR"/>
               <a:t>Modifiez les styles du texte du masque</a:t>
             </a:r>
           </a:p>
@@ -1100,12 +1100,12 @@
       </p:sp>
       <p:sp>
         <p:nvSpPr>
-          <p:cNvPr id="4" name="Espace réservé de la date 3"/>
+          <p:cNvPr name="Espace réservé de la date 3" id="4"/>
           <p:cNvSpPr>
             <a:spLocks noGrp="true"/>
           </p:cNvSpPr>
           <p:nvPr>
-            <p:ph type="dt" sz="half" idx="10"/>
+            <p:ph idx="10" sz="half" type="dt"/>
           </p:nvPr>
         </p:nvSpPr>
         <p:spPr/>
@@ -1113,8 +1113,8 @@
           <a:bodyPr/>
           <a:lstStyle/>
           <a:p>
-            <a:fld id="{CE3110EA-6548-4EF6-B0A9-8F847AEECEDD}" type="datetimeFigureOut">
-              <a:rPr lang="fr-FR" smtClean="false"/>
+            <a:fld type="datetimeFigureOut" id="{CE3110EA-6548-4EF6-B0A9-8F847AEECEDD}">
+              <a:rPr smtClean="false" lang="fr-FR"/>
               <a:t>19/07/2014</a:t>
             </a:fld>
             <a:endParaRPr lang="fr-FR"/>
@@ -1123,12 +1123,12 @@
       </p:sp>
       <p:sp>
         <p:nvSpPr>
-          <p:cNvPr id="5" name="Espace réservé du pied de page 4"/>
+          <p:cNvPr name="Espace réservé du pied de page 4" id="5"/>
           <p:cNvSpPr>
             <a:spLocks noGrp="true"/>
           </p:cNvSpPr>
           <p:nvPr>
-            <p:ph type="ftr" sz="quarter" idx="11"/>
+            <p:ph idx="11" sz="quarter" type="ftr"/>
           </p:nvPr>
         </p:nvSpPr>
         <p:spPr/>
@@ -1142,12 +1142,12 @@
       </p:sp>
       <p:sp>
         <p:nvSpPr>
-          <p:cNvPr id="6" name="Espace réservé du numéro de diapositive 5"/>
+          <p:cNvPr name="Espace réservé du numéro de diapositive 5" id="6"/>
           <p:cNvSpPr>
             <a:spLocks noGrp="true"/>
           </p:cNvSpPr>
           <p:nvPr>
-            <p:ph type="sldNum" sz="quarter" idx="12"/>
+            <p:ph idx="12" sz="quarter" type="sldNum"/>
           </p:nvPr>
         </p:nvSpPr>
         <p:spPr/>
@@ -1155,8 +1155,8 @@
           <a:bodyPr/>
           <a:lstStyle/>
           <a:p>
-            <a:fld id="{C47AABF0-D73A-43C1-84CC-8A30B6535388}" type="slidenum">
-              <a:rPr lang="fr-FR" smtClean="false"/>
+            <a:fld type="slidenum" id="{C47AABF0-D73A-43C1-84CC-8A30B6535388}">
+              <a:rPr smtClean="false" lang="fr-FR"/>
               <a:t>‹N°›</a:t>
             </a:fld>
             <a:endParaRPr lang="fr-FR"/>
@@ -1176,7 +1176,7 @@
   <p:timing>
     <p:tnLst>
       <p:par>
-        <p:cTn id="1" dur="indefinite" restart="never" nodeType="tmRoot"/>
+        <p:cTn nodeType="tmRoot" restart="never" dur="indefinite" id="1"/>
       </p:par>
     </p:tnLst>
   </p:timing>
@@ -1184,25 +1184,25 @@
 </file>
 
 <file path=ppt/slideLayouts/slideLayout4.xml><?xml version="1.0" encoding="utf-8"?>
-<p:sldLayout xmlns:r="http://schemas.openxmlformats.org/officeDocument/2006/relationships" xmlns:a="http://schemas.openxmlformats.org/drawingml/2006/main" xmlns:p="http://schemas.openxmlformats.org/presentationml/2006/main" xmlns:mc="http://schemas.openxmlformats.org/markup-compatibility/2006" xmlns:c="http://schemas.openxmlformats.org/drawingml/2006/chart" xmlns:ns6="http://schemas.openxmlformats.org/drawingml/2006/chartDrawing" xmlns:dgm="http://schemas.openxmlformats.org/drawingml/2006/diagram" xmlns:pic="http://schemas.openxmlformats.org/drawingml/2006/picture" xmlns:wp="http://schemas.openxmlformats.org/drawingml/2006/wordprocessingDrawing" xmlns:xdr="http://schemas.openxmlformats.org/drawingml/2006/spreadsheetDrawing" xmlns:ns11="http://schemas.openxmlformats.org/drawingml/2006/compatibility" xmlns:ns12="http://schemas.openxmlformats.org/drawingml/2006/lockedCanvas" type="twoObj" preserve="true">
+<p:sldLayout xmlns:r="http://schemas.openxmlformats.org/officeDocument/2006/relationships" xmlns:a="http://schemas.openxmlformats.org/drawingml/2006/main" xmlns:p="http://schemas.openxmlformats.org/presentationml/2006/main" xmlns:mc="http://schemas.openxmlformats.org/markup-compatibility/2006" xmlns:c="http://schemas.openxmlformats.org/drawingml/2006/chart" xmlns:ns6="http://schemas.openxmlformats.org/drawingml/2006/chartDrawing" xmlns:dgm="http://schemas.openxmlformats.org/drawingml/2006/diagram" xmlns:pic="http://schemas.openxmlformats.org/drawingml/2006/picture" xmlns:wp="http://schemas.openxmlformats.org/drawingml/2006/wordprocessingDrawing" xmlns:xdr="http://schemas.openxmlformats.org/drawingml/2006/spreadsheetDrawing" xmlns:ns11="http://schemas.openxmlformats.org/drawingml/2006/compatibility" xmlns:ns12="http://schemas.openxmlformats.org/drawingml/2006/lockedCanvas" preserve="true" type="twoObj">
   <p:cSld name="Two Content">
     <p:spTree>
       <p:nvGrpSpPr>
-        <p:cNvPr id="1" name=""/>
+        <p:cNvPr name="" id="1"/>
         <p:cNvGrpSpPr/>
         <p:nvPr/>
       </p:nvGrpSpPr>
       <p:grpSpPr>
         <a:xfrm>
-          <a:off x="0" y="0"/>
-          <a:ext cx="0" cy="0"/>
-          <a:chOff x="0" y="0"/>
-          <a:chExt cx="0" cy="0"/>
+          <a:off y="0" x="0"/>
+          <a:ext cy="0" cx="0"/>
+          <a:chOff y="0" x="0"/>
+          <a:chExt cy="0" cx="0"/>
         </a:xfrm>
       </p:grpSpPr>
       <p:sp>
         <p:nvSpPr>
-          <p:cNvPr id="2" name="Titre 1"/>
+          <p:cNvPr name="Titre 1" id="2"/>
           <p:cNvSpPr>
             <a:spLocks noGrp="true"/>
           </p:cNvSpPr>
@@ -1216,7 +1216,7 @@
           <a:lstStyle/>
           <a:p>
             <a:r>
-              <a:rPr lang="fr-FR" smtClean="false"/>
+              <a:rPr smtClean="false" lang="fr-FR"/>
               <a:t>Modifiez le style du titre</a:t>
             </a:r>
             <a:endParaRPr lang="fr-FR"/>
@@ -1225,18 +1225,18 @@
       </p:sp>
       <p:sp>
         <p:nvSpPr>
-          <p:cNvPr id="3" name="Espace réservé du contenu 2"/>
+          <p:cNvPr name="Espace réservé du contenu 2" id="3"/>
           <p:cNvSpPr>
             <a:spLocks noGrp="true"/>
           </p:cNvSpPr>
           <p:nvPr>
-            <p:ph sz="half" idx="1"/>
+            <p:ph idx="1" sz="half"/>
           </p:nvPr>
         </p:nvSpPr>
         <p:spPr>
           <a:xfrm>
-            <a:off x="838200" y="1825625"/>
-            <a:ext cx="5181600" cy="4351338"/>
+            <a:off y="1825625" x="838200"/>
+            <a:ext cy="4351338" cx="5181600"/>
           </a:xfrm>
         </p:spPr>
         <p:txBody>
@@ -1245,35 +1245,35 @@
           <a:p>
             <a:pPr lvl="0"/>
             <a:r>
-              <a:rPr lang="fr-FR" smtClean="false"/>
+              <a:rPr smtClean="false" lang="fr-FR"/>
               <a:t>Modifiez les styles du texte du masque</a:t>
             </a:r>
           </a:p>
           <a:p>
             <a:pPr lvl="1"/>
             <a:r>
-              <a:rPr lang="fr-FR" smtClean="false"/>
+              <a:rPr smtClean="false" lang="fr-FR"/>
               <a:t>Deuxième niveau</a:t>
             </a:r>
           </a:p>
           <a:p>
             <a:pPr lvl="2"/>
             <a:r>
-              <a:rPr lang="fr-FR" smtClean="false"/>
+              <a:rPr smtClean="false" lang="fr-FR"/>
               <a:t>Troisième niveau</a:t>
             </a:r>
           </a:p>
           <a:p>
             <a:pPr lvl="3"/>
             <a:r>
-              <a:rPr lang="fr-FR" smtClean="false"/>
+              <a:rPr smtClean="false" lang="fr-FR"/>
               <a:t>Quatrième niveau</a:t>
             </a:r>
           </a:p>
           <a:p>
             <a:pPr lvl="4"/>
             <a:r>
-              <a:rPr lang="fr-FR" smtClean="false"/>
+              <a:rPr smtClean="false" lang="fr-FR"/>
               <a:t>Cinquième niveau</a:t>
             </a:r>
             <a:endParaRPr lang="fr-FR"/>
@@ -1282,18 +1282,18 @@
       </p:sp>
       <p:sp>
         <p:nvSpPr>
-          <p:cNvPr id="4" name="Espace réservé du contenu 3"/>
+          <p:cNvPr name="Espace réservé du contenu 3" id="4"/>
           <p:cNvSpPr>
             <a:spLocks noGrp="true"/>
           </p:cNvSpPr>
           <p:nvPr>
-            <p:ph sz="half" idx="2"/>
+            <p:ph idx="2" sz="half"/>
           </p:nvPr>
         </p:nvSpPr>
         <p:spPr>
           <a:xfrm>
-            <a:off x="6172200" y="1825625"/>
-            <a:ext cx="5181600" cy="4351338"/>
+            <a:off y="1825625" x="6172200"/>
+            <a:ext cy="4351338" cx="5181600"/>
           </a:xfrm>
         </p:spPr>
         <p:txBody>
@@ -1302,35 +1302,35 @@
           <a:p>
             <a:pPr lvl="0"/>
             <a:r>
-              <a:rPr lang="fr-FR" smtClean="false"/>
+              <a:rPr smtClean="false" lang="fr-FR"/>
               <a:t>Modifiez les styles du texte du masque</a:t>
             </a:r>
           </a:p>
           <a:p>
             <a:pPr lvl="1"/>
             <a:r>
-              <a:rPr lang="fr-FR" smtClean="false"/>
+              <a:rPr smtClean="false" lang="fr-FR"/>
               <a:t>Deuxième niveau</a:t>
             </a:r>
           </a:p>
           <a:p>
             <a:pPr lvl="2"/>
             <a:r>
-              <a:rPr lang="fr-FR" smtClean="false"/>
+              <a:rPr smtClean="false" lang="fr-FR"/>
               <a:t>Troisième niveau</a:t>
             </a:r>
           </a:p>
           <a:p>
             <a:pPr lvl="3"/>
             <a:r>
-              <a:rPr lang="fr-FR" smtClean="false"/>
+              <a:rPr smtClean="false" lang="fr-FR"/>
               <a:t>Quatrième niveau</a:t>
             </a:r>
           </a:p>
           <a:p>
             <a:pPr lvl="4"/>
             <a:r>
-              <a:rPr lang="fr-FR" smtClean="false"/>
+              <a:rPr smtClean="false" lang="fr-FR"/>
               <a:t>Cinquième niveau</a:t>
             </a:r>
             <a:endParaRPr lang="fr-FR"/>
@@ -1339,12 +1339,12 @@
       </p:sp>
       <p:sp>
         <p:nvSpPr>
-          <p:cNvPr id="5" name="Espace réservé de la date 4"/>
+          <p:cNvPr name="Espace réservé de la date 4" id="5"/>
           <p:cNvSpPr>
             <a:spLocks noGrp="true"/>
           </p:cNvSpPr>
           <p:nvPr>
-            <p:ph type="dt" sz="half" idx="10"/>
+            <p:ph idx="10" sz="half" type="dt"/>
           </p:nvPr>
         </p:nvSpPr>
         <p:spPr/>
@@ -1352,8 +1352,8 @@
           <a:bodyPr/>
           <a:lstStyle/>
           <a:p>
-            <a:fld id="{CE3110EA-6548-4EF6-B0A9-8F847AEECEDD}" type="datetimeFigureOut">
-              <a:rPr lang="fr-FR" smtClean="false"/>
+            <a:fld type="datetimeFigureOut" id="{CE3110EA-6548-4EF6-B0A9-8F847AEECEDD}">
+              <a:rPr smtClean="false" lang="fr-FR"/>
               <a:t>19/07/2014</a:t>
             </a:fld>
             <a:endParaRPr lang="fr-FR"/>
@@ -1362,12 +1362,12 @@
       </p:sp>
       <p:sp>
         <p:nvSpPr>
-          <p:cNvPr id="7" name="Espace réservé du numéro de diapositive 6"/>
+          <p:cNvPr name="Espace réservé du numéro de diapositive 6" id="7"/>
           <p:cNvSpPr>
             <a:spLocks noGrp="true"/>
           </p:cNvSpPr>
           <p:nvPr>
-            <p:ph type="sldNum" sz="quarter" idx="12"/>
+            <p:ph idx="12" sz="quarter" type="sldNum"/>
           </p:nvPr>
         </p:nvSpPr>
         <p:spPr/>
@@ -1375,8 +1375,8 @@
           <a:bodyPr/>
           <a:lstStyle/>
           <a:p>
-            <a:fld id="{C47AABF0-D73A-43C1-84CC-8A30B6535388}" type="slidenum">
-              <a:rPr lang="fr-FR" smtClean="false"/>
+            <a:fld type="slidenum" id="{C47AABF0-D73A-43C1-84CC-8A30B6535388}">
+              <a:rPr smtClean="false" lang="fr-FR"/>
               <a:t>‹N°›</a:t>
             </a:fld>
             <a:endParaRPr lang="fr-FR"/>
@@ -1385,12 +1385,12 @@
       </p:sp>
       <p:sp>
         <p:nvSpPr>
-          <p:cNvPr id="6" name="Espace réservé du pied de page 5"/>
+          <p:cNvPr name="Espace réservé du pied de page 5" id="6"/>
           <p:cNvSpPr>
             <a:spLocks noGrp="true"/>
           </p:cNvSpPr>
           <p:nvPr>
-            <p:ph type="ftr" sz="quarter" idx="13"/>
+            <p:ph idx="13" sz="quarter" type="ftr"/>
           </p:nvPr>
         </p:nvSpPr>
         <p:spPr/>
@@ -1404,14 +1404,14 @@
       </p:sp>
       <p:cxnSp>
         <p:nvCxnSpPr>
-          <p:cNvPr id="8" name="Connecteur droit 7"/>
+          <p:cNvPr name="Connecteur droit 7" id="8"/>
           <p:cNvCxnSpPr/>
           <p:nvPr userDrawn="true"/>
         </p:nvCxnSpPr>
         <p:spPr>
           <a:xfrm>
-            <a:off x="838200" y="1755899"/>
-            <a:ext cx="10515600" cy="0"/>
+            <a:off y="1755899" x="838200"/>
+            <a:ext cy="0" cx="10515600"/>
           </a:xfrm>
           <a:prstGeom prst="line">
             <a:avLst/>
@@ -1450,7 +1450,7 @@
   <p:timing>
     <p:tnLst>
       <p:par>
-        <p:cTn id="1" dur="indefinite" restart="never" nodeType="tmRoot"/>
+        <p:cTn nodeType="tmRoot" restart="never" dur="indefinite" id="1"/>
       </p:par>
     </p:tnLst>
   </p:timing>
@@ -1458,25 +1458,25 @@
 </file>
 
 <file path=ppt/slideLayouts/slideLayout5.xml><?xml version="1.0" encoding="utf-8"?>
-<p:sldLayout xmlns:r="http://schemas.openxmlformats.org/officeDocument/2006/relationships" xmlns:a="http://schemas.openxmlformats.org/drawingml/2006/main" xmlns:p="http://schemas.openxmlformats.org/presentationml/2006/main" xmlns:mc="http://schemas.openxmlformats.org/markup-compatibility/2006" xmlns:c="http://schemas.openxmlformats.org/drawingml/2006/chart" xmlns:ns6="http://schemas.openxmlformats.org/drawingml/2006/chartDrawing" xmlns:dgm="http://schemas.openxmlformats.org/drawingml/2006/diagram" xmlns:pic="http://schemas.openxmlformats.org/drawingml/2006/picture" xmlns:wp="http://schemas.openxmlformats.org/drawingml/2006/wordprocessingDrawing" xmlns:xdr="http://schemas.openxmlformats.org/drawingml/2006/spreadsheetDrawing" xmlns:ns11="http://schemas.openxmlformats.org/drawingml/2006/compatibility" xmlns:ns12="http://schemas.openxmlformats.org/drawingml/2006/lockedCanvas" preserve="true" userDrawn="true">
+<p:sldLayout xmlns:r="http://schemas.openxmlformats.org/officeDocument/2006/relationships" xmlns:a="http://schemas.openxmlformats.org/drawingml/2006/main" xmlns:p="http://schemas.openxmlformats.org/presentationml/2006/main" xmlns:mc="http://schemas.openxmlformats.org/markup-compatibility/2006" xmlns:c="http://schemas.openxmlformats.org/drawingml/2006/chart" xmlns:ns6="http://schemas.openxmlformats.org/drawingml/2006/chartDrawing" xmlns:dgm="http://schemas.openxmlformats.org/drawingml/2006/diagram" xmlns:pic="http://schemas.openxmlformats.org/drawingml/2006/picture" xmlns:wp="http://schemas.openxmlformats.org/drawingml/2006/wordprocessingDrawing" xmlns:xdr="http://schemas.openxmlformats.org/drawingml/2006/spreadsheetDrawing" xmlns:ns11="http://schemas.openxmlformats.org/drawingml/2006/compatibility" xmlns:ns12="http://schemas.openxmlformats.org/drawingml/2006/lockedCanvas" userDrawn="true" preserve="true">
   <p:cSld name="Four Content">
     <p:spTree>
       <p:nvGrpSpPr>
-        <p:cNvPr id="1" name=""/>
+        <p:cNvPr name="" id="1"/>
         <p:cNvGrpSpPr/>
         <p:nvPr/>
       </p:nvGrpSpPr>
       <p:grpSpPr>
         <a:xfrm>
-          <a:off x="0" y="0"/>
-          <a:ext cx="0" cy="0"/>
-          <a:chOff x="0" y="0"/>
-          <a:chExt cx="0" cy="0"/>
+          <a:off y="0" x="0"/>
+          <a:ext cy="0" cx="0"/>
+          <a:chOff y="0" x="0"/>
+          <a:chExt cy="0" cx="0"/>
         </a:xfrm>
       </p:grpSpPr>
       <p:sp>
         <p:nvSpPr>
-          <p:cNvPr id="2" name="Titre 1"/>
+          <p:cNvPr name="Titre 1" id="2"/>
           <p:cNvSpPr>
             <a:spLocks noGrp="true"/>
           </p:cNvSpPr>
@@ -1490,7 +1490,7 @@
           <a:lstStyle/>
           <a:p>
             <a:r>
-              <a:rPr lang="fr-FR" smtClean="false"/>
+              <a:rPr smtClean="false" lang="fr-FR"/>
               <a:t>Modifiez le style du titre</a:t>
             </a:r>
             <a:endParaRPr lang="fr-FR"/>
@@ -1499,18 +1499,18 @@
       </p:sp>
       <p:sp>
         <p:nvSpPr>
-          <p:cNvPr id="3" name="Espace réservé du contenu 2"/>
+          <p:cNvPr name="Espace réservé du contenu 2" id="3"/>
           <p:cNvSpPr>
             <a:spLocks noGrp="true"/>
           </p:cNvSpPr>
           <p:nvPr>
-            <p:ph sz="half" idx="1"/>
+            <p:ph idx="1" sz="half"/>
           </p:nvPr>
         </p:nvSpPr>
         <p:spPr>
           <a:xfrm>
-            <a:off x="858296" y="1825625"/>
-            <a:ext cx="5181600" cy="2160000"/>
+            <a:off y="1825625" x="858296"/>
+            <a:ext cy="2160000" cx="5181600"/>
           </a:xfrm>
         </p:spPr>
         <p:txBody>
@@ -1519,35 +1519,35 @@
           <a:p>
             <a:pPr lvl="0"/>
             <a:r>
-              <a:rPr lang="fr-FR" smtClean="false"/>
+              <a:rPr smtClean="false" lang="fr-FR"/>
               <a:t>Modifiez les styles du texte du masque</a:t>
             </a:r>
           </a:p>
           <a:p>
             <a:pPr lvl="1"/>
             <a:r>
-              <a:rPr lang="fr-FR" smtClean="false"/>
+              <a:rPr smtClean="false" lang="fr-FR"/>
               <a:t>Deuxième niveau</a:t>
             </a:r>
           </a:p>
           <a:p>
             <a:pPr lvl="2"/>
             <a:r>
-              <a:rPr lang="fr-FR" smtClean="false"/>
+              <a:rPr smtClean="false" lang="fr-FR"/>
               <a:t>Troisième niveau</a:t>
             </a:r>
           </a:p>
           <a:p>
             <a:pPr lvl="3"/>
             <a:r>
-              <a:rPr lang="fr-FR" smtClean="false"/>
+              <a:rPr smtClean="false" lang="fr-FR"/>
               <a:t>Quatrième niveau</a:t>
             </a:r>
           </a:p>
           <a:p>
             <a:pPr lvl="4"/>
             <a:r>
-              <a:rPr lang="fr-FR" smtClean="false"/>
+              <a:rPr smtClean="false" lang="fr-FR"/>
               <a:t>Cinquième niveau</a:t>
             </a:r>
             <a:endParaRPr lang="fr-FR"/>
@@ -1556,18 +1556,18 @@
       </p:sp>
       <p:sp>
         <p:nvSpPr>
-          <p:cNvPr id="4" name="Espace réservé du contenu 3"/>
+          <p:cNvPr name="Espace réservé du contenu 3" id="4"/>
           <p:cNvSpPr>
             <a:spLocks noGrp="true"/>
           </p:cNvSpPr>
           <p:nvPr>
-            <p:ph sz="half" idx="2"/>
+            <p:ph idx="2" sz="half"/>
           </p:nvPr>
         </p:nvSpPr>
         <p:spPr>
           <a:xfrm>
-            <a:off x="6152104" y="1825625"/>
-            <a:ext cx="5181600" cy="2160000"/>
+            <a:off y="1825625" x="6152104"/>
+            <a:ext cy="2160000" cx="5181600"/>
           </a:xfrm>
         </p:spPr>
         <p:txBody>
@@ -1576,35 +1576,35 @@
           <a:p>
             <a:pPr lvl="0"/>
             <a:r>
-              <a:rPr lang="fr-FR" smtClean="false"/>
+              <a:rPr smtClean="false" lang="fr-FR"/>
               <a:t>Modifiez les styles du texte du masque</a:t>
             </a:r>
           </a:p>
           <a:p>
             <a:pPr lvl="1"/>
             <a:r>
-              <a:rPr lang="fr-FR" smtClean="false"/>
+              <a:rPr smtClean="false" lang="fr-FR"/>
               <a:t>Deuxième niveau</a:t>
             </a:r>
           </a:p>
           <a:p>
             <a:pPr lvl="2"/>
             <a:r>
-              <a:rPr lang="fr-FR" smtClean="false"/>
+              <a:rPr smtClean="false" lang="fr-FR"/>
               <a:t>Troisième niveau</a:t>
             </a:r>
           </a:p>
           <a:p>
             <a:pPr lvl="3"/>
             <a:r>
-              <a:rPr lang="fr-FR" smtClean="false"/>
+              <a:rPr smtClean="false" lang="fr-FR"/>
               <a:t>Quatrième niveau</a:t>
             </a:r>
           </a:p>
           <a:p>
             <a:pPr lvl="4"/>
             <a:r>
-              <a:rPr lang="fr-FR" smtClean="false"/>
+              <a:rPr smtClean="false" lang="fr-FR"/>
               <a:t>Cinquième niveau</a:t>
             </a:r>
             <a:endParaRPr lang="fr-FR"/>
@@ -1613,12 +1613,12 @@
       </p:sp>
       <p:sp>
         <p:nvSpPr>
-          <p:cNvPr id="5" name="Espace réservé de la date 4"/>
+          <p:cNvPr name="Espace réservé de la date 4" id="5"/>
           <p:cNvSpPr>
             <a:spLocks noGrp="true"/>
           </p:cNvSpPr>
           <p:nvPr>
-            <p:ph type="dt" sz="half" idx="10"/>
+            <p:ph idx="10" sz="half" type="dt"/>
           </p:nvPr>
         </p:nvSpPr>
         <p:spPr/>
@@ -1626,8 +1626,8 @@
           <a:bodyPr/>
           <a:lstStyle/>
           <a:p>
-            <a:fld id="{CE3110EA-6548-4EF6-B0A9-8F847AEECEDD}" type="datetimeFigureOut">
-              <a:rPr lang="fr-FR" smtClean="false"/>
+            <a:fld type="datetimeFigureOut" id="{CE3110EA-6548-4EF6-B0A9-8F847AEECEDD}">
+              <a:rPr smtClean="false" lang="fr-FR"/>
               <a:t>19/07/2014</a:t>
             </a:fld>
             <a:endParaRPr lang="fr-FR"/>
@@ -1636,12 +1636,12 @@
       </p:sp>
       <p:sp>
         <p:nvSpPr>
-          <p:cNvPr id="7" name="Espace réservé du numéro de diapositive 6"/>
+          <p:cNvPr name="Espace réservé du numéro de diapositive 6" id="7"/>
           <p:cNvSpPr>
             <a:spLocks noGrp="true"/>
           </p:cNvSpPr>
           <p:nvPr>
-            <p:ph type="sldNum" sz="quarter" idx="12"/>
+            <p:ph idx="12" sz="quarter" type="sldNum"/>
           </p:nvPr>
         </p:nvSpPr>
         <p:spPr/>
@@ -1649,8 +1649,8 @@
           <a:bodyPr/>
           <a:lstStyle/>
           <a:p>
-            <a:fld id="{C47AABF0-D73A-43C1-84CC-8A30B6535388}" type="slidenum">
-              <a:rPr lang="fr-FR" smtClean="false"/>
+            <a:fld type="slidenum" id="{C47AABF0-D73A-43C1-84CC-8A30B6535388}">
+              <a:rPr smtClean="false" lang="fr-FR"/>
               <a:t>‹N°›</a:t>
             </a:fld>
             <a:endParaRPr lang="fr-FR"/>
@@ -1659,12 +1659,12 @@
       </p:sp>
       <p:sp>
         <p:nvSpPr>
-          <p:cNvPr id="6" name="Espace réservé du pied de page 5"/>
+          <p:cNvPr name="Espace réservé du pied de page 5" id="6"/>
           <p:cNvSpPr>
             <a:spLocks noGrp="true"/>
           </p:cNvSpPr>
           <p:nvPr>
-            <p:ph type="ftr" sz="quarter" idx="13"/>
+            <p:ph idx="13" sz="quarter" type="ftr"/>
           </p:nvPr>
         </p:nvSpPr>
         <p:spPr/>
@@ -1678,14 +1678,14 @@
       </p:sp>
       <p:cxnSp>
         <p:nvCxnSpPr>
-          <p:cNvPr id="8" name="Connecteur droit 7"/>
+          <p:cNvPr name="Connecteur droit 7" id="8"/>
           <p:cNvCxnSpPr/>
           <p:nvPr userDrawn="true"/>
         </p:nvCxnSpPr>
         <p:spPr>
           <a:xfrm>
-            <a:off x="838200" y="1755899"/>
-            <a:ext cx="10515600" cy="0"/>
+            <a:off y="1755899" x="838200"/>
+            <a:ext cy="0" cx="10515600"/>
           </a:xfrm>
           <a:prstGeom prst="line">
             <a:avLst/>
@@ -1713,18 +1713,18 @@
       </p:cxnSp>
       <p:sp>
         <p:nvSpPr>
-          <p:cNvPr id="9" name="Espace réservé du contenu 2"/>
+          <p:cNvPr name="Espace réservé du contenu 2" id="9"/>
           <p:cNvSpPr>
             <a:spLocks noGrp="true"/>
           </p:cNvSpPr>
           <p:nvPr>
-            <p:ph sz="half" idx="14"/>
+            <p:ph idx="14" sz="half"/>
           </p:nvPr>
         </p:nvSpPr>
         <p:spPr>
           <a:xfrm>
-            <a:off x="859976" y="4058042"/>
-            <a:ext cx="5181600" cy="2160000"/>
+            <a:off y="4058042" x="859976"/>
+            <a:ext cy="2160000" cx="5181600"/>
           </a:xfrm>
         </p:spPr>
         <p:txBody>
@@ -1733,35 +1733,35 @@
           <a:p>
             <a:pPr lvl="0"/>
             <a:r>
-              <a:rPr lang="fr-FR" smtClean="false"/>
+              <a:rPr smtClean="false" lang="fr-FR"/>
               <a:t>Modifiez les styles du texte du masque</a:t>
             </a:r>
           </a:p>
           <a:p>
             <a:pPr lvl="1"/>
             <a:r>
-              <a:rPr lang="fr-FR" smtClean="false"/>
+              <a:rPr smtClean="false" lang="fr-FR"/>
               <a:t>Deuxième niveau</a:t>
             </a:r>
           </a:p>
           <a:p>
             <a:pPr lvl="2"/>
             <a:r>
-              <a:rPr lang="fr-FR" smtClean="false"/>
+              <a:rPr smtClean="false" lang="fr-FR"/>
               <a:t>Troisième niveau</a:t>
             </a:r>
           </a:p>
           <a:p>
             <a:pPr lvl="3"/>
             <a:r>
-              <a:rPr lang="fr-FR" smtClean="false"/>
+              <a:rPr smtClean="false" lang="fr-FR"/>
               <a:t>Quatrième niveau</a:t>
             </a:r>
           </a:p>
           <a:p>
             <a:pPr lvl="4"/>
             <a:r>
-              <a:rPr lang="fr-FR" smtClean="false"/>
+              <a:rPr smtClean="false" lang="fr-FR"/>
               <a:t>Cinquième niveau</a:t>
             </a:r>
             <a:endParaRPr lang="fr-FR"/>
@@ -1770,18 +1770,18 @@
       </p:sp>
       <p:sp>
         <p:nvSpPr>
-          <p:cNvPr id="10" name="Espace réservé du contenu 2"/>
+          <p:cNvPr name="Espace réservé du contenu 2" id="10"/>
           <p:cNvSpPr>
             <a:spLocks noGrp="true"/>
           </p:cNvSpPr>
           <p:nvPr>
-            <p:ph sz="half" idx="15"/>
+            <p:ph idx="15" sz="half"/>
           </p:nvPr>
         </p:nvSpPr>
         <p:spPr>
           <a:xfrm>
-            <a:off x="6157148" y="4049673"/>
-            <a:ext cx="5181600" cy="2160000"/>
+            <a:off y="4049673" x="6157148"/>
+            <a:ext cy="2160000" cx="5181600"/>
           </a:xfrm>
         </p:spPr>
         <p:txBody>
@@ -1790,35 +1790,35 @@
           <a:p>
             <a:pPr lvl="0"/>
             <a:r>
-              <a:rPr lang="fr-FR" smtClean="false"/>
+              <a:rPr smtClean="false" lang="fr-FR"/>
               <a:t>Modifiez les styles du texte du masque</a:t>
             </a:r>
           </a:p>
           <a:p>
             <a:pPr lvl="1"/>
             <a:r>
-              <a:rPr lang="fr-FR" smtClean="false"/>
+              <a:rPr smtClean="false" lang="fr-FR"/>
               <a:t>Deuxième niveau</a:t>
             </a:r>
           </a:p>
           <a:p>
             <a:pPr lvl="2"/>
             <a:r>
-              <a:rPr lang="fr-FR" smtClean="false"/>
+              <a:rPr smtClean="false" lang="fr-FR"/>
               <a:t>Troisième niveau</a:t>
             </a:r>
           </a:p>
           <a:p>
             <a:pPr lvl="3"/>
             <a:r>
-              <a:rPr lang="fr-FR" smtClean="false"/>
+              <a:rPr smtClean="false" lang="fr-FR"/>
               <a:t>Quatrième niveau</a:t>
             </a:r>
           </a:p>
           <a:p>
             <a:pPr lvl="4"/>
             <a:r>
-              <a:rPr lang="fr-FR" smtClean="false"/>
+              <a:rPr smtClean="false" lang="fr-FR"/>
               <a:t>Cinquième niveau</a:t>
             </a:r>
             <a:endParaRPr lang="fr-FR"/>
@@ -1838,7 +1838,7 @@
   <p:timing>
     <p:tnLst>
       <p:par>
-        <p:cTn id="1" dur="indefinite" restart="never" nodeType="tmRoot"/>
+        <p:cTn nodeType="tmRoot" restart="never" dur="indefinite" id="1"/>
       </p:par>
     </p:tnLst>
   </p:timing>
@@ -1846,25 +1846,25 @@
 </file>
 
 <file path=ppt/slideLayouts/slideLayout6.xml><?xml version="1.0" encoding="utf-8"?>
-<p:sldLayout xmlns:r="http://schemas.openxmlformats.org/officeDocument/2006/relationships" xmlns:a="http://schemas.openxmlformats.org/drawingml/2006/main" xmlns:p="http://schemas.openxmlformats.org/presentationml/2006/main" xmlns:mc="http://schemas.openxmlformats.org/markup-compatibility/2006" xmlns:c="http://schemas.openxmlformats.org/drawingml/2006/chart" xmlns:ns6="http://schemas.openxmlformats.org/drawingml/2006/chartDrawing" xmlns:dgm="http://schemas.openxmlformats.org/drawingml/2006/diagram" xmlns:pic="http://schemas.openxmlformats.org/drawingml/2006/picture" xmlns:wp="http://schemas.openxmlformats.org/drawingml/2006/wordprocessingDrawing" xmlns:xdr="http://schemas.openxmlformats.org/drawingml/2006/spreadsheetDrawing" xmlns:ns11="http://schemas.openxmlformats.org/drawingml/2006/compatibility" xmlns:ns12="http://schemas.openxmlformats.org/drawingml/2006/lockedCanvas" type="twoTxTwoObj" preserve="true">
+<p:sldLayout xmlns:r="http://schemas.openxmlformats.org/officeDocument/2006/relationships" xmlns:a="http://schemas.openxmlformats.org/drawingml/2006/main" xmlns:p="http://schemas.openxmlformats.org/presentationml/2006/main" xmlns:mc="http://schemas.openxmlformats.org/markup-compatibility/2006" xmlns:c="http://schemas.openxmlformats.org/drawingml/2006/chart" xmlns:ns6="http://schemas.openxmlformats.org/drawingml/2006/chartDrawing" xmlns:dgm="http://schemas.openxmlformats.org/drawingml/2006/diagram" xmlns:pic="http://schemas.openxmlformats.org/drawingml/2006/picture" xmlns:wp="http://schemas.openxmlformats.org/drawingml/2006/wordprocessingDrawing" xmlns:xdr="http://schemas.openxmlformats.org/drawingml/2006/spreadsheetDrawing" xmlns:ns11="http://schemas.openxmlformats.org/drawingml/2006/compatibility" xmlns:ns12="http://schemas.openxmlformats.org/drawingml/2006/lockedCanvas" preserve="true" type="twoTxTwoObj">
   <p:cSld name="Comparison">
     <p:spTree>
       <p:nvGrpSpPr>
-        <p:cNvPr id="1" name=""/>
+        <p:cNvPr name="" id="1"/>
         <p:cNvGrpSpPr/>
         <p:nvPr/>
       </p:nvGrpSpPr>
       <p:grpSpPr>
         <a:xfrm>
-          <a:off x="0" y="0"/>
-          <a:ext cx="0" cy="0"/>
-          <a:chOff x="0" y="0"/>
-          <a:chExt cx="0" cy="0"/>
+          <a:off y="0" x="0"/>
+          <a:ext cy="0" cx="0"/>
+          <a:chOff y="0" x="0"/>
+          <a:chExt cy="0" cx="0"/>
         </a:xfrm>
       </p:grpSpPr>
       <p:sp>
         <p:nvSpPr>
-          <p:cNvPr id="2" name="Titre 1"/>
+          <p:cNvPr name="Titre 1" id="2"/>
           <p:cNvSpPr>
             <a:spLocks noGrp="true"/>
           </p:cNvSpPr>
@@ -1874,8 +1874,8 @@
         </p:nvSpPr>
         <p:spPr>
           <a:xfrm>
-            <a:off x="839788" y="365125"/>
-            <a:ext cx="10515600" cy="1325563"/>
+            <a:off y="365125" x="839788"/>
+            <a:ext cy="1325563" cx="10515600"/>
           </a:xfrm>
         </p:spPr>
         <p:txBody>
@@ -1883,7 +1883,7 @@
           <a:lstStyle/>
           <a:p>
             <a:r>
-              <a:rPr lang="fr-FR" smtClean="false"/>
+              <a:rPr smtClean="false" lang="fr-FR"/>
               <a:t>Modifiez le style du titre</a:t>
             </a:r>
             <a:endParaRPr lang="fr-FR"/>
@@ -1892,64 +1892,64 @@
       </p:sp>
       <p:sp>
         <p:nvSpPr>
-          <p:cNvPr id="3" name="Espace réservé du texte 2"/>
+          <p:cNvPr name="Espace réservé du texte 2" id="3"/>
           <p:cNvSpPr>
             <a:spLocks noGrp="true"/>
           </p:cNvSpPr>
           <p:nvPr>
-            <p:ph type="body" idx="1"/>
+            <p:ph idx="1" type="body"/>
           </p:nvPr>
         </p:nvSpPr>
         <p:spPr>
           <a:xfrm>
-            <a:off x="839788" y="1681163"/>
-            <a:ext cx="5157787" cy="823912"/>
+            <a:off y="1681163" x="839788"/>
+            <a:ext cy="823912" cx="5157787"/>
           </a:xfrm>
         </p:spPr>
         <p:txBody>
           <a:bodyPr anchor="b"/>
           <a:lstStyle>
-            <a:lvl1pPr marL="0" indent="0">
+            <a:lvl1pPr indent="0" marL="0">
               <a:buNone/>
-              <a:defRPr sz="2400" b="true"/>
+              <a:defRPr b="true" sz="2400"/>
             </a:lvl1pPr>
-            <a:lvl2pPr marL="457200" indent="0">
+            <a:lvl2pPr indent="0" marL="457200">
               <a:buNone/>
-              <a:defRPr sz="2000" b="true"/>
+              <a:defRPr b="true" sz="2000"/>
             </a:lvl2pPr>
-            <a:lvl3pPr marL="914400" indent="0">
+            <a:lvl3pPr indent="0" marL="914400">
               <a:buNone/>
-              <a:defRPr sz="1800" b="true"/>
+              <a:defRPr b="true" sz="1800"/>
             </a:lvl3pPr>
-            <a:lvl4pPr marL="1371600" indent="0">
+            <a:lvl4pPr indent="0" marL="1371600">
               <a:buNone/>
-              <a:defRPr sz="1600" b="true"/>
+              <a:defRPr b="true" sz="1600"/>
             </a:lvl4pPr>
-            <a:lvl5pPr marL="1828800" indent="0">
+            <a:lvl5pPr indent="0" marL="1828800">
               <a:buNone/>
-              <a:defRPr sz="1600" b="true"/>
+              <a:defRPr b="true" sz="1600"/>
             </a:lvl5pPr>
-            <a:lvl6pPr marL="2286000" indent="0">
+            <a:lvl6pPr indent="0" marL="2286000">
               <a:buNone/>
-              <a:defRPr sz="1600" b="true"/>
+              <a:defRPr b="true" sz="1600"/>
             </a:lvl6pPr>
-            <a:lvl7pPr marL="2743200" indent="0">
+            <a:lvl7pPr indent="0" marL="2743200">
               <a:buNone/>
-              <a:defRPr sz="1600" b="true"/>
+              <a:defRPr b="true" sz="1600"/>
             </a:lvl7pPr>
-            <a:lvl8pPr marL="3200400" indent="0">
+            <a:lvl8pPr indent="0" marL="3200400">
               <a:buNone/>
-              <a:defRPr sz="1600" b="true"/>
+              <a:defRPr b="true" sz="1600"/>
             </a:lvl8pPr>
-            <a:lvl9pPr marL="3657600" indent="0">
+            <a:lvl9pPr indent="0" marL="3657600">
               <a:buNone/>
-              <a:defRPr sz="1600" b="true"/>
+              <a:defRPr b="true" sz="1600"/>
             </a:lvl9pPr>
           </a:lstStyle>
           <a:p>
             <a:pPr lvl="0"/>
             <a:r>
-              <a:rPr lang="fr-FR" smtClean="false"/>
+              <a:rPr smtClean="false" lang="fr-FR"/>
               <a:t>Modifiez les styles du texte du masque</a:t>
             </a:r>
           </a:p>
@@ -1957,18 +1957,18 @@
       </p:sp>
       <p:sp>
         <p:nvSpPr>
-          <p:cNvPr id="4" name="Espace réservé du contenu 3"/>
+          <p:cNvPr name="Espace réservé du contenu 3" id="4"/>
           <p:cNvSpPr>
             <a:spLocks noGrp="true"/>
           </p:cNvSpPr>
           <p:nvPr>
-            <p:ph sz="half" idx="2"/>
+            <p:ph idx="2" sz="half"/>
           </p:nvPr>
         </p:nvSpPr>
         <p:spPr>
           <a:xfrm>
-            <a:off x="839788" y="2505075"/>
-            <a:ext cx="5157787" cy="3684588"/>
+            <a:off y="2505075" x="839788"/>
+            <a:ext cy="3684588" cx="5157787"/>
           </a:xfrm>
         </p:spPr>
         <p:txBody>
@@ -1977,35 +1977,35 @@
           <a:p>
             <a:pPr lvl="0"/>
             <a:r>
-              <a:rPr lang="fr-FR" smtClean="false"/>
+              <a:rPr smtClean="false" lang="fr-FR"/>
               <a:t>Modifiez les styles du texte du masque</a:t>
             </a:r>
           </a:p>
           <a:p>
             <a:pPr lvl="1"/>
             <a:r>
-              <a:rPr lang="fr-FR" smtClean="false"/>
+              <a:rPr smtClean="false" lang="fr-FR"/>
               <a:t>Deuxième niveau</a:t>
             </a:r>
           </a:p>
           <a:p>
             <a:pPr lvl="2"/>
             <a:r>
-              <a:rPr lang="fr-FR" smtClean="false"/>
+              <a:rPr smtClean="false" lang="fr-FR"/>
               <a:t>Troisième niveau</a:t>
             </a:r>
           </a:p>
           <a:p>
             <a:pPr lvl="3"/>
             <a:r>
-              <a:rPr lang="fr-FR" smtClean="false"/>
+              <a:rPr smtClean="false" lang="fr-FR"/>
               <a:t>Quatrième niveau</a:t>
             </a:r>
           </a:p>
           <a:p>
             <a:pPr lvl="4"/>
             <a:r>
-              <a:rPr lang="fr-FR" smtClean="false"/>
+              <a:rPr smtClean="false" lang="fr-FR"/>
               <a:t>Cinquième niveau</a:t>
             </a:r>
             <a:endParaRPr lang="fr-FR"/>
@@ -2014,64 +2014,64 @@
       </p:sp>
       <p:sp>
         <p:nvSpPr>
-          <p:cNvPr id="5" name="Espace réservé du texte 4"/>
+          <p:cNvPr name="Espace réservé du texte 4" id="5"/>
           <p:cNvSpPr>
             <a:spLocks noGrp="true"/>
           </p:cNvSpPr>
           <p:nvPr>
-            <p:ph type="body" sz="quarter" idx="3"/>
+            <p:ph idx="3" sz="quarter" type="body"/>
           </p:nvPr>
         </p:nvSpPr>
         <p:spPr>
           <a:xfrm>
-            <a:off x="6172200" y="1681163"/>
-            <a:ext cx="5183188" cy="823912"/>
+            <a:off y="1681163" x="6172200"/>
+            <a:ext cy="823912" cx="5183188"/>
           </a:xfrm>
         </p:spPr>
         <p:txBody>
           <a:bodyPr anchor="b"/>
           <a:lstStyle>
-            <a:lvl1pPr marL="0" indent="0">
+            <a:lvl1pPr indent="0" marL="0">
               <a:buNone/>
-              <a:defRPr sz="2400" b="true"/>
+              <a:defRPr b="true" sz="2400"/>
             </a:lvl1pPr>
-            <a:lvl2pPr marL="457200" indent="0">
+            <a:lvl2pPr indent="0" marL="457200">
               <a:buNone/>
-              <a:defRPr sz="2000" b="true"/>
+              <a:defRPr b="true" sz="2000"/>
             </a:lvl2pPr>
-            <a:lvl3pPr marL="914400" indent="0">
+            <a:lvl3pPr indent="0" marL="914400">
               <a:buNone/>
-              <a:defRPr sz="1800" b="true"/>
+              <a:defRPr b="true" sz="1800"/>
             </a:lvl3pPr>
-            <a:lvl4pPr marL="1371600" indent="0">
+            <a:lvl4pPr indent="0" marL="1371600">
               <a:buNone/>
-              <a:defRPr sz="1600" b="true"/>
+              <a:defRPr b="true" sz="1600"/>
             </a:lvl4pPr>
-            <a:lvl5pPr marL="1828800" indent="0">
+            <a:lvl5pPr indent="0" marL="1828800">
               <a:buNone/>
-              <a:defRPr sz="1600" b="true"/>
+              <a:defRPr b="true" sz="1600"/>
             </a:lvl5pPr>
-            <a:lvl6pPr marL="2286000" indent="0">
+            <a:lvl6pPr indent="0" marL="2286000">
               <a:buNone/>
-              <a:defRPr sz="1600" b="true"/>
+              <a:defRPr b="true" sz="1600"/>
             </a:lvl6pPr>
-            <a:lvl7pPr marL="2743200" indent="0">
+            <a:lvl7pPr indent="0" marL="2743200">
               <a:buNone/>
-              <a:defRPr sz="1600" b="true"/>
+              <a:defRPr b="true" sz="1600"/>
             </a:lvl7pPr>
-            <a:lvl8pPr marL="3200400" indent="0">
+            <a:lvl8pPr indent="0" marL="3200400">
               <a:buNone/>
-              <a:defRPr sz="1600" b="true"/>
+              <a:defRPr b="true" sz="1600"/>
             </a:lvl8pPr>
-            <a:lvl9pPr marL="3657600" indent="0">
+            <a:lvl9pPr indent="0" marL="3657600">
               <a:buNone/>
-              <a:defRPr sz="1600" b="true"/>
+              <a:defRPr b="true" sz="1600"/>
             </a:lvl9pPr>
           </a:lstStyle>
           <a:p>
             <a:pPr lvl="0"/>
             <a:r>
-              <a:rPr lang="fr-FR" smtClean="false"/>
+              <a:rPr smtClean="false" lang="fr-FR"/>
               <a:t>Modifiez les styles du texte du masque</a:t>
             </a:r>
           </a:p>
@@ -2079,18 +2079,18 @@
       </p:sp>
       <p:sp>
         <p:nvSpPr>
-          <p:cNvPr id="6" name="Espace réservé du contenu 5"/>
+          <p:cNvPr name="Espace réservé du contenu 5" id="6"/>
           <p:cNvSpPr>
             <a:spLocks noGrp="true"/>
           </p:cNvSpPr>
           <p:nvPr>
-            <p:ph sz="quarter" idx="4"/>
+            <p:ph idx="4" sz="quarter"/>
           </p:nvPr>
         </p:nvSpPr>
         <p:spPr>
           <a:xfrm>
-            <a:off x="6172200" y="2505075"/>
-            <a:ext cx="5183188" cy="3684588"/>
+            <a:off y="2505075" x="6172200"/>
+            <a:ext cy="3684588" cx="5183188"/>
           </a:xfrm>
         </p:spPr>
         <p:txBody>
@@ -2099,35 +2099,35 @@
           <a:p>
             <a:pPr lvl="0"/>
             <a:r>
-              <a:rPr lang="fr-FR" smtClean="false"/>
+              <a:rPr smtClean="false" lang="fr-FR"/>
               <a:t>Modifiez les styles du texte du masque</a:t>
             </a:r>
           </a:p>
           <a:p>
             <a:pPr lvl="1"/>
             <a:r>
-              <a:rPr lang="fr-FR" smtClean="false"/>
+              <a:rPr smtClean="false" lang="fr-FR"/>
               <a:t>Deuxième niveau</a:t>
             </a:r>
           </a:p>
           <a:p>
             <a:pPr lvl="2"/>
             <a:r>
-              <a:rPr lang="fr-FR" smtClean="false"/>
+              <a:rPr smtClean="false" lang="fr-FR"/>
               <a:t>Troisième niveau</a:t>
             </a:r>
           </a:p>
           <a:p>
             <a:pPr lvl="3"/>
             <a:r>
-              <a:rPr lang="fr-FR" smtClean="false"/>
+              <a:rPr smtClean="false" lang="fr-FR"/>
               <a:t>Quatrième niveau</a:t>
             </a:r>
           </a:p>
           <a:p>
             <a:pPr lvl="4"/>
             <a:r>
-              <a:rPr lang="fr-FR" smtClean="false"/>
+              <a:rPr smtClean="false" lang="fr-FR"/>
               <a:t>Cinquième niveau</a:t>
             </a:r>
             <a:endParaRPr lang="fr-FR"/>
@@ -2136,12 +2136,12 @@
       </p:sp>
       <p:sp>
         <p:nvSpPr>
-          <p:cNvPr id="7" name="Espace réservé de la date 6"/>
+          <p:cNvPr name="Espace réservé de la date 6" id="7"/>
           <p:cNvSpPr>
             <a:spLocks noGrp="true"/>
           </p:cNvSpPr>
           <p:nvPr>
-            <p:ph type="dt" sz="half" idx="10"/>
+            <p:ph idx="10" sz="half" type="dt"/>
           </p:nvPr>
         </p:nvSpPr>
         <p:spPr/>
@@ -2149,8 +2149,8 @@
           <a:bodyPr/>
           <a:lstStyle/>
           <a:p>
-            <a:fld id="{CE3110EA-6548-4EF6-B0A9-8F847AEECEDD}" type="datetimeFigureOut">
-              <a:rPr lang="fr-FR" smtClean="false"/>
+            <a:fld type="datetimeFigureOut" id="{CE3110EA-6548-4EF6-B0A9-8F847AEECEDD}">
+              <a:rPr smtClean="false" lang="fr-FR"/>
               <a:t>19/07/2014</a:t>
             </a:fld>
             <a:endParaRPr lang="fr-FR"/>
@@ -2159,12 +2159,12 @@
       </p:sp>
       <p:sp>
         <p:nvSpPr>
-          <p:cNvPr id="9" name="Espace réservé du numéro de diapositive 8"/>
+          <p:cNvPr name="Espace réservé du numéro de diapositive 8" id="9"/>
           <p:cNvSpPr>
             <a:spLocks noGrp="true"/>
           </p:cNvSpPr>
           <p:nvPr>
-            <p:ph type="sldNum" sz="quarter" idx="12"/>
+            <p:ph idx="12" sz="quarter" type="sldNum"/>
           </p:nvPr>
         </p:nvSpPr>
         <p:spPr/>
@@ -2172,8 +2172,8 @@
           <a:bodyPr/>
           <a:lstStyle/>
           <a:p>
-            <a:fld id="{C47AABF0-D73A-43C1-84CC-8A30B6535388}" type="slidenum">
-              <a:rPr lang="fr-FR" smtClean="false"/>
+            <a:fld type="slidenum" id="{C47AABF0-D73A-43C1-84CC-8A30B6535388}">
+              <a:rPr smtClean="false" lang="fr-FR"/>
               <a:t>‹N°›</a:t>
             </a:fld>
             <a:endParaRPr lang="fr-FR"/>
@@ -2182,14 +2182,14 @@
       </p:sp>
       <p:cxnSp>
         <p:nvCxnSpPr>
-          <p:cNvPr id="10" name="Connecteur droit 9"/>
+          <p:cNvPr name="Connecteur droit 9" id="10"/>
           <p:cNvCxnSpPr/>
           <p:nvPr userDrawn="true"/>
         </p:nvCxnSpPr>
         <p:spPr>
           <a:xfrm>
-            <a:off x="838200" y="1735803"/>
-            <a:ext cx="10515600" cy="0"/>
+            <a:off y="1735803" x="838200"/>
+            <a:ext cy="0" cx="10515600"/>
           </a:xfrm>
           <a:prstGeom prst="line">
             <a:avLst/>
@@ -2228,7 +2228,7 @@
   <p:timing>
     <p:tnLst>
       <p:par>
-        <p:cTn id="1" dur="indefinite" restart="never" nodeType="tmRoot"/>
+        <p:cTn nodeType="tmRoot" restart="never" dur="indefinite" id="1"/>
       </p:par>
     </p:tnLst>
   </p:timing>
@@ -2236,25 +2236,25 @@
 </file>
 
 <file path=ppt/slideLayouts/slideLayout7.xml><?xml version="1.0" encoding="utf-8"?>
-<p:sldLayout xmlns:r="http://schemas.openxmlformats.org/officeDocument/2006/relationships" xmlns:a="http://schemas.openxmlformats.org/drawingml/2006/main" xmlns:p="http://schemas.openxmlformats.org/presentationml/2006/main" xmlns:mc="http://schemas.openxmlformats.org/markup-compatibility/2006" xmlns:c="http://schemas.openxmlformats.org/drawingml/2006/chart" xmlns:ns6="http://schemas.openxmlformats.org/drawingml/2006/chartDrawing" xmlns:dgm="http://schemas.openxmlformats.org/drawingml/2006/diagram" xmlns:pic="http://schemas.openxmlformats.org/drawingml/2006/picture" xmlns:wp="http://schemas.openxmlformats.org/drawingml/2006/wordprocessingDrawing" xmlns:xdr="http://schemas.openxmlformats.org/drawingml/2006/spreadsheetDrawing" xmlns:ns11="http://schemas.openxmlformats.org/drawingml/2006/compatibility" xmlns:ns12="http://schemas.openxmlformats.org/drawingml/2006/lockedCanvas" type="titleOnly" preserve="true">
+<p:sldLayout xmlns:r="http://schemas.openxmlformats.org/officeDocument/2006/relationships" xmlns:a="http://schemas.openxmlformats.org/drawingml/2006/main" xmlns:p="http://schemas.openxmlformats.org/presentationml/2006/main" xmlns:mc="http://schemas.openxmlformats.org/markup-compatibility/2006" xmlns:c="http://schemas.openxmlformats.org/drawingml/2006/chart" xmlns:ns6="http://schemas.openxmlformats.org/drawingml/2006/chartDrawing" xmlns:dgm="http://schemas.openxmlformats.org/drawingml/2006/diagram" xmlns:pic="http://schemas.openxmlformats.org/drawingml/2006/picture" xmlns:wp="http://schemas.openxmlformats.org/drawingml/2006/wordprocessingDrawing" xmlns:xdr="http://schemas.openxmlformats.org/drawingml/2006/spreadsheetDrawing" xmlns:ns11="http://schemas.openxmlformats.org/drawingml/2006/compatibility" xmlns:ns12="http://schemas.openxmlformats.org/drawingml/2006/lockedCanvas" preserve="true" type="titleOnly">
   <p:cSld name="Title Only">
     <p:spTree>
       <p:nvGrpSpPr>
-        <p:cNvPr id="1" name=""/>
+        <p:cNvPr name="" id="1"/>
         <p:cNvGrpSpPr/>
         <p:nvPr/>
       </p:nvGrpSpPr>
       <p:grpSpPr>
         <a:xfrm>
-          <a:off x="0" y="0"/>
-          <a:ext cx="0" cy="0"/>
-          <a:chOff x="0" y="0"/>
-          <a:chExt cx="0" cy="0"/>
+          <a:off y="0" x="0"/>
+          <a:ext cy="0" cx="0"/>
+          <a:chOff y="0" x="0"/>
+          <a:chExt cy="0" cx="0"/>
         </a:xfrm>
       </p:grpSpPr>
       <p:sp>
         <p:nvSpPr>
-          <p:cNvPr id="2" name="Titre 1"/>
+          <p:cNvPr name="Titre 1" id="2"/>
           <p:cNvSpPr>
             <a:spLocks noGrp="true"/>
           </p:cNvSpPr>
@@ -2268,7 +2268,7 @@
           <a:lstStyle/>
           <a:p>
             <a:r>
-              <a:rPr lang="fr-FR" smtClean="false"/>
+              <a:rPr smtClean="false" lang="fr-FR"/>
               <a:t>Modifiez le style du titre</a:t>
             </a:r>
             <a:endParaRPr lang="fr-FR"/>
@@ -2277,12 +2277,12 @@
       </p:sp>
       <p:sp>
         <p:nvSpPr>
-          <p:cNvPr id="3" name="Espace réservé de la date 2"/>
+          <p:cNvPr name="Espace réservé de la date 2" id="3"/>
           <p:cNvSpPr>
             <a:spLocks noGrp="true"/>
           </p:cNvSpPr>
           <p:nvPr>
-            <p:ph type="dt" sz="half" idx="10"/>
+            <p:ph idx="10" sz="half" type="dt"/>
           </p:nvPr>
         </p:nvSpPr>
         <p:spPr/>
@@ -2290,8 +2290,8 @@
           <a:bodyPr/>
           <a:lstStyle/>
           <a:p>
-            <a:fld id="{CE3110EA-6548-4EF6-B0A9-8F847AEECEDD}" type="datetimeFigureOut">
-              <a:rPr lang="fr-FR" smtClean="false"/>
+            <a:fld type="datetimeFigureOut" id="{CE3110EA-6548-4EF6-B0A9-8F847AEECEDD}">
+              <a:rPr smtClean="false" lang="fr-FR"/>
               <a:t>19/07/2014</a:t>
             </a:fld>
             <a:endParaRPr lang="fr-FR"/>
@@ -2300,12 +2300,12 @@
       </p:sp>
       <p:sp>
         <p:nvSpPr>
-          <p:cNvPr id="4" name="Espace réservé du pied de page 3"/>
+          <p:cNvPr name="Espace réservé du pied de page 3" id="4"/>
           <p:cNvSpPr>
             <a:spLocks noGrp="true"/>
           </p:cNvSpPr>
           <p:nvPr>
-            <p:ph type="ftr" sz="quarter" idx="11"/>
+            <p:ph idx="11" sz="quarter" type="ftr"/>
           </p:nvPr>
         </p:nvSpPr>
         <p:spPr/>
@@ -2319,12 +2319,12 @@
       </p:sp>
       <p:sp>
         <p:nvSpPr>
-          <p:cNvPr id="5" name="Espace réservé du numéro de diapositive 4"/>
+          <p:cNvPr name="Espace réservé du numéro de diapositive 4" id="5"/>
           <p:cNvSpPr>
             <a:spLocks noGrp="true"/>
           </p:cNvSpPr>
           <p:nvPr>
-            <p:ph type="sldNum" sz="quarter" idx="12"/>
+            <p:ph idx="12" sz="quarter" type="sldNum"/>
           </p:nvPr>
         </p:nvSpPr>
         <p:spPr/>
@@ -2332,8 +2332,8 @@
           <a:bodyPr/>
           <a:lstStyle/>
           <a:p>
-            <a:fld id="{C47AABF0-D73A-43C1-84CC-8A30B6535388}" type="slidenum">
-              <a:rPr lang="fr-FR" smtClean="false"/>
+            <a:fld type="slidenum" id="{C47AABF0-D73A-43C1-84CC-8A30B6535388}">
+              <a:rPr smtClean="false" lang="fr-FR"/>
               <a:t>‹N°›</a:t>
             </a:fld>
             <a:endParaRPr lang="fr-FR"/>
@@ -2353,7 +2353,7 @@
   <p:timing>
     <p:tnLst>
       <p:par>
-        <p:cTn id="1" dur="indefinite" restart="never" nodeType="tmRoot"/>
+        <p:cTn nodeType="tmRoot" restart="never" dur="indefinite" id="1"/>
       </p:par>
     </p:tnLst>
   </p:timing>
@@ -2361,30 +2361,30 @@
 </file>
 
 <file path=ppt/slideLayouts/slideLayout8.xml><?xml version="1.0" encoding="utf-8"?>
-<p:sldLayout xmlns:r="http://schemas.openxmlformats.org/officeDocument/2006/relationships" xmlns:a="http://schemas.openxmlformats.org/drawingml/2006/main" xmlns:p="http://schemas.openxmlformats.org/presentationml/2006/main" xmlns:mc="http://schemas.openxmlformats.org/markup-compatibility/2006" xmlns:c="http://schemas.openxmlformats.org/drawingml/2006/chart" xmlns:ns6="http://schemas.openxmlformats.org/drawingml/2006/chartDrawing" xmlns:dgm="http://schemas.openxmlformats.org/drawingml/2006/diagram" xmlns:pic="http://schemas.openxmlformats.org/drawingml/2006/picture" xmlns:wp="http://schemas.openxmlformats.org/drawingml/2006/wordprocessingDrawing" xmlns:xdr="http://schemas.openxmlformats.org/drawingml/2006/spreadsheetDrawing" xmlns:ns11="http://schemas.openxmlformats.org/drawingml/2006/compatibility" xmlns:ns12="http://schemas.openxmlformats.org/drawingml/2006/lockedCanvas" type="blank" preserve="true">
+<p:sldLayout xmlns:r="http://schemas.openxmlformats.org/officeDocument/2006/relationships" xmlns:a="http://schemas.openxmlformats.org/drawingml/2006/main" xmlns:p="http://schemas.openxmlformats.org/presentationml/2006/main" xmlns:mc="http://schemas.openxmlformats.org/markup-compatibility/2006" xmlns:c="http://schemas.openxmlformats.org/drawingml/2006/chart" xmlns:ns6="http://schemas.openxmlformats.org/drawingml/2006/chartDrawing" xmlns:dgm="http://schemas.openxmlformats.org/drawingml/2006/diagram" xmlns:pic="http://schemas.openxmlformats.org/drawingml/2006/picture" xmlns:wp="http://schemas.openxmlformats.org/drawingml/2006/wordprocessingDrawing" xmlns:xdr="http://schemas.openxmlformats.org/drawingml/2006/spreadsheetDrawing" xmlns:ns11="http://schemas.openxmlformats.org/drawingml/2006/compatibility" xmlns:ns12="http://schemas.openxmlformats.org/drawingml/2006/lockedCanvas" preserve="true" type="blank">
   <p:cSld name="Blank">
     <p:spTree>
       <p:nvGrpSpPr>
-        <p:cNvPr id="1" name=""/>
+        <p:cNvPr name="" id="1"/>
         <p:cNvGrpSpPr/>
         <p:nvPr/>
       </p:nvGrpSpPr>
       <p:grpSpPr>
         <a:xfrm>
-          <a:off x="0" y="0"/>
-          <a:ext cx="0" cy="0"/>
-          <a:chOff x="0" y="0"/>
-          <a:chExt cx="0" cy="0"/>
+          <a:off y="0" x="0"/>
+          <a:ext cy="0" cx="0"/>
+          <a:chOff y="0" x="0"/>
+          <a:chExt cy="0" cx="0"/>
         </a:xfrm>
       </p:grpSpPr>
       <p:sp>
         <p:nvSpPr>
-          <p:cNvPr id="2" name="Espace réservé de la date 1"/>
+          <p:cNvPr name="Espace réservé de la date 1" id="2"/>
           <p:cNvSpPr>
             <a:spLocks noGrp="true"/>
           </p:cNvSpPr>
           <p:nvPr>
-            <p:ph type="dt" sz="half" idx="10"/>
+            <p:ph idx="10" sz="half" type="dt"/>
           </p:nvPr>
         </p:nvSpPr>
         <p:spPr/>
@@ -2392,8 +2392,8 @@
           <a:bodyPr/>
           <a:lstStyle/>
           <a:p>
-            <a:fld id="{CE3110EA-6548-4EF6-B0A9-8F847AEECEDD}" type="datetimeFigureOut">
-              <a:rPr lang="fr-FR" smtClean="false"/>
+            <a:fld type="datetimeFigureOut" id="{CE3110EA-6548-4EF6-B0A9-8F847AEECEDD}">
+              <a:rPr smtClean="false" lang="fr-FR"/>
               <a:t>19/07/2014</a:t>
             </a:fld>
             <a:endParaRPr lang="fr-FR"/>
@@ -2402,12 +2402,12 @@
       </p:sp>
       <p:sp>
         <p:nvSpPr>
-          <p:cNvPr id="3" name="Espace réservé du pied de page 2"/>
+          <p:cNvPr name="Espace réservé du pied de page 2" id="3"/>
           <p:cNvSpPr>
             <a:spLocks noGrp="true"/>
           </p:cNvSpPr>
           <p:nvPr>
-            <p:ph type="ftr" sz="quarter" idx="11"/>
+            <p:ph idx="11" sz="quarter" type="ftr"/>
           </p:nvPr>
         </p:nvSpPr>
         <p:spPr/>
@@ -2421,12 +2421,12 @@
       </p:sp>
       <p:sp>
         <p:nvSpPr>
-          <p:cNvPr id="4" name="Espace réservé du numéro de diapositive 3"/>
+          <p:cNvPr name="Espace réservé du numéro de diapositive 3" id="4"/>
           <p:cNvSpPr>
             <a:spLocks noGrp="true"/>
           </p:cNvSpPr>
           <p:nvPr>
-            <p:ph type="sldNum" sz="quarter" idx="12"/>
+            <p:ph idx="12" sz="quarter" type="sldNum"/>
           </p:nvPr>
         </p:nvSpPr>
         <p:spPr/>
@@ -2434,8 +2434,8 @@
           <a:bodyPr/>
           <a:lstStyle/>
           <a:p>
-            <a:fld id="{C47AABF0-D73A-43C1-84CC-8A30B6535388}" type="slidenum">
-              <a:rPr lang="fr-FR" smtClean="false"/>
+            <a:fld type="slidenum" id="{C47AABF0-D73A-43C1-84CC-8A30B6535388}">
+              <a:rPr smtClean="false" lang="fr-FR"/>
               <a:t>‹N°›</a:t>
             </a:fld>
             <a:endParaRPr lang="fr-FR"/>
@@ -2455,7 +2455,7 @@
   <p:timing>
     <p:tnLst>
       <p:par>
-        <p:cTn id="1" dur="indefinite" restart="never" nodeType="tmRoot"/>
+        <p:cTn nodeType="tmRoot" restart="never" dur="indefinite" id="1"/>
       </p:par>
     </p:tnLst>
   </p:timing>
@@ -2463,25 +2463,25 @@
 </file>
 
 <file path=ppt/slideLayouts/slideLayout9.xml><?xml version="1.0" encoding="utf-8"?>
-<p:sldLayout xmlns:r="http://schemas.openxmlformats.org/officeDocument/2006/relationships" xmlns:a="http://schemas.openxmlformats.org/drawingml/2006/main" xmlns:p="http://schemas.openxmlformats.org/presentationml/2006/main" xmlns:mc="http://schemas.openxmlformats.org/markup-compatibility/2006" xmlns:c="http://schemas.openxmlformats.org/drawingml/2006/chart" xmlns:ns6="http://schemas.openxmlformats.org/drawingml/2006/chartDrawing" xmlns:dgm="http://schemas.openxmlformats.org/drawingml/2006/diagram" xmlns:pic="http://schemas.openxmlformats.org/drawingml/2006/picture" xmlns:wp="http://schemas.openxmlformats.org/drawingml/2006/wordprocessingDrawing" xmlns:xdr="http://schemas.openxmlformats.org/drawingml/2006/spreadsheetDrawing" xmlns:ns11="http://schemas.openxmlformats.org/drawingml/2006/compatibility" xmlns:ns12="http://schemas.openxmlformats.org/drawingml/2006/lockedCanvas" type="objTx" preserve="true">
+<p:sldLayout xmlns:r="http://schemas.openxmlformats.org/officeDocument/2006/relationships" xmlns:a="http://schemas.openxmlformats.org/drawingml/2006/main" xmlns:p="http://schemas.openxmlformats.org/presentationml/2006/main" xmlns:mc="http://schemas.openxmlformats.org/markup-compatibility/2006" xmlns:c="http://schemas.openxmlformats.org/drawingml/2006/chart" xmlns:ns6="http://schemas.openxmlformats.org/drawingml/2006/chartDrawing" xmlns:dgm="http://schemas.openxmlformats.org/drawingml/2006/diagram" xmlns:pic="http://schemas.openxmlformats.org/drawingml/2006/picture" xmlns:wp="http://schemas.openxmlformats.org/drawingml/2006/wordprocessingDrawing" xmlns:xdr="http://schemas.openxmlformats.org/drawingml/2006/spreadsheetDrawing" xmlns:ns11="http://schemas.openxmlformats.org/drawingml/2006/compatibility" xmlns:ns12="http://schemas.openxmlformats.org/drawingml/2006/lockedCanvas" preserve="true" type="objTx">
   <p:cSld name="Content with Caption">
     <p:spTree>
       <p:nvGrpSpPr>
-        <p:cNvPr id="1" name=""/>
+        <p:cNvPr name="" id="1"/>
         <p:cNvGrpSpPr/>
         <p:nvPr/>
       </p:nvGrpSpPr>
       <p:grpSpPr>
         <a:xfrm>
-          <a:off x="0" y="0"/>
-          <a:ext cx="0" cy="0"/>
-          <a:chOff x="0" y="0"/>
-          <a:chExt cx="0" cy="0"/>
+          <a:off y="0" x="0"/>
+          <a:ext cy="0" cx="0"/>
+          <a:chOff y="0" x="0"/>
+          <a:chExt cy="0" cx="0"/>
         </a:xfrm>
       </p:grpSpPr>
       <p:sp>
         <p:nvSpPr>
-          <p:cNvPr id="2" name="Titre 1"/>
+          <p:cNvPr name="Titre 1" id="2"/>
           <p:cNvSpPr>
             <a:spLocks noGrp="true"/>
           </p:cNvSpPr>
@@ -2491,8 +2491,8 @@
         </p:nvSpPr>
         <p:spPr>
           <a:xfrm>
-            <a:off x="839788" y="457200"/>
-            <a:ext cx="3932237" cy="1600200"/>
+            <a:off y="457200" x="839788"/>
+            <a:ext cy="1600200" cx="3932237"/>
           </a:xfrm>
         </p:spPr>
         <p:txBody>
@@ -2504,7 +2504,7 @@
           </a:lstStyle>
           <a:p>
             <a:r>
-              <a:rPr lang="fr-FR" smtClean="false"/>
+              <a:rPr smtClean="false" lang="fr-FR"/>
               <a:t>Modifiez le style du titre</a:t>
             </a:r>
             <a:endParaRPr lang="fr-FR"/>
@@ -2513,7 +2513,7 @@
       </p:sp>
       <p:sp>
         <p:nvSpPr>
-          <p:cNvPr id="3" name="Espace réservé du contenu 2"/>
+          <p:cNvPr name="Espace réservé du contenu 2" id="3"/>
           <p:cNvSpPr>
             <a:spLocks noGrp="true"/>
           </p:cNvSpPr>
@@ -2523,8 +2523,8 @@
         </p:nvSpPr>
         <p:spPr>
           <a:xfrm>
-            <a:off x="5183188" y="987425"/>
-            <a:ext cx="6172200" cy="4873625"/>
+            <a:off y="987425" x="5183188"/>
+            <a:ext cy="4873625" cx="6172200"/>
           </a:xfrm>
         </p:spPr>
         <p:txBody>
@@ -2561,35 +2561,35 @@
           <a:p>
             <a:pPr lvl="0"/>
             <a:r>
-              <a:rPr lang="fr-FR" smtClean="false"/>
+              <a:rPr smtClean="false" lang="fr-FR"/>
               <a:t>Modifiez les styles du texte du masque</a:t>
             </a:r>
           </a:p>
           <a:p>
             <a:pPr lvl="1"/>
             <a:r>
-              <a:rPr lang="fr-FR" smtClean="false"/>
+              <a:rPr smtClean="false" lang="fr-FR"/>
               <a:t>Deuxième niveau</a:t>
             </a:r>
           </a:p>
           <a:p>
             <a:pPr lvl="2"/>
             <a:r>
-              <a:rPr lang="fr-FR" smtClean="false"/>
+              <a:rPr smtClean="false" lang="fr-FR"/>
               <a:t>Troisième niveau</a:t>
             </a:r>
           </a:p>
           <a:p>
             <a:pPr lvl="3"/>
             <a:r>
-              <a:rPr lang="fr-FR" smtClean="false"/>
+              <a:rPr smtClean="false" lang="fr-FR"/>
               <a:t>Quatrième niveau</a:t>
             </a:r>
           </a:p>
           <a:p>
             <a:pPr lvl="4"/>
             <a:r>
-              <a:rPr lang="fr-FR" smtClean="false"/>
+              <a:rPr smtClean="false" lang="fr-FR"/>
               <a:t>Cinquième niveau</a:t>
             </a:r>
             <a:endParaRPr lang="fr-FR"/>
@@ -2598,56 +2598,56 @@
       </p:sp>
       <p:sp>
         <p:nvSpPr>
-          <p:cNvPr id="4" name="Espace réservé du texte 3"/>
+          <p:cNvPr name="Espace réservé du texte 3" id="4"/>
           <p:cNvSpPr>
             <a:spLocks noGrp="true"/>
           </p:cNvSpPr>
           <p:nvPr>
-            <p:ph type="body" sz="half" idx="2"/>
+            <p:ph idx="2" sz="half" type="body"/>
           </p:nvPr>
         </p:nvSpPr>
         <p:spPr>
           <a:xfrm>
-            <a:off x="839788" y="2057400"/>
-            <a:ext cx="3932237" cy="3811588"/>
+            <a:off y="2057400" x="839788"/>
+            <a:ext cy="3811588" cx="3932237"/>
           </a:xfrm>
         </p:spPr>
         <p:txBody>
           <a:bodyPr/>
           <a:lstStyle>
-            <a:lvl1pPr marL="0" indent="0">
+            <a:lvl1pPr indent="0" marL="0">
               <a:buNone/>
               <a:defRPr sz="1600"/>
             </a:lvl1pPr>
-            <a:lvl2pPr marL="457200" indent="0">
+            <a:lvl2pPr indent="0" marL="457200">
               <a:buNone/>
               <a:defRPr sz="1400"/>
             </a:lvl2pPr>
-            <a:lvl3pPr marL="914400" indent="0">
+            <a:lvl3pPr indent="0" marL="914400">
               <a:buNone/>
               <a:defRPr sz="1200"/>
             </a:lvl3pPr>
-            <a:lvl4pPr marL="1371600" indent="0">
+            <a:lvl4pPr indent="0" marL="1371600">
               <a:buNone/>
               <a:defRPr sz="1000"/>
             </a:lvl4pPr>
-            <a:lvl5pPr marL="1828800" indent="0">
+            <a:lvl5pPr indent="0" marL="1828800">
               <a:buNone/>
               <a:defRPr sz="1000"/>
             </a:lvl5pPr>
-            <a:lvl6pPr marL="2286000" indent="0">
+            <a:lvl6pPr indent="0" marL="2286000">
               <a:buNone/>
               <a:defRPr sz="1000"/>
             </a:lvl6pPr>
-            <a:lvl7pPr marL="2743200" indent="0">
+            <a:lvl7pPr indent="0" marL="2743200">
               <a:buNone/>
               <a:defRPr sz="1000"/>
             </a:lvl7pPr>
-            <a:lvl8pPr marL="3200400" indent="0">
+            <a:lvl8pPr indent="0" marL="3200400">
               <a:buNone/>
               <a:defRPr sz="1000"/>
             </a:lvl8pPr>
-            <a:lvl9pPr marL="3657600" indent="0">
+            <a:lvl9pPr indent="0" marL="3657600">
               <a:buNone/>
               <a:defRPr sz="1000"/>
             </a:lvl9pPr>
@@ -2655,7 +2655,7 @@
           <a:p>
             <a:pPr lvl="0"/>
             <a:r>
-              <a:rPr lang="fr-FR" smtClean="false"/>
+              <a:rPr smtClean="false" lang="fr-FR"/>
               <a:t>Modifiez les styles du texte du masque</a:t>
             </a:r>
           </a:p>
@@ -2663,12 +2663,12 @@
       </p:sp>
       <p:sp>
         <p:nvSpPr>
-          <p:cNvPr id="5" name="Espace réservé de la date 4"/>
+          <p:cNvPr name="Espace réservé de la date 4" id="5"/>
           <p:cNvSpPr>
             <a:spLocks noGrp="true"/>
           </p:cNvSpPr>
           <p:nvPr>
-            <p:ph type="dt" sz="half" idx="10"/>
+            <p:ph idx="10" sz="half" type="dt"/>
           </p:nvPr>
         </p:nvSpPr>
         <p:spPr/>
@@ -2676,8 +2676,8 @@
           <a:bodyPr/>
           <a:lstStyle/>
           <a:p>
-            <a:fld id="{CE3110EA-6548-4EF6-B0A9-8F847AEECEDD}" type="datetimeFigureOut">
-              <a:rPr lang="fr-FR" smtClean="false"/>
+            <a:fld type="datetimeFigureOut" id="{CE3110EA-6548-4EF6-B0A9-8F847AEECEDD}">
+              <a:rPr smtClean="false" lang="fr-FR"/>
               <a:t>19/07/2014</a:t>
             </a:fld>
             <a:endParaRPr lang="fr-FR"/>
@@ -2686,12 +2686,12 @@
       </p:sp>
       <p:sp>
         <p:nvSpPr>
-          <p:cNvPr id="6" name="Espace réservé du pied de page 5"/>
+          <p:cNvPr name="Espace réservé du pied de page 5" id="6"/>
           <p:cNvSpPr>
             <a:spLocks noGrp="true"/>
           </p:cNvSpPr>
           <p:nvPr>
-            <p:ph type="ftr" sz="quarter" idx="11"/>
+            <p:ph idx="11" sz="quarter" type="ftr"/>
           </p:nvPr>
         </p:nvSpPr>
         <p:spPr/>
@@ -2705,12 +2705,12 @@
       </p:sp>
       <p:sp>
         <p:nvSpPr>
-          <p:cNvPr id="7" name="Espace réservé du numéro de diapositive 6"/>
+          <p:cNvPr name="Espace réservé du numéro de diapositive 6" id="7"/>
           <p:cNvSpPr>
             <a:spLocks noGrp="true"/>
           </p:cNvSpPr>
           <p:nvPr>
-            <p:ph type="sldNum" sz="quarter" idx="12"/>
+            <p:ph idx="12" sz="quarter" type="sldNum"/>
           </p:nvPr>
         </p:nvSpPr>
         <p:spPr/>
@@ -2718,8 +2718,8 @@
           <a:bodyPr/>
           <a:lstStyle/>
           <a:p>
-            <a:fld id="{C47AABF0-D73A-43C1-84CC-8A30B6535388}" type="slidenum">
-              <a:rPr lang="fr-FR" smtClean="false"/>
+            <a:fld type="slidenum" id="{C47AABF0-D73A-43C1-84CC-8A30B6535388}">
+              <a:rPr smtClean="false" lang="fr-FR"/>
               <a:t>‹N°›</a:t>
             </a:fld>
             <a:endParaRPr lang="fr-FR"/>
@@ -2739,7 +2739,7 @@
   <p:timing>
     <p:tnLst>
       <p:par>
-        <p:cTn id="1" dur="indefinite" restart="never" nodeType="tmRoot"/>
+        <p:cTn nodeType="tmRoot" restart="never" dur="indefinite" id="1"/>
       </p:par>
     </p:tnLst>
   </p:timing>
@@ -2756,21 +2756,21 @@
     </p:bg>
     <p:spTree>
       <p:nvGrpSpPr>
-        <p:cNvPr id="1" name=""/>
+        <p:cNvPr name="" id="1"/>
         <p:cNvGrpSpPr/>
         <p:nvPr/>
       </p:nvGrpSpPr>
       <p:grpSpPr>
         <a:xfrm>
-          <a:off x="0" y="0"/>
-          <a:ext cx="0" cy="0"/>
-          <a:chOff x="0" y="0"/>
-          <a:chExt cx="0" cy="0"/>
+          <a:off y="0" x="0"/>
+          <a:ext cy="0" cx="0"/>
+          <a:chOff y="0" x="0"/>
+          <a:chExt cy="0" cx="0"/>
         </a:xfrm>
       </p:grpSpPr>
       <p:sp>
         <p:nvSpPr>
-          <p:cNvPr id="2" name="Espace réservé du titre 1"/>
+          <p:cNvPr name="Espace réservé du titre 1" id="2"/>
           <p:cNvSpPr>
             <a:spLocks noGrp="true"/>
           </p:cNvSpPr>
@@ -2780,21 +2780,21 @@
         </p:nvSpPr>
         <p:spPr>
           <a:xfrm>
-            <a:off x="838200" y="360000"/>
-            <a:ext cx="10515600" cy="1325563"/>
+            <a:off y="360000" x="838200"/>
+            <a:ext cy="1325563" cx="10515600"/>
           </a:xfrm>
           <a:prstGeom prst="rect">
             <a:avLst/>
           </a:prstGeom>
         </p:spPr>
         <p:txBody>
-          <a:bodyPr vert="horz" lIns="91440" tIns="45720" rIns="91440" bIns="45720" rtlCol="false" anchor="ctr">
+          <a:bodyPr anchor="ctr" rtlCol="false" bIns="45720" rIns="91440" tIns="45720" lIns="91440" vert="horz">
             <a:normAutofit/>
           </a:bodyPr>
           <a:lstStyle/>
           <a:p>
             <a:r>
-              <a:rPr lang="fr-FR" smtClean="false"/>
+              <a:rPr smtClean="false" lang="fr-FR"/>
               <a:t>Modifiez le style du titre</a:t>
             </a:r>
             <a:endParaRPr lang="fr-FR"/>
@@ -2803,60 +2803,60 @@
       </p:sp>
       <p:sp>
         <p:nvSpPr>
-          <p:cNvPr id="3" name="Espace réservé du texte 2"/>
+          <p:cNvPr name="Espace réservé du texte 2" id="3"/>
           <p:cNvSpPr>
             <a:spLocks noGrp="true"/>
           </p:cNvSpPr>
           <p:nvPr>
-            <p:ph type="body" idx="1"/>
+            <p:ph idx="1" type="body"/>
           </p:nvPr>
         </p:nvSpPr>
         <p:spPr>
           <a:xfrm>
-            <a:off x="838200" y="1825625"/>
-            <a:ext cx="10515600" cy="4351338"/>
+            <a:off y="1825625" x="838200"/>
+            <a:ext cy="4351338" cx="10515600"/>
           </a:xfrm>
           <a:prstGeom prst="rect">
             <a:avLst/>
           </a:prstGeom>
         </p:spPr>
         <p:txBody>
-          <a:bodyPr vert="horz" lIns="91440" tIns="45720" rIns="91440" bIns="45720" rtlCol="false">
+          <a:bodyPr rtlCol="false" bIns="45720" rIns="91440" tIns="45720" lIns="91440" vert="horz">
             <a:normAutofit/>
           </a:bodyPr>
           <a:lstStyle/>
           <a:p>
             <a:pPr lvl="0"/>
             <a:r>
-              <a:rPr lang="fr-FR" smtClean="false"/>
+              <a:rPr smtClean="false" lang="fr-FR"/>
               <a:t>Modifiez les styles du texte du masque</a:t>
             </a:r>
           </a:p>
           <a:p>
             <a:pPr lvl="1"/>
             <a:r>
-              <a:rPr lang="fr-FR" smtClean="false"/>
+              <a:rPr smtClean="false" lang="fr-FR"/>
               <a:t>Deuxième niveau</a:t>
             </a:r>
           </a:p>
           <a:p>
             <a:pPr lvl="2"/>
             <a:r>
-              <a:rPr lang="fr-FR" smtClean="false"/>
+              <a:rPr smtClean="false" lang="fr-FR"/>
               <a:t>Troisième niveau</a:t>
             </a:r>
           </a:p>
           <a:p>
             <a:pPr lvl="3"/>
             <a:r>
-              <a:rPr lang="fr-FR" smtClean="false"/>
+              <a:rPr smtClean="false" lang="fr-FR"/>
               <a:t>Quatrième niveau</a:t>
             </a:r>
           </a:p>
           <a:p>
             <a:pPr lvl="4"/>
             <a:r>
-              <a:rPr lang="fr-FR" smtClean="false"/>
+              <a:rPr smtClean="false" lang="fr-FR"/>
               <a:t>Cinquième niveau</a:t>
             </a:r>
             <a:endParaRPr lang="fr-FR"/>
@@ -2865,25 +2865,25 @@
       </p:sp>
       <p:sp>
         <p:nvSpPr>
-          <p:cNvPr id="4" name="Espace réservé de la date 3"/>
+          <p:cNvPr name="Espace réservé de la date 3" id="4"/>
           <p:cNvSpPr>
             <a:spLocks noGrp="true"/>
           </p:cNvSpPr>
           <p:nvPr>
-            <p:ph type="dt" sz="half" idx="2"/>
+            <p:ph idx="2" sz="half" type="dt"/>
           </p:nvPr>
         </p:nvSpPr>
         <p:spPr>
           <a:xfrm>
-            <a:off x="838200" y="6356350"/>
-            <a:ext cx="2743200" cy="365125"/>
+            <a:off y="6356350" x="838200"/>
+            <a:ext cy="365125" cx="2743200"/>
           </a:xfrm>
           <a:prstGeom prst="rect">
             <a:avLst/>
           </a:prstGeom>
         </p:spPr>
         <p:txBody>
-          <a:bodyPr vert="horz" lIns="91440" tIns="45720" rIns="91440" bIns="45720" rtlCol="false" anchor="ctr"/>
+          <a:bodyPr anchor="ctr" rtlCol="false" bIns="45720" rIns="91440" tIns="45720" lIns="91440" vert="horz"/>
           <a:lstStyle>
             <a:lvl1pPr algn="l">
               <a:defRPr sz="1200">
@@ -2894,8 +2894,8 @@
             </a:lvl1pPr>
           </a:lstStyle>
           <a:p>
-            <a:fld id="{CE3110EA-6548-4EF6-B0A9-8F847AEECEDD}" type="datetimeFigureOut">
-              <a:rPr lang="fr-FR" smtClean="false"/>
+            <a:fld type="datetimeFigureOut" id="{CE3110EA-6548-4EF6-B0A9-8F847AEECEDD}">
+              <a:rPr smtClean="false" lang="fr-FR"/>
               <a:pPr/>
               <a:t>19/07/2014</a:t>
             </a:fld>
@@ -2905,25 +2905,25 @@
       </p:sp>
       <p:sp>
         <p:nvSpPr>
-          <p:cNvPr id="5" name="Espace réservé du pied de page 4"/>
+          <p:cNvPr name="Espace réservé du pied de page 4" id="5"/>
           <p:cNvSpPr>
             <a:spLocks noGrp="true"/>
           </p:cNvSpPr>
           <p:nvPr>
-            <p:ph type="ftr" sz="quarter" idx="3"/>
+            <p:ph idx="3" sz="quarter" type="ftr"/>
           </p:nvPr>
         </p:nvSpPr>
         <p:spPr>
           <a:xfrm>
-            <a:off x="4038600" y="6356350"/>
-            <a:ext cx="4114800" cy="365125"/>
+            <a:off y="6356350" x="4038600"/>
+            <a:ext cy="365125" cx="4114800"/>
           </a:xfrm>
           <a:prstGeom prst="rect">
             <a:avLst/>
           </a:prstGeom>
         </p:spPr>
         <p:txBody>
-          <a:bodyPr vert="horz" lIns="91440" tIns="45720" rIns="91440" bIns="45720" rtlCol="false" anchor="ctr"/>
+          <a:bodyPr anchor="ctr" rtlCol="false" bIns="45720" rIns="91440" tIns="45720" lIns="91440" vert="horz"/>
           <a:lstStyle>
             <a:lvl1pPr algn="ctr">
               <a:defRPr sz="1200">
@@ -2940,25 +2940,25 @@
       </p:sp>
       <p:sp>
         <p:nvSpPr>
-          <p:cNvPr id="6" name="Espace réservé du numéro de diapositive 5"/>
+          <p:cNvPr name="Espace réservé du numéro de diapositive 5" id="6"/>
           <p:cNvSpPr>
             <a:spLocks noGrp="true"/>
           </p:cNvSpPr>
           <p:nvPr>
-            <p:ph type="sldNum" sz="quarter" idx="4"/>
+            <p:ph idx="4" sz="quarter" type="sldNum"/>
           </p:nvPr>
         </p:nvSpPr>
         <p:spPr>
           <a:xfrm>
-            <a:off x="8610600" y="6356350"/>
-            <a:ext cx="2743200" cy="365125"/>
+            <a:off y="6356350" x="8610600"/>
+            <a:ext cy="365125" cx="2743200"/>
           </a:xfrm>
           <a:prstGeom prst="rect">
             <a:avLst/>
           </a:prstGeom>
         </p:spPr>
         <p:txBody>
-          <a:bodyPr vert="horz" lIns="91440" tIns="45720" rIns="91440" bIns="45720" rtlCol="false" anchor="ctr"/>
+          <a:bodyPr anchor="ctr" rtlCol="false" bIns="45720" rIns="91440" tIns="45720" lIns="91440" vert="horz"/>
           <a:lstStyle>
             <a:lvl1pPr algn="r">
               <a:defRPr sz="1200">
@@ -2969,8 +2969,8 @@
             </a:lvl1pPr>
           </a:lstStyle>
           <a:p>
-            <a:fld id="{C47AABF0-D73A-43C1-84CC-8A30B6535388}" type="slidenum">
-              <a:rPr lang="fr-FR" smtClean="false"/>
+            <a:fld type="slidenum" id="{C47AABF0-D73A-43C1-84CC-8A30B6535388}">
+              <a:rPr smtClean="false" lang="fr-FR"/>
               <a:pPr/>
               <a:t>‹N°›</a:t>
             </a:fld>
@@ -2980,14 +2980,14 @@
       </p:sp>
       <p:pic>
         <p:nvPicPr>
-          <p:cNvPr id="7" name="Picture 2" descr="http://www.lindinglab.org/external-files/images/Rlogo1.png/image"/>
+          <p:cNvPr descr="http://www.lindinglab.org/external-files/images/Rlogo1.png/image" name="Picture 2" id="7"/>
           <p:cNvPicPr>
-            <a:picLocks noChangeAspect="true" noChangeArrowheads="true"/>
+            <a:picLocks noChangeArrowheads="true" noChangeAspect="true"/>
           </p:cNvPicPr>
           <p:nvPr userDrawn="true"/>
         </p:nvPicPr>
         <p:blipFill>
-          <a:blip cstate="print" r:embed="rId13">
+          <a:blip r:embed="rId13" cstate="print">
             <a:lum/>
             <a:extLst>
               <a:ext uri="{28A0092B-C50C-407E-A947-70E740481C1C}">
@@ -3002,8 +3002,8 @@
         </p:blipFill>
         <p:spPr bwMode="auto">
           <a:xfrm>
-            <a:off x="11449386" y="6227276"/>
-            <a:ext cx="662940" cy="502920"/>
+            <a:off y="6227276" x="11449386"/>
+            <a:ext cy="502920" cx="662940"/>
           </a:xfrm>
           <a:prstGeom prst="rect">
             <a:avLst/>
@@ -3021,30 +3021,30 @@
       </p:ext>
     </p:extLst>
   </p:cSld>
-  <p:clrMap bg1="lt1" tx1="dk1" bg2="lt2" tx2="dk2" accent1="accent1" accent2="accent2" accent3="accent3" accent4="accent4" accent5="accent5" accent6="accent6" hlink="hlink" folHlink="folHlink"/>
+  <p:clrMap folHlink="folHlink" hlink="hlink" accent6="accent6" accent5="accent5" accent4="accent4" accent3="accent3" accent2="accent2" accent1="accent1" tx2="dk2" bg2="lt2" tx1="dk1" bg1="lt1"/>
   <p:sldLayoutIdLst>
-    <p:sldLayoutId id="2147483649" r:id="rId1"/>
-    <p:sldLayoutId id="2147483650" r:id="rId2"/>
-    <p:sldLayoutId id="2147483651" r:id="rId3"/>
-    <p:sldLayoutId id="2147483652" r:id="rId4"/>
-    <p:sldLayoutId id="2147483660" r:id="rId5"/>
-    <p:sldLayoutId id="2147483653" r:id="rId6"/>
-    <p:sldLayoutId id="2147483654" r:id="rId7"/>
-    <p:sldLayoutId id="2147483655" r:id="rId8"/>
-    <p:sldLayoutId id="2147483656" r:id="rId9"/>
-    <p:sldLayoutId id="2147483658" r:id="rId10"/>
-    <p:sldLayoutId id="2147483659" r:id="rId11"/>
+    <p:sldLayoutId r:id="rId1" id="2147483649"/>
+    <p:sldLayoutId r:id="rId2" id="2147483650"/>
+    <p:sldLayoutId r:id="rId3" id="2147483651"/>
+    <p:sldLayoutId r:id="rId4" id="2147483652"/>
+    <p:sldLayoutId r:id="rId5" id="2147483660"/>
+    <p:sldLayoutId r:id="rId6" id="2147483653"/>
+    <p:sldLayoutId r:id="rId7" id="2147483654"/>
+    <p:sldLayoutId r:id="rId8" id="2147483655"/>
+    <p:sldLayoutId r:id="rId9" id="2147483656"/>
+    <p:sldLayoutId r:id="rId10" id="2147483658"/>
+    <p:sldLayoutId r:id="rId11" id="2147483659"/>
   </p:sldLayoutIdLst>
   <p:timing>
     <p:tnLst>
       <p:par>
-        <p:cTn id="1" dur="indefinite" restart="never" nodeType="tmRoot"/>
+        <p:cTn nodeType="tmRoot" restart="never" dur="indefinite" id="1"/>
       </p:par>
     </p:tnLst>
   </p:timing>
   <p:txStyles>
     <p:titleStyle>
-      <a:lvl1pPr algn="l" defTabSz="914400" rtl="false" eaLnBrk="true" latinLnBrk="false" hangingPunct="true">
+      <a:lvl1pPr hangingPunct="true" latinLnBrk="false" eaLnBrk="true" rtl="false" defTabSz="914400" algn="l">
         <a:lnSpc>
           <a:spcPct val="90000"/>
         </a:lnSpc>
@@ -3052,7 +3052,7 @@
           <a:spcPct val="0"/>
         </a:spcBef>
         <a:buNone/>
-        <a:defRPr sz="4400" kern="1200">
+        <a:defRPr kern="1200" sz="4400">
           <a:solidFill>
             <a:schemeClr val="accent1">
               <a:lumMod val="75000"/>
@@ -3065,16 +3065,16 @@
       </a:lvl1pPr>
     </p:titleStyle>
     <p:bodyStyle>
-      <a:lvl1pPr marL="228600" indent="-228600" algn="l" defTabSz="914400" rtl="false" eaLnBrk="true" latinLnBrk="false" hangingPunct="true">
+      <a:lvl1pPr hangingPunct="true" latinLnBrk="false" eaLnBrk="true" rtl="false" defTabSz="914400" algn="l" indent="-228600" marL="228600">
         <a:lnSpc>
           <a:spcPct val="90000"/>
         </a:lnSpc>
         <a:spcBef>
           <a:spcPts val="1000"/>
         </a:spcBef>
-        <a:buFont typeface="Arial" panose="020B0604020202020204" pitchFamily="34" charset="0"/>
+        <a:buFont charset="0" pitchFamily="34" panose="020B0604020202020204" typeface="Arial"/>
         <a:buChar char="•"/>
-        <a:defRPr sz="2800" kern="1200">
+        <a:defRPr kern="1200" sz="2800">
           <a:solidFill>
             <a:srgbClr val="2C3E50"/>
           </a:solidFill>
@@ -3083,16 +3083,16 @@
           <a:cs typeface="+mn-cs"/>
         </a:defRPr>
       </a:lvl1pPr>
-      <a:lvl2pPr marL="685800" indent="-228600" algn="l" defTabSz="914400" rtl="false" eaLnBrk="true" latinLnBrk="false" hangingPunct="true">
+      <a:lvl2pPr hangingPunct="true" latinLnBrk="false" eaLnBrk="true" rtl="false" defTabSz="914400" algn="l" indent="-228600" marL="685800">
         <a:lnSpc>
           <a:spcPct val="90000"/>
         </a:lnSpc>
         <a:spcBef>
           <a:spcPts val="500"/>
         </a:spcBef>
-        <a:buFont typeface="Arial" panose="020B0604020202020204" pitchFamily="34" charset="0"/>
+        <a:buFont charset="0" pitchFamily="34" panose="020B0604020202020204" typeface="Arial"/>
         <a:buChar char="•"/>
-        <a:defRPr sz="2400" kern="1200">
+        <a:defRPr kern="1200" sz="2400">
           <a:solidFill>
             <a:srgbClr val="2C3E50"/>
           </a:solidFill>
@@ -3101,16 +3101,16 @@
           <a:cs typeface="+mn-cs"/>
         </a:defRPr>
       </a:lvl2pPr>
-      <a:lvl3pPr marL="1143000" indent="-228600" algn="l" defTabSz="914400" rtl="false" eaLnBrk="true" latinLnBrk="false" hangingPunct="true">
+      <a:lvl3pPr hangingPunct="true" latinLnBrk="false" eaLnBrk="true" rtl="false" defTabSz="914400" algn="l" indent="-228600" marL="1143000">
         <a:lnSpc>
           <a:spcPct val="90000"/>
         </a:lnSpc>
         <a:spcBef>
           <a:spcPts val="500"/>
         </a:spcBef>
-        <a:buFont typeface="Arial" panose="020B0604020202020204" pitchFamily="34" charset="0"/>
+        <a:buFont charset="0" pitchFamily="34" panose="020B0604020202020204" typeface="Arial"/>
         <a:buChar char="•"/>
-        <a:defRPr sz="2000" kern="1200">
+        <a:defRPr kern="1200" sz="2000">
           <a:solidFill>
             <a:srgbClr val="2C3E50"/>
           </a:solidFill>
@@ -3119,16 +3119,16 @@
           <a:cs typeface="+mn-cs"/>
         </a:defRPr>
       </a:lvl3pPr>
-      <a:lvl4pPr marL="1600200" indent="-228600" algn="l" defTabSz="914400" rtl="false" eaLnBrk="true" latinLnBrk="false" hangingPunct="true">
+      <a:lvl4pPr hangingPunct="true" latinLnBrk="false" eaLnBrk="true" rtl="false" defTabSz="914400" algn="l" indent="-228600" marL="1600200">
         <a:lnSpc>
           <a:spcPct val="90000"/>
         </a:lnSpc>
         <a:spcBef>
           <a:spcPts val="500"/>
         </a:spcBef>
-        <a:buFont typeface="Arial" panose="020B0604020202020204" pitchFamily="34" charset="0"/>
+        <a:buFont charset="0" pitchFamily="34" panose="020B0604020202020204" typeface="Arial"/>
         <a:buChar char="•"/>
-        <a:defRPr sz="1800" kern="1200">
+        <a:defRPr kern="1200" sz="1800">
           <a:solidFill>
             <a:srgbClr val="2C3E50"/>
           </a:solidFill>
@@ -3137,16 +3137,16 @@
           <a:cs typeface="+mn-cs"/>
         </a:defRPr>
       </a:lvl4pPr>
-      <a:lvl5pPr marL="2057400" indent="-228600" algn="l" defTabSz="914400" rtl="false" eaLnBrk="true" latinLnBrk="false" hangingPunct="true">
+      <a:lvl5pPr hangingPunct="true" latinLnBrk="false" eaLnBrk="true" rtl="false" defTabSz="914400" algn="l" indent="-228600" marL="2057400">
         <a:lnSpc>
           <a:spcPct val="90000"/>
         </a:lnSpc>
         <a:spcBef>
           <a:spcPts val="500"/>
         </a:spcBef>
-        <a:buFont typeface="Arial" panose="020B0604020202020204" pitchFamily="34" charset="0"/>
+        <a:buFont charset="0" pitchFamily="34" panose="020B0604020202020204" typeface="Arial"/>
         <a:buChar char="•"/>
-        <a:defRPr sz="1800" kern="1200">
+        <a:defRPr kern="1200" sz="1800">
           <a:solidFill>
             <a:srgbClr val="2C3E50"/>
           </a:solidFill>
@@ -3155,16 +3155,16 @@
           <a:cs typeface="+mn-cs"/>
         </a:defRPr>
       </a:lvl5pPr>
-      <a:lvl6pPr marL="2514600" indent="-228600" algn="l" defTabSz="914400" rtl="false" eaLnBrk="true" latinLnBrk="false" hangingPunct="true">
+      <a:lvl6pPr hangingPunct="true" latinLnBrk="false" eaLnBrk="true" rtl="false" defTabSz="914400" algn="l" indent="-228600" marL="2514600">
         <a:lnSpc>
           <a:spcPct val="90000"/>
         </a:lnSpc>
         <a:spcBef>
           <a:spcPts val="500"/>
         </a:spcBef>
-        <a:buFont typeface="Arial" panose="020B0604020202020204" pitchFamily="34" charset="0"/>
+        <a:buFont charset="0" pitchFamily="34" panose="020B0604020202020204" typeface="Arial"/>
         <a:buChar char="•"/>
-        <a:defRPr sz="1800" kern="1200">
+        <a:defRPr kern="1200" sz="1800">
           <a:solidFill>
             <a:schemeClr val="tx1"/>
           </a:solidFill>
@@ -3173,16 +3173,16 @@
           <a:cs typeface="+mn-cs"/>
         </a:defRPr>
       </a:lvl6pPr>
-      <a:lvl7pPr marL="2971800" indent="-228600" algn="l" defTabSz="914400" rtl="false" eaLnBrk="true" latinLnBrk="false" hangingPunct="true">
+      <a:lvl7pPr hangingPunct="true" latinLnBrk="false" eaLnBrk="true" rtl="false" defTabSz="914400" algn="l" indent="-228600" marL="2971800">
         <a:lnSpc>
           <a:spcPct val="90000"/>
         </a:lnSpc>
         <a:spcBef>
           <a:spcPts val="500"/>
         </a:spcBef>
-        <a:buFont typeface="Arial" panose="020B0604020202020204" pitchFamily="34" charset="0"/>
+        <a:buFont charset="0" pitchFamily="34" panose="020B0604020202020204" typeface="Arial"/>
         <a:buChar char="•"/>
-        <a:defRPr sz="1800" kern="1200">
+        <a:defRPr kern="1200" sz="1800">
           <a:solidFill>
             <a:schemeClr val="tx1"/>
           </a:solidFill>
@@ -3191,16 +3191,16 @@
           <a:cs typeface="+mn-cs"/>
         </a:defRPr>
       </a:lvl7pPr>
-      <a:lvl8pPr marL="3429000" indent="-228600" algn="l" defTabSz="914400" rtl="false" eaLnBrk="true" latinLnBrk="false" hangingPunct="true">
+      <a:lvl8pPr hangingPunct="true" latinLnBrk="false" eaLnBrk="true" rtl="false" defTabSz="914400" algn="l" indent="-228600" marL="3429000">
         <a:lnSpc>
           <a:spcPct val="90000"/>
         </a:lnSpc>
         <a:spcBef>
           <a:spcPts val="500"/>
         </a:spcBef>
-        <a:buFont typeface="Arial" panose="020B0604020202020204" pitchFamily="34" charset="0"/>
+        <a:buFont charset="0" pitchFamily="34" panose="020B0604020202020204" typeface="Arial"/>
         <a:buChar char="•"/>
-        <a:defRPr sz="1800" kern="1200">
+        <a:defRPr kern="1200" sz="1800">
           <a:solidFill>
             <a:schemeClr val="tx1"/>
           </a:solidFill>
@@ -3209,16 +3209,16 @@
           <a:cs typeface="+mn-cs"/>
         </a:defRPr>
       </a:lvl8pPr>
-      <a:lvl9pPr marL="3886200" indent="-228600" algn="l" defTabSz="914400" rtl="false" eaLnBrk="true" latinLnBrk="false" hangingPunct="true">
+      <a:lvl9pPr hangingPunct="true" latinLnBrk="false" eaLnBrk="true" rtl="false" defTabSz="914400" algn="l" indent="-228600" marL="3886200">
         <a:lnSpc>
           <a:spcPct val="90000"/>
         </a:lnSpc>
         <a:spcBef>
           <a:spcPts val="500"/>
         </a:spcBef>
-        <a:buFont typeface="Arial" panose="020B0604020202020204" pitchFamily="34" charset="0"/>
+        <a:buFont charset="0" pitchFamily="34" panose="020B0604020202020204" typeface="Arial"/>
         <a:buChar char="•"/>
-        <a:defRPr sz="1800" kern="1200">
+        <a:defRPr kern="1200" sz="1800">
           <a:solidFill>
             <a:schemeClr val="tx1"/>
           </a:solidFill>
@@ -3232,8 +3232,8 @@
       <a:defPPr>
         <a:defRPr lang="fr-FR"/>
       </a:defPPr>
-      <a:lvl1pPr marL="0" algn="l" defTabSz="914400" rtl="false" eaLnBrk="true" latinLnBrk="false" hangingPunct="true">
-        <a:defRPr sz="1800" kern="1200">
+      <a:lvl1pPr hangingPunct="true" latinLnBrk="false" eaLnBrk="true" rtl="false" defTabSz="914400" algn="l" marL="0">
+        <a:defRPr kern="1200" sz="1800">
           <a:solidFill>
             <a:schemeClr val="tx1"/>
           </a:solidFill>
@@ -3242,8 +3242,8 @@
           <a:cs typeface="+mn-cs"/>
         </a:defRPr>
       </a:lvl1pPr>
-      <a:lvl2pPr marL="457200" algn="l" defTabSz="914400" rtl="false" eaLnBrk="true" latinLnBrk="false" hangingPunct="true">
-        <a:defRPr sz="1800" kern="1200">
+      <a:lvl2pPr hangingPunct="true" latinLnBrk="false" eaLnBrk="true" rtl="false" defTabSz="914400" algn="l" marL="457200">
+        <a:defRPr kern="1200" sz="1800">
           <a:solidFill>
             <a:schemeClr val="tx1"/>
           </a:solidFill>
@@ -3252,8 +3252,8 @@
           <a:cs typeface="+mn-cs"/>
         </a:defRPr>
       </a:lvl2pPr>
-      <a:lvl3pPr marL="914400" algn="l" defTabSz="914400" rtl="false" eaLnBrk="true" latinLnBrk="false" hangingPunct="true">
-        <a:defRPr sz="1800" kern="1200">
+      <a:lvl3pPr hangingPunct="true" latinLnBrk="false" eaLnBrk="true" rtl="false" defTabSz="914400" algn="l" marL="914400">
+        <a:defRPr kern="1200" sz="1800">
           <a:solidFill>
             <a:schemeClr val="tx1"/>
           </a:solidFill>
@@ -3262,8 +3262,8 @@
           <a:cs typeface="+mn-cs"/>
         </a:defRPr>
       </a:lvl3pPr>
-      <a:lvl4pPr marL="1371600" algn="l" defTabSz="914400" rtl="false" eaLnBrk="true" latinLnBrk="false" hangingPunct="true">
-        <a:defRPr sz="1800" kern="1200">
+      <a:lvl4pPr hangingPunct="true" latinLnBrk="false" eaLnBrk="true" rtl="false" defTabSz="914400" algn="l" marL="1371600">
+        <a:defRPr kern="1200" sz="1800">
           <a:solidFill>
             <a:schemeClr val="tx1"/>
           </a:solidFill>
@@ -3272,8 +3272,8 @@
           <a:cs typeface="+mn-cs"/>
         </a:defRPr>
       </a:lvl4pPr>
-      <a:lvl5pPr marL="1828800" algn="l" defTabSz="914400" rtl="false" eaLnBrk="true" latinLnBrk="false" hangingPunct="true">
-        <a:defRPr sz="1800" kern="1200">
+      <a:lvl5pPr hangingPunct="true" latinLnBrk="false" eaLnBrk="true" rtl="false" defTabSz="914400" algn="l" marL="1828800">
+        <a:defRPr kern="1200" sz="1800">
           <a:solidFill>
             <a:schemeClr val="tx1"/>
           </a:solidFill>
@@ -3282,8 +3282,8 @@
           <a:cs typeface="+mn-cs"/>
         </a:defRPr>
       </a:lvl5pPr>
-      <a:lvl6pPr marL="2286000" algn="l" defTabSz="914400" rtl="false" eaLnBrk="true" latinLnBrk="false" hangingPunct="true">
-        <a:defRPr sz="1800" kern="1200">
+      <a:lvl6pPr hangingPunct="true" latinLnBrk="false" eaLnBrk="true" rtl="false" defTabSz="914400" algn="l" marL="2286000">
+        <a:defRPr kern="1200" sz="1800">
           <a:solidFill>
             <a:schemeClr val="tx1"/>
           </a:solidFill>
@@ -3292,8 +3292,8 @@
           <a:cs typeface="+mn-cs"/>
         </a:defRPr>
       </a:lvl6pPr>
-      <a:lvl7pPr marL="2743200" algn="l" defTabSz="914400" rtl="false" eaLnBrk="true" latinLnBrk="false" hangingPunct="true">
-        <a:defRPr sz="1800" kern="1200">
+      <a:lvl7pPr hangingPunct="true" latinLnBrk="false" eaLnBrk="true" rtl="false" defTabSz="914400" algn="l" marL="2743200">
+        <a:defRPr kern="1200" sz="1800">
           <a:solidFill>
             <a:schemeClr val="tx1"/>
           </a:solidFill>
@@ -3302,8 +3302,8 @@
           <a:cs typeface="+mn-cs"/>
         </a:defRPr>
       </a:lvl7pPr>
-      <a:lvl8pPr marL="3200400" algn="l" defTabSz="914400" rtl="false" eaLnBrk="true" latinLnBrk="false" hangingPunct="true">
-        <a:defRPr sz="1800" kern="1200">
+      <a:lvl8pPr hangingPunct="true" latinLnBrk="false" eaLnBrk="true" rtl="false" defTabSz="914400" algn="l" marL="3200400">
+        <a:defRPr kern="1200" sz="1800">
           <a:solidFill>
             <a:schemeClr val="tx1"/>
           </a:solidFill>
@@ -3312,8 +3312,8 @@
           <a:cs typeface="+mn-cs"/>
         </a:defRPr>
       </a:lvl8pPr>
-      <a:lvl9pPr marL="3657600" algn="l" defTabSz="914400" rtl="false" eaLnBrk="true" latinLnBrk="false" hangingPunct="true">
-        <a:defRPr sz="1800" kern="1200">
+      <a:lvl9pPr hangingPunct="true" latinLnBrk="false" eaLnBrk="true" rtl="false" defTabSz="914400" algn="l" marL="3657600">
+        <a:defRPr kern="1200" sz="1800">
           <a:solidFill>
             <a:schemeClr val="tx1"/>
           </a:solidFill>
@@ -3589,24 +3589,24 @@
   <p:cSld>
     <p:spTree>
       <p:nvGrpSpPr>
-        <p:cNvPr id="1" name=""/>
+        <p:cNvPr name="" id="1"/>
         <p:cNvGrpSpPr/>
         <p:nvPr/>
       </p:nvGrpSpPr>
       <p:grpSpPr>
         <a:xfrm>
-          <a:off x="0" y="0"/>
-          <a:ext cx="0" cy="0"/>
-          <a:chOff x="0" y="0"/>
-          <a:chExt cx="0" cy="0"/>
+          <a:off y="0" x="0"/>
+          <a:ext cy="0" cx="0"/>
+          <a:chOff y="0" x="0"/>
+          <a:chExt cy="0" cx="0"/>
         </a:xfrm>
       </p:grpSpPr>
       <p:sp>
         <p:nvSpPr>
-          <p:cNvPr id="1" name="Title 1"/>
+          <p:cNvPr name="Title 1" id="1"/>
           <p:cNvSpPr/>
           <p:nvPr>
-            <p:ph type="title" idx="0"/>
+            <p:ph idx="0" type="title"/>
           </p:nvPr>
         </p:nvSpPr>
         <p:spPr/>
@@ -3623,28 +3623,28 @@
       </p:sp>
       <p:grpSp>
         <p:nvGrpSpPr>
-          <p:cNvPr id="2" name="Groupe 2"/>
+          <p:cNvPr name="Groupe 2" id="2"/>
           <p:cNvGrpSpPr/>
           <p:nvPr/>
         </p:nvGrpSpPr>
         <p:grpSpPr>
-          <a:xfrm>
-            <a:off x="838200" y="1825625"/>
-            <a:ext cx="10515600" cy="4351338"/>
-            <a:chOff x="838200" y="1825625"/>
-            <a:chExt cx="10515600" cy="4351338"/>
+          <a:xfrm rot="0">
+            <a:off y="1825625" x="838200"/>
+            <a:ext cy="4351338" cx="10515600"/>
+            <a:chOff y="1825625" x="838200"/>
+            <a:chExt cy="4351338" cx="10515600"/>
           </a:xfrm>
         </p:grpSpPr>
         <p:sp>
           <p:nvSpPr>
-            <p:cNvPr id="2" name="Rectangle 2"/>
-            <p:cNvSpPr/>
-            <p:nvPr/>
-          </p:nvSpPr>
-          <p:spPr>
-            <a:xfrm>
-              <a:off x="840528" y="1830696"/>
-              <a:ext cx="10544810" cy="4363425"/>
+            <p:cNvPr name="Rectangle 2" id="2"/>
+            <p:cNvSpPr/>
+            <p:nvPr/>
+          </p:nvSpPr>
+          <p:spPr>
+            <a:xfrm>
+              <a:off y="1830696" x="840528"/>
+              <a:ext cy="4363425" cx="10544810"/>
             </a:xfrm>
             <a:prstGeom prst="rect">
               <a:avLst/>
@@ -3672,14 +3672,14 @@
         </p:sp>
         <p:sp>
           <p:nvSpPr>
-            <p:cNvPr id="3" name="Rectangle 3"/>
-            <p:cNvSpPr/>
-            <p:nvPr/>
-          </p:nvSpPr>
-          <p:spPr>
-            <a:xfrm>
-              <a:off x="1299544" y="1998802"/>
-              <a:ext cx="8821440" cy="3696934"/>
+            <p:cNvPr name="Rectangle 3" id="3"/>
+            <p:cNvSpPr/>
+            <p:nvPr/>
+          </p:nvSpPr>
+          <p:spPr>
+            <a:xfrm>
+              <a:off y="1998802" x="1288114"/>
+              <a:ext cy="3708364" cx="8845570"/>
             </a:xfrm>
             <a:prstGeom prst="rect">
               <a:avLst/>
@@ -3698,24 +3698,24 @@
         </p:sp>
         <p:sp>
           <p:nvSpPr>
-            <p:cNvPr id="4" name="Polyline form 4"/>
-            <p:cNvSpPr/>
-            <p:nvPr/>
-          </p:nvSpPr>
-          <p:spPr>
-            <a:xfrm>
-              <a:off x="1299544" y="5527693"/>
-              <a:ext cx="8821440" cy="0"/>
+            <p:cNvPr name="Polyline form 4" id="4"/>
+            <p:cNvSpPr/>
+            <p:nvPr/>
+          </p:nvSpPr>
+          <p:spPr>
+            <a:xfrm>
+              <a:off y="5538604" x="1288114"/>
+              <a:ext cy="0" cx="8845570"/>
             </a:xfrm>
             <a:custGeom>
               <a:avLst/>
               <a:pathLst>
-                <a:path w="8821440" h="0">
+                <a:path h="0" w="8845570">
                   <a:moveTo>
-                    <a:pt x="0" y="0"/>
+                    <a:pt y="0" x="0"/>
                   </a:moveTo>
                   <a:lnTo>
-                    <a:pt x="8821440" y="0"/>
+                    <a:pt y="0" x="8845570"/>
                   </a:lnTo>
                 </a:path>
               </a:pathLst>
@@ -3738,24 +3738,24 @@
         </p:sp>
         <p:sp>
           <p:nvSpPr>
-            <p:cNvPr id="5" name="Polyline form 5"/>
-            <p:cNvSpPr/>
-            <p:nvPr/>
-          </p:nvSpPr>
-          <p:spPr>
-            <a:xfrm>
-              <a:off x="1299544" y="4388422"/>
-              <a:ext cx="8821440" cy="0"/>
+            <p:cNvPr name="Polyline form 5" id="5"/>
+            <p:cNvSpPr/>
+            <p:nvPr/>
+          </p:nvSpPr>
+          <p:spPr>
+            <a:xfrm>
+              <a:off y="4395810" x="1288114"/>
+              <a:ext cy="0" cx="8845570"/>
             </a:xfrm>
             <a:custGeom>
               <a:avLst/>
               <a:pathLst>
-                <a:path w="8821440" h="0">
+                <a:path h="0" w="8845570">
                   <a:moveTo>
-                    <a:pt x="0" y="0"/>
+                    <a:pt y="0" x="0"/>
                   </a:moveTo>
                   <a:lnTo>
-                    <a:pt x="8821440" y="0"/>
+                    <a:pt y="0" x="8845570"/>
                   </a:lnTo>
                 </a:path>
               </a:pathLst>
@@ -3778,24 +3778,24 @@
         </p:sp>
         <p:sp>
           <p:nvSpPr>
-            <p:cNvPr id="6" name="Polyline form 6"/>
-            <p:cNvSpPr/>
-            <p:nvPr/>
-          </p:nvSpPr>
-          <p:spPr>
-            <a:xfrm>
-              <a:off x="1299544" y="3249152"/>
-              <a:ext cx="8821440" cy="0"/>
+            <p:cNvPr name="Polyline form 6" id="6"/>
+            <p:cNvSpPr/>
+            <p:nvPr/>
+          </p:nvSpPr>
+          <p:spPr>
+            <a:xfrm>
+              <a:off y="3253017" x="1288114"/>
+              <a:ext cy="0" cx="8845570"/>
             </a:xfrm>
             <a:custGeom>
               <a:avLst/>
               <a:pathLst>
-                <a:path w="8821440" h="0">
+                <a:path h="0" w="8845570">
                   <a:moveTo>
-                    <a:pt x="0" y="0"/>
+                    <a:pt y="0" x="0"/>
                   </a:moveTo>
                   <a:lnTo>
-                    <a:pt x="8821440" y="0"/>
+                    <a:pt y="0" x="8845570"/>
                   </a:lnTo>
                 </a:path>
               </a:pathLst>
@@ -3818,24 +3818,24 @@
         </p:sp>
         <p:sp>
           <p:nvSpPr>
-            <p:cNvPr id="7" name="Polyline form 7"/>
-            <p:cNvSpPr/>
-            <p:nvPr/>
-          </p:nvSpPr>
-          <p:spPr>
-            <a:xfrm>
-              <a:off x="1299544" y="2109881"/>
-              <a:ext cx="8821440" cy="0"/>
+            <p:cNvPr name="Polyline form 7" id="7"/>
+            <p:cNvSpPr/>
+            <p:nvPr/>
+          </p:nvSpPr>
+          <p:spPr>
+            <a:xfrm>
+              <a:off y="2110224" x="1288114"/>
+              <a:ext cy="0" cx="8845570"/>
             </a:xfrm>
             <a:custGeom>
               <a:avLst/>
               <a:pathLst>
-                <a:path w="8821440" h="0">
+                <a:path h="0" w="8845570">
                   <a:moveTo>
-                    <a:pt x="0" y="0"/>
+                    <a:pt y="0" x="0"/>
                   </a:moveTo>
                   <a:lnTo>
-                    <a:pt x="8821440" y="0"/>
+                    <a:pt y="0" x="8845570"/>
                   </a:lnTo>
                 </a:path>
               </a:pathLst>
@@ -3858,24 +3858,24 @@
         </p:sp>
         <p:sp>
           <p:nvSpPr>
-            <p:cNvPr id="8" name="Polyline form 8"/>
-            <p:cNvSpPr/>
-            <p:nvPr/>
-          </p:nvSpPr>
-          <p:spPr>
-            <a:xfrm>
-              <a:off x="2146046" y="1998802"/>
-              <a:ext cx="0" cy="3696934"/>
+            <p:cNvPr name="Polyline form 8" id="8"/>
+            <p:cNvSpPr/>
+            <p:nvPr/>
+          </p:nvSpPr>
+          <p:spPr>
+            <a:xfrm>
+              <a:off y="1998802" x="2136931"/>
+              <a:ext cy="3708364" cx="0"/>
             </a:xfrm>
             <a:custGeom>
               <a:avLst/>
               <a:pathLst>
-                <a:path w="0" h="3696934">
+                <a:path h="3708364" w="0">
                   <a:moveTo>
-                    <a:pt x="0" y="3696934"/>
+                    <a:pt y="3708364" x="0"/>
                   </a:moveTo>
                   <a:lnTo>
-                    <a:pt x="0" y="0"/>
+                    <a:pt y="0" x="0"/>
                   </a:lnTo>
                 </a:path>
               </a:pathLst>
@@ -3898,24 +3898,24 @@
         </p:sp>
         <p:sp>
           <p:nvSpPr>
-            <p:cNvPr id="9" name="Polyline form 9"/>
-            <p:cNvSpPr/>
-            <p:nvPr/>
-          </p:nvSpPr>
-          <p:spPr>
-            <a:xfrm>
-              <a:off x="4373682" y="1998802"/>
-              <a:ext cx="0" cy="3696934"/>
+            <p:cNvPr name="Polyline form 9" id="9"/>
+            <p:cNvSpPr/>
+            <p:nvPr/>
+          </p:nvSpPr>
+          <p:spPr>
+            <a:xfrm>
+              <a:off y="1998802" x="4370661"/>
+              <a:ext cy="3708364" cx="0"/>
             </a:xfrm>
             <a:custGeom>
               <a:avLst/>
               <a:pathLst>
-                <a:path w="0" h="3696934">
+                <a:path h="3708364" w="0">
                   <a:moveTo>
-                    <a:pt x="0" y="3696934"/>
+                    <a:pt y="3708364" x="0"/>
                   </a:moveTo>
                   <a:lnTo>
-                    <a:pt x="0" y="0"/>
+                    <a:pt y="0" x="0"/>
                   </a:lnTo>
                 </a:path>
               </a:pathLst>
@@ -3938,24 +3938,24 @@
         </p:sp>
         <p:sp>
           <p:nvSpPr>
-            <p:cNvPr id="10" name="Polyline form 10"/>
-            <p:cNvSpPr/>
-            <p:nvPr/>
-          </p:nvSpPr>
-          <p:spPr>
-            <a:xfrm>
-              <a:off x="6601319" y="1998802"/>
-              <a:ext cx="0" cy="3696934"/>
+            <p:cNvPr name="Polyline form 10" id="10"/>
+            <p:cNvSpPr/>
+            <p:nvPr/>
+          </p:nvSpPr>
+          <p:spPr>
+            <a:xfrm>
+              <a:off y="1998802" x="6604391"/>
+              <a:ext cy="3708364" cx="0"/>
             </a:xfrm>
             <a:custGeom>
               <a:avLst/>
               <a:pathLst>
-                <a:path w="0" h="3696934">
+                <a:path h="3708364" w="0">
                   <a:moveTo>
-                    <a:pt x="0" y="3696934"/>
+                    <a:pt y="3708364" x="0"/>
                   </a:moveTo>
                   <a:lnTo>
-                    <a:pt x="0" y="0"/>
+                    <a:pt y="0" x="0"/>
                   </a:lnTo>
                 </a:path>
               </a:pathLst>
@@ -3978,24 +3978,24 @@
         </p:sp>
         <p:sp>
           <p:nvSpPr>
-            <p:cNvPr id="11" name="Polyline form 11"/>
-            <p:cNvSpPr/>
-            <p:nvPr/>
-          </p:nvSpPr>
-          <p:spPr>
-            <a:xfrm>
-              <a:off x="8828955" y="1998802"/>
-              <a:ext cx="0" cy="3696934"/>
+            <p:cNvPr name="Polyline form 11" id="11"/>
+            <p:cNvSpPr/>
+            <p:nvPr/>
+          </p:nvSpPr>
+          <p:spPr>
+            <a:xfrm>
+              <a:off y="1998802" x="8838121"/>
+              <a:ext cy="3708364" cx="0"/>
             </a:xfrm>
             <a:custGeom>
               <a:avLst/>
               <a:pathLst>
-                <a:path w="0" h="3696934">
+                <a:path h="3708364" w="0">
                   <a:moveTo>
-                    <a:pt x="0" y="3696934"/>
+                    <a:pt y="3708364" x="0"/>
                   </a:moveTo>
                   <a:lnTo>
-                    <a:pt x="0" y="0"/>
+                    <a:pt y="0" x="0"/>
                   </a:lnTo>
                 </a:path>
               </a:pathLst>
@@ -4018,24 +4018,24 @@
         </p:sp>
         <p:sp>
           <p:nvSpPr>
-            <p:cNvPr id="12" name="Polyline form 12"/>
-            <p:cNvSpPr/>
-            <p:nvPr/>
-          </p:nvSpPr>
-          <p:spPr>
-            <a:xfrm>
-              <a:off x="1299544" y="4958058"/>
-              <a:ext cx="8821440" cy="0"/>
+            <p:cNvPr name="Polyline form 12" id="12"/>
+            <p:cNvSpPr/>
+            <p:nvPr/>
+          </p:nvSpPr>
+          <p:spPr>
+            <a:xfrm>
+              <a:off y="4967207" x="1288114"/>
+              <a:ext cy="0" cx="8845570"/>
             </a:xfrm>
             <a:custGeom>
               <a:avLst/>
               <a:pathLst>
-                <a:path w="8821440" h="0">
+                <a:path h="0" w="8845570">
                   <a:moveTo>
-                    <a:pt x="0" y="0"/>
+                    <a:pt y="0" x="0"/>
                   </a:moveTo>
                   <a:lnTo>
-                    <a:pt x="8821440" y="0"/>
+                    <a:pt y="0" x="8845570"/>
                   </a:lnTo>
                 </a:path>
               </a:pathLst>
@@ -4058,24 +4058,24 @@
         </p:sp>
         <p:sp>
           <p:nvSpPr>
-            <p:cNvPr id="13" name="Polyline form 13"/>
-            <p:cNvSpPr/>
-            <p:nvPr/>
-          </p:nvSpPr>
-          <p:spPr>
-            <a:xfrm>
-              <a:off x="1299544" y="3818787"/>
-              <a:ext cx="8821440" cy="0"/>
+            <p:cNvPr name="Polyline form 13" id="13"/>
+            <p:cNvSpPr/>
+            <p:nvPr/>
+          </p:nvSpPr>
+          <p:spPr>
+            <a:xfrm>
+              <a:off y="3824414" x="1288114"/>
+              <a:ext cy="0" cx="8845570"/>
             </a:xfrm>
             <a:custGeom>
               <a:avLst/>
               <a:pathLst>
-                <a:path w="8821440" h="0">
+                <a:path h="0" w="8845570">
                   <a:moveTo>
-                    <a:pt x="0" y="0"/>
+                    <a:pt y="0" x="0"/>
                   </a:moveTo>
                   <a:lnTo>
-                    <a:pt x="8821440" y="0"/>
+                    <a:pt y="0" x="8845570"/>
                   </a:lnTo>
                 </a:path>
               </a:pathLst>
@@ -4098,24 +4098,24 @@
         </p:sp>
         <p:sp>
           <p:nvSpPr>
-            <p:cNvPr id="14" name="Polyline form 14"/>
-            <p:cNvSpPr/>
-            <p:nvPr/>
-          </p:nvSpPr>
-          <p:spPr>
-            <a:xfrm>
-              <a:off x="1299544" y="2679516"/>
-              <a:ext cx="8821440" cy="0"/>
+            <p:cNvPr name="Polyline form 14" id="14"/>
+            <p:cNvSpPr/>
+            <p:nvPr/>
+          </p:nvSpPr>
+          <p:spPr>
+            <a:xfrm>
+              <a:off y="2681621" x="1288114"/>
+              <a:ext cy="0" cx="8845570"/>
             </a:xfrm>
             <a:custGeom>
               <a:avLst/>
               <a:pathLst>
-                <a:path w="8821440" h="0">
+                <a:path h="0" w="8845570">
                   <a:moveTo>
-                    <a:pt x="0" y="0"/>
+                    <a:pt y="0" x="0"/>
                   </a:moveTo>
                   <a:lnTo>
-                    <a:pt x="8821440" y="0"/>
+                    <a:pt y="0" x="8845570"/>
                   </a:lnTo>
                 </a:path>
               </a:pathLst>
@@ -4138,24 +4138,24 @@
         </p:sp>
         <p:sp>
           <p:nvSpPr>
-            <p:cNvPr id="15" name="Polyline form 15"/>
-            <p:cNvSpPr/>
-            <p:nvPr/>
-          </p:nvSpPr>
-          <p:spPr>
-            <a:xfrm>
-              <a:off x="3259864" y="1998802"/>
-              <a:ext cx="0" cy="3696934"/>
+            <p:cNvPr name="Polyline form 15" id="15"/>
+            <p:cNvSpPr/>
+            <p:nvPr/>
+          </p:nvSpPr>
+          <p:spPr>
+            <a:xfrm>
+              <a:off y="1998802" x="3253796"/>
+              <a:ext cy="3708364" cx="0"/>
             </a:xfrm>
             <a:custGeom>
               <a:avLst/>
               <a:pathLst>
-                <a:path w="0" h="3696934">
+                <a:path h="3708364" w="0">
                   <a:moveTo>
-                    <a:pt x="0" y="3696934"/>
+                    <a:pt y="3708364" x="0"/>
                   </a:moveTo>
                   <a:lnTo>
-                    <a:pt x="0" y="0"/>
+                    <a:pt y="0" x="0"/>
                   </a:lnTo>
                 </a:path>
               </a:pathLst>
@@ -4178,24 +4178,24 @@
         </p:sp>
         <p:sp>
           <p:nvSpPr>
-            <p:cNvPr id="16" name="Polyline form 16"/>
-            <p:cNvSpPr/>
-            <p:nvPr/>
-          </p:nvSpPr>
-          <p:spPr>
-            <a:xfrm>
-              <a:off x="5487501" y="1998802"/>
-              <a:ext cx="0" cy="3696934"/>
+            <p:cNvPr name="Polyline form 16" id="16"/>
+            <p:cNvSpPr/>
+            <p:nvPr/>
+          </p:nvSpPr>
+          <p:spPr>
+            <a:xfrm>
+              <a:off y="1998802" x="5487526"/>
+              <a:ext cy="3708364" cx="0"/>
             </a:xfrm>
             <a:custGeom>
               <a:avLst/>
               <a:pathLst>
-                <a:path w="0" h="3696934">
+                <a:path h="3708364" w="0">
                   <a:moveTo>
-                    <a:pt x="0" y="3696934"/>
+                    <a:pt y="3708364" x="0"/>
                   </a:moveTo>
                   <a:lnTo>
-                    <a:pt x="0" y="0"/>
+                    <a:pt y="0" x="0"/>
                   </a:lnTo>
                 </a:path>
               </a:pathLst>
@@ -4218,24 +4218,24 @@
         </p:sp>
         <p:sp>
           <p:nvSpPr>
-            <p:cNvPr id="17" name="Polyline form 17"/>
-            <p:cNvSpPr/>
-            <p:nvPr/>
-          </p:nvSpPr>
-          <p:spPr>
-            <a:xfrm>
-              <a:off x="7715137" y="1998802"/>
-              <a:ext cx="0" cy="3696934"/>
+            <p:cNvPr name="Polyline form 17" id="17"/>
+            <p:cNvSpPr/>
+            <p:nvPr/>
+          </p:nvSpPr>
+          <p:spPr>
+            <a:xfrm>
+              <a:off y="1998802" x="7721256"/>
+              <a:ext cy="3708364" cx="0"/>
             </a:xfrm>
             <a:custGeom>
               <a:avLst/>
               <a:pathLst>
-                <a:path w="0" h="3696934">
+                <a:path h="3708364" w="0">
                   <a:moveTo>
-                    <a:pt x="0" y="3696934"/>
+                    <a:pt y="3708364" x="0"/>
                   </a:moveTo>
                   <a:lnTo>
-                    <a:pt x="0" y="0"/>
+                    <a:pt y="0" x="0"/>
                   </a:lnTo>
                 </a:path>
               </a:pathLst>
@@ -4258,24 +4258,24 @@
         </p:sp>
         <p:sp>
           <p:nvSpPr>
-            <p:cNvPr id="18" name="Polyline form 18"/>
-            <p:cNvSpPr/>
-            <p:nvPr/>
-          </p:nvSpPr>
-          <p:spPr>
-            <a:xfrm>
-              <a:off x="9942773" y="1998802"/>
-              <a:ext cx="0" cy="3696934"/>
+            <p:cNvPr name="Polyline form 18" id="18"/>
+            <p:cNvSpPr/>
+            <p:nvPr/>
+          </p:nvSpPr>
+          <p:spPr>
+            <a:xfrm>
+              <a:off y="1998802" x="9954986"/>
+              <a:ext cy="3708364" cx="0"/>
             </a:xfrm>
             <a:custGeom>
               <a:avLst/>
               <a:pathLst>
-                <a:path w="0" h="3696934">
+                <a:path h="3708364" w="0">
                   <a:moveTo>
-                    <a:pt x="0" y="3696934"/>
+                    <a:pt y="3708364" x="0"/>
                   </a:moveTo>
                   <a:lnTo>
-                    <a:pt x="0" y="0"/>
+                    <a:pt y="0" x="0"/>
                   </a:lnTo>
                 </a:path>
               </a:pathLst>
@@ -4298,14 +4298,14 @@
         </p:sp>
         <p:sp>
           <p:nvSpPr>
-            <p:cNvPr id="19" name="Point 19"/>
-            <p:cNvSpPr/>
-            <p:nvPr/>
-          </p:nvSpPr>
-          <p:spPr>
-            <a:xfrm>
-              <a:off x="3466247" y="5283459"/>
-              <a:ext cx="32761" cy="32761"/>
+            <p:cNvPr name="Point 19" id="19"/>
+            <p:cNvSpPr/>
+            <p:nvPr/>
+          </p:nvSpPr>
+          <p:spPr>
+            <a:xfrm>
+              <a:off y="5293665" x="3460789"/>
+              <a:ext cy="32761" cx="32761"/>
             </a:xfrm>
             <a:prstGeom prst="ellipse">
               <a:avLst/>
@@ -4324,14 +4324,14 @@
         </p:sp>
         <p:sp>
           <p:nvSpPr>
-            <p:cNvPr id="20" name="Point 20"/>
-            <p:cNvSpPr/>
-            <p:nvPr/>
-          </p:nvSpPr>
-          <p:spPr>
-            <a:xfrm>
-              <a:off x="3020720" y="5283459"/>
-              <a:ext cx="32761" cy="32761"/>
+            <p:cNvPr name="Point 20" id="20"/>
+            <p:cNvSpPr/>
+            <p:nvPr/>
+          </p:nvSpPr>
+          <p:spPr>
+            <a:xfrm>
+              <a:off y="5293665" x="3014043"/>
+              <a:ext cy="32761" cx="32761"/>
             </a:xfrm>
             <a:prstGeom prst="ellipse">
               <a:avLst/>
@@ -4350,14 +4350,14 @@
         </p:sp>
         <p:sp>
           <p:nvSpPr>
-            <p:cNvPr id="21" name="Point 21"/>
-            <p:cNvSpPr/>
-            <p:nvPr/>
-          </p:nvSpPr>
-          <p:spPr>
-            <a:xfrm>
-              <a:off x="2575193" y="5340422"/>
-              <a:ext cx="32761" cy="32761"/>
+            <p:cNvPr name="Point 21" id="21"/>
+            <p:cNvSpPr/>
+            <p:nvPr/>
+          </p:nvSpPr>
+          <p:spPr>
+            <a:xfrm>
+              <a:off y="5350804" x="2567297"/>
+              <a:ext cy="32761" cx="32761"/>
             </a:xfrm>
             <a:prstGeom prst="ellipse">
               <a:avLst/>
@@ -4376,14 +4376,14 @@
         </p:sp>
         <p:sp>
           <p:nvSpPr>
-            <p:cNvPr id="22" name="Point 22"/>
-            <p:cNvSpPr/>
-            <p:nvPr/>
-          </p:nvSpPr>
-          <p:spPr>
-            <a:xfrm>
-              <a:off x="2352429" y="5226495"/>
-              <a:ext cx="32761" cy="32761"/>
+            <p:cNvPr name="Point 22" id="22"/>
+            <p:cNvSpPr/>
+            <p:nvPr/>
+          </p:nvSpPr>
+          <p:spPr>
+            <a:xfrm>
+              <a:off y="5236525" x="2343924"/>
+              <a:ext cy="32761" cx="32761"/>
             </a:xfrm>
             <a:prstGeom prst="ellipse">
               <a:avLst/>
@@ -4402,14 +4402,14 @@
         </p:sp>
         <p:sp>
           <p:nvSpPr>
-            <p:cNvPr id="23" name="Point 23"/>
-            <p:cNvSpPr/>
-            <p:nvPr/>
-          </p:nvSpPr>
-          <p:spPr>
-            <a:xfrm>
-              <a:off x="3243484" y="5283459"/>
-              <a:ext cx="32761" cy="32761"/>
+            <p:cNvPr name="Point 23" id="23"/>
+            <p:cNvSpPr/>
+            <p:nvPr/>
+          </p:nvSpPr>
+          <p:spPr>
+            <a:xfrm>
+              <a:off y="5293665" x="3237416"/>
+              <a:ext cy="32761" cx="32761"/>
             </a:xfrm>
             <a:prstGeom prst="ellipse">
               <a:avLst/>
@@ -4428,14 +4428,14 @@
         </p:sp>
         <p:sp>
           <p:nvSpPr>
-            <p:cNvPr id="24" name="Point 24"/>
-            <p:cNvSpPr/>
-            <p:nvPr/>
-          </p:nvSpPr>
-          <p:spPr>
-            <a:xfrm>
-              <a:off x="4128853" y="5106882"/>
-              <a:ext cx="44132" cy="44132"/>
+            <p:cNvPr name="Point 24" id="24"/>
+            <p:cNvSpPr/>
+            <p:nvPr/>
+          </p:nvSpPr>
+          <p:spPr>
+            <a:xfrm>
+              <a:off y="5116560" x="4125222"/>
+              <a:ext cy="44132" cx="44132"/>
             </a:xfrm>
             <a:prstGeom prst="ellipse">
               <a:avLst/>
@@ -4454,14 +4454,14 @@
         </p:sp>
         <p:sp>
           <p:nvSpPr>
-            <p:cNvPr id="25" name="Point 25"/>
-            <p:cNvSpPr/>
-            <p:nvPr/>
-          </p:nvSpPr>
-          <p:spPr>
-            <a:xfrm>
-              <a:off x="2349586" y="5280616"/>
-              <a:ext cx="38446" cy="38446"/>
+            <p:cNvPr name="Point 25" id="25"/>
+            <p:cNvSpPr/>
+            <p:nvPr/>
+          </p:nvSpPr>
+          <p:spPr>
+            <a:xfrm>
+              <a:off y="5290822" x="2341081"/>
+              <a:ext cy="38446" cx="38446"/>
             </a:xfrm>
             <a:prstGeom prst="ellipse">
               <a:avLst/>
@@ -4480,14 +4480,14 @@
         </p:sp>
         <p:sp>
           <p:nvSpPr>
-            <p:cNvPr id="26" name="Point 26"/>
-            <p:cNvSpPr/>
-            <p:nvPr/>
-          </p:nvSpPr>
-          <p:spPr>
-            <a:xfrm>
-              <a:off x="3243484" y="5226495"/>
-              <a:ext cx="32761" cy="32761"/>
+            <p:cNvPr name="Point 26" id="26"/>
+            <p:cNvSpPr/>
+            <p:nvPr/>
+          </p:nvSpPr>
+          <p:spPr>
+            <a:xfrm>
+              <a:off y="5236525" x="3237416"/>
+              <a:ext cy="32761" cx="32761"/>
             </a:xfrm>
             <a:prstGeom prst="ellipse">
               <a:avLst/>
@@ -4506,14 +4506,14 @@
         </p:sp>
         <p:sp>
           <p:nvSpPr>
-            <p:cNvPr id="27" name="Point 27"/>
-            <p:cNvSpPr/>
-            <p:nvPr/>
-          </p:nvSpPr>
-          <p:spPr>
-            <a:xfrm>
-              <a:off x="1906902" y="5283459"/>
-              <a:ext cx="32761" cy="32761"/>
+            <p:cNvPr name="Point 27" id="27"/>
+            <p:cNvSpPr/>
+            <p:nvPr/>
+          </p:nvSpPr>
+          <p:spPr>
+            <a:xfrm>
+              <a:off y="5293665" x="1897178"/>
+              <a:ext cy="32761" cx="32761"/>
             </a:xfrm>
             <a:prstGeom prst="ellipse">
               <a:avLst/>
@@ -4532,14 +4532,14 @@
         </p:sp>
         <p:sp>
           <p:nvSpPr>
-            <p:cNvPr id="28" name="Point 28"/>
-            <p:cNvSpPr/>
-            <p:nvPr/>
-          </p:nvSpPr>
-          <p:spPr>
-            <a:xfrm>
-              <a:off x="3023563" y="5229338"/>
-              <a:ext cx="27075" cy="27075"/>
+            <p:cNvPr name="Point 28" id="28"/>
+            <p:cNvSpPr/>
+            <p:nvPr/>
+          </p:nvSpPr>
+          <p:spPr>
+            <a:xfrm>
+              <a:off y="5239368" x="3016886"/>
+              <a:ext cy="27075" cx="27075"/>
             </a:xfrm>
             <a:prstGeom prst="ellipse">
               <a:avLst/>
@@ -4558,14 +4558,14 @@
         </p:sp>
         <p:sp>
           <p:nvSpPr>
-            <p:cNvPr id="29" name="Point 29"/>
-            <p:cNvSpPr/>
-            <p:nvPr/>
-          </p:nvSpPr>
-          <p:spPr>
-            <a:xfrm>
-              <a:off x="4134538" y="5226495"/>
-              <a:ext cx="32761" cy="32761"/>
+            <p:cNvPr name="Point 29" id="29"/>
+            <p:cNvSpPr/>
+            <p:nvPr/>
+          </p:nvSpPr>
+          <p:spPr>
+            <a:xfrm>
+              <a:off y="5236525" x="4130908"/>
+              <a:ext cy="32761" cx="32761"/>
             </a:xfrm>
             <a:prstGeom prst="ellipse">
               <a:avLst/>
@@ -4584,14 +4584,14 @@
         </p:sp>
         <p:sp>
           <p:nvSpPr>
-            <p:cNvPr id="30" name="Point 30"/>
-            <p:cNvSpPr/>
-            <p:nvPr/>
-          </p:nvSpPr>
-          <p:spPr>
-            <a:xfrm>
-              <a:off x="2797956" y="5169532"/>
-              <a:ext cx="32761" cy="32761"/>
+            <p:cNvPr name="Point 30" id="30"/>
+            <p:cNvSpPr/>
+            <p:nvPr/>
+          </p:nvSpPr>
+          <p:spPr>
+            <a:xfrm>
+              <a:off y="5179385" x="2790670"/>
+              <a:ext cy="32761" cx="32761"/>
             </a:xfrm>
             <a:prstGeom prst="ellipse">
               <a:avLst/>
@@ -4610,14 +4610,14 @@
         </p:sp>
         <p:sp>
           <p:nvSpPr>
-            <p:cNvPr id="31" name="Point 31"/>
-            <p:cNvSpPr/>
-            <p:nvPr/>
-          </p:nvSpPr>
-          <p:spPr>
-            <a:xfrm>
-              <a:off x="2800799" y="5286301"/>
-              <a:ext cx="27075" cy="27075"/>
+            <p:cNvPr name="Point 31" id="31"/>
+            <p:cNvSpPr/>
+            <p:nvPr/>
+          </p:nvSpPr>
+          <p:spPr>
+            <a:xfrm>
+              <a:off y="5296507" x="2793513"/>
+              <a:ext cy="27075" cx="27075"/>
             </a:xfrm>
             <a:prstGeom prst="ellipse">
               <a:avLst/>
@@ -4636,14 +4636,14 @@
         </p:sp>
         <p:sp>
           <p:nvSpPr>
-            <p:cNvPr id="32" name="Point 32"/>
-            <p:cNvSpPr/>
-            <p:nvPr/>
-          </p:nvSpPr>
-          <p:spPr>
-            <a:xfrm>
-              <a:off x="1686981" y="5457192"/>
-              <a:ext cx="27075" cy="27075"/>
+            <p:cNvPr name="Point 32" id="32"/>
+            <p:cNvSpPr/>
+            <p:nvPr/>
+          </p:nvSpPr>
+          <p:spPr>
+            <a:xfrm>
+              <a:off y="5467926" x="1676648"/>
+              <a:ext cy="27075" cx="27075"/>
             </a:xfrm>
             <a:prstGeom prst="ellipse">
               <a:avLst/>
@@ -4662,14 +4662,14 @@
         </p:sp>
         <p:sp>
           <p:nvSpPr>
-            <p:cNvPr id="33" name="Point 33"/>
-            <p:cNvSpPr/>
-            <p:nvPr/>
-          </p:nvSpPr>
-          <p:spPr>
-            <a:xfrm>
-              <a:off x="5025593" y="5397386"/>
-              <a:ext cx="32761" cy="32761"/>
+            <p:cNvPr name="Point 33" id="33"/>
+            <p:cNvSpPr/>
+            <p:nvPr/>
+          </p:nvSpPr>
+          <p:spPr>
+            <a:xfrm>
+              <a:off y="5407944" x="5024400"/>
+              <a:ext cy="32761" cx="32761"/>
             </a:xfrm>
             <a:prstGeom prst="ellipse">
               <a:avLst/>
@@ -4688,14 +4688,14 @@
         </p:sp>
         <p:sp>
           <p:nvSpPr>
-            <p:cNvPr id="34" name="Point 34"/>
-            <p:cNvSpPr/>
-            <p:nvPr/>
-          </p:nvSpPr>
-          <p:spPr>
-            <a:xfrm>
-              <a:off x="4797143" y="5220809"/>
-              <a:ext cx="44132" cy="44132"/>
+            <p:cNvPr name="Point 34" id="34"/>
+            <p:cNvSpPr/>
+            <p:nvPr/>
+          </p:nvSpPr>
+          <p:spPr>
+            <a:xfrm>
+              <a:off y="5230839" x="4795341"/>
+              <a:ext cy="44132" cx="44132"/>
             </a:xfrm>
             <a:prstGeom prst="ellipse">
               <a:avLst/>
@@ -4714,14 +4714,14 @@
         </p:sp>
         <p:sp>
           <p:nvSpPr>
-            <p:cNvPr id="35" name="Point 35"/>
-            <p:cNvSpPr/>
-            <p:nvPr/>
-          </p:nvSpPr>
-          <p:spPr>
-            <a:xfrm>
-              <a:off x="4128853" y="5334736"/>
-              <a:ext cx="44132" cy="44132"/>
+            <p:cNvPr name="Point 35" id="35"/>
+            <p:cNvSpPr/>
+            <p:nvPr/>
+          </p:nvSpPr>
+          <p:spPr>
+            <a:xfrm>
+              <a:off y="5345118" x="4125222"/>
+              <a:ext cy="44132" cx="44132"/>
             </a:xfrm>
             <a:prstGeom prst="ellipse">
               <a:avLst/>
@@ -4740,14 +4740,14 @@
         </p:sp>
         <p:sp>
           <p:nvSpPr>
-            <p:cNvPr id="36" name="Point 36"/>
-            <p:cNvSpPr/>
-            <p:nvPr/>
-          </p:nvSpPr>
-          <p:spPr>
-            <a:xfrm>
-              <a:off x="3463404" y="5280616"/>
-              <a:ext cx="38446" cy="38446"/>
+            <p:cNvPr name="Point 36" id="36"/>
+            <p:cNvSpPr/>
+            <p:nvPr/>
+          </p:nvSpPr>
+          <p:spPr>
+            <a:xfrm>
+              <a:off y="5290822" x="3457946"/>
+              <a:ext cy="38446" cx="38446"/>
             </a:xfrm>
             <a:prstGeom prst="ellipse">
               <a:avLst/>
@@ -4766,14 +4766,14 @@
         </p:sp>
         <p:sp>
           <p:nvSpPr>
-            <p:cNvPr id="37" name="Point 37"/>
-            <p:cNvSpPr/>
-            <p:nvPr/>
-          </p:nvSpPr>
-          <p:spPr>
-            <a:xfrm>
-              <a:off x="4799986" y="5109725"/>
-              <a:ext cx="38446" cy="38446"/>
+            <p:cNvPr name="Point 37" id="37"/>
+            <p:cNvSpPr/>
+            <p:nvPr/>
+          </p:nvSpPr>
+          <p:spPr>
+            <a:xfrm>
+              <a:off y="5119403" x="4798184"/>
+              <a:ext cy="38446" cx="38446"/>
             </a:xfrm>
             <a:prstGeom prst="ellipse">
               <a:avLst/>
@@ -4792,14 +4792,14 @@
         </p:sp>
         <p:sp>
           <p:nvSpPr>
-            <p:cNvPr id="38" name="Point 38"/>
-            <p:cNvSpPr/>
-            <p:nvPr/>
-          </p:nvSpPr>
-          <p:spPr>
-            <a:xfrm>
-              <a:off x="3463404" y="5223652"/>
-              <a:ext cx="38446" cy="38446"/>
+            <p:cNvPr name="Point 38" id="38"/>
+            <p:cNvSpPr/>
+            <p:nvPr/>
+          </p:nvSpPr>
+          <p:spPr>
+            <a:xfrm>
+              <a:off y="5233682" x="3457946"/>
+              <a:ext cy="38446" cx="38446"/>
             </a:xfrm>
             <a:prstGeom prst="ellipse">
               <a:avLst/>
@@ -4818,14 +4818,14 @@
         </p:sp>
         <p:sp>
           <p:nvSpPr>
-            <p:cNvPr id="39" name="Point 39"/>
-            <p:cNvSpPr/>
-            <p:nvPr/>
-          </p:nvSpPr>
-          <p:spPr>
-            <a:xfrm>
-              <a:off x="4134538" y="5112568"/>
-              <a:ext cx="32761" cy="32761"/>
+            <p:cNvPr name="Point 39" id="39"/>
+            <p:cNvSpPr/>
+            <p:nvPr/>
+          </p:nvSpPr>
+          <p:spPr>
+            <a:xfrm>
+              <a:off y="5122246" x="4130908"/>
+              <a:ext cy="32761" cx="32761"/>
             </a:xfrm>
             <a:prstGeom prst="ellipse">
               <a:avLst/>
@@ -4844,14 +4844,14 @@
         </p:sp>
         <p:sp>
           <p:nvSpPr>
-            <p:cNvPr id="40" name="Point 40"/>
-            <p:cNvSpPr/>
-            <p:nvPr/>
-          </p:nvSpPr>
-          <p:spPr>
-            <a:xfrm>
-              <a:off x="3460562" y="5220809"/>
-              <a:ext cx="44132" cy="44132"/>
+            <p:cNvPr name="Point 40" id="40"/>
+            <p:cNvSpPr/>
+            <p:nvPr/>
+          </p:nvSpPr>
+          <p:spPr>
+            <a:xfrm>
+              <a:off y="5230839" x="3455103"/>
+              <a:ext cy="44132" cx="44132"/>
             </a:xfrm>
             <a:prstGeom prst="ellipse">
               <a:avLst/>
@@ -4870,14 +4870,14 @@
         </p:sp>
         <p:sp>
           <p:nvSpPr>
-            <p:cNvPr id="41" name="Point 41"/>
-            <p:cNvSpPr/>
-            <p:nvPr/>
-          </p:nvSpPr>
-          <p:spPr>
-            <a:xfrm>
-              <a:off x="2352429" y="5511313"/>
-              <a:ext cx="32761" cy="32761"/>
+            <p:cNvPr name="Point 41" id="41"/>
+            <p:cNvSpPr/>
+            <p:nvPr/>
+          </p:nvSpPr>
+          <p:spPr>
+            <a:xfrm>
+              <a:off y="5522223" x="2343924"/>
+              <a:ext cy="32761" cx="32761"/>
             </a:xfrm>
             <a:prstGeom prst="ellipse">
               <a:avLst/>
@@ -4896,14 +4896,14 @@
         </p:sp>
         <p:sp>
           <p:nvSpPr>
-            <p:cNvPr id="42" name="Point 42"/>
-            <p:cNvSpPr/>
-            <p:nvPr/>
-          </p:nvSpPr>
-          <p:spPr>
-            <a:xfrm>
-              <a:off x="3457854" y="5104175"/>
-              <a:ext cx="49547" cy="49547"/>
+            <p:cNvPr name="Point 42" id="42"/>
+            <p:cNvSpPr/>
+            <p:nvPr/>
+          </p:nvSpPr>
+          <p:spPr>
+            <a:xfrm>
+              <a:off y="5113852" x="3452396"/>
+              <a:ext cy="49547" cx="49547"/>
             </a:xfrm>
             <a:prstGeom prst="ellipse">
               <a:avLst/>
@@ -4922,14 +4922,14 @@
         </p:sp>
         <p:sp>
           <p:nvSpPr>
-            <p:cNvPr id="43" name="Point 43"/>
-            <p:cNvSpPr/>
-            <p:nvPr/>
-          </p:nvSpPr>
-          <p:spPr>
-            <a:xfrm>
-              <a:off x="2797956" y="4998641"/>
-              <a:ext cx="32761" cy="32761"/>
+            <p:cNvPr name="Point 43" id="43"/>
+            <p:cNvSpPr/>
+            <p:nvPr/>
+          </p:nvSpPr>
+          <p:spPr>
+            <a:xfrm>
+              <a:off y="5007966" x="2790670"/>
+              <a:ext cy="32761" cx="32761"/>
             </a:xfrm>
             <a:prstGeom prst="ellipse">
               <a:avLst/>
@@ -4948,14 +4948,14 @@
         </p:sp>
         <p:sp>
           <p:nvSpPr>
-            <p:cNvPr id="44" name="Point 44"/>
-            <p:cNvSpPr/>
-            <p:nvPr/>
-          </p:nvSpPr>
-          <p:spPr>
-            <a:xfrm>
-              <a:off x="3243484" y="5169532"/>
-              <a:ext cx="32761" cy="32761"/>
+            <p:cNvPr name="Point 44" id="44"/>
+            <p:cNvSpPr/>
+            <p:nvPr/>
+          </p:nvSpPr>
+          <p:spPr>
+            <a:xfrm>
+              <a:off y="5179385" x="3237416"/>
+              <a:ext cy="32761" cx="32761"/>
             </a:xfrm>
             <a:prstGeom prst="ellipse">
               <a:avLst/>
@@ -4974,14 +4974,14 @@
         </p:sp>
         <p:sp>
           <p:nvSpPr>
-            <p:cNvPr id="45" name="Point 45"/>
-            <p:cNvSpPr/>
-            <p:nvPr/>
-          </p:nvSpPr>
-          <p:spPr>
-            <a:xfrm>
-              <a:off x="3237798" y="5163846"/>
-              <a:ext cx="44132" cy="44132"/>
+            <p:cNvPr name="Point 45" id="45"/>
+            <p:cNvSpPr/>
+            <p:nvPr/>
+          </p:nvSpPr>
+          <p:spPr>
+            <a:xfrm>
+              <a:off y="5173700" x="3231730"/>
+              <a:ext cy="44132" cx="44132"/>
             </a:xfrm>
             <a:prstGeom prst="ellipse">
               <a:avLst/>
@@ -5000,14 +5000,14 @@
         </p:sp>
         <p:sp>
           <p:nvSpPr>
-            <p:cNvPr id="46" name="Point 46"/>
-            <p:cNvSpPr/>
-            <p:nvPr/>
-          </p:nvSpPr>
-          <p:spPr>
-            <a:xfrm>
-              <a:off x="3689011" y="5226495"/>
-              <a:ext cx="32761" cy="32761"/>
+            <p:cNvPr name="Point 46" id="46"/>
+            <p:cNvSpPr/>
+            <p:nvPr/>
+          </p:nvSpPr>
+          <p:spPr>
+            <a:xfrm>
+              <a:off y="5236525" x="3684162"/>
+              <a:ext cy="32761" cx="32761"/>
             </a:xfrm>
             <a:prstGeom prst="ellipse">
               <a:avLst/>
@@ -5026,14 +5026,14 @@
         </p:sp>
         <p:sp>
           <p:nvSpPr>
-            <p:cNvPr id="47" name="Point 47"/>
-            <p:cNvSpPr/>
-            <p:nvPr/>
-          </p:nvSpPr>
-          <p:spPr>
-            <a:xfrm>
-              <a:off x="3689011" y="5283459"/>
-              <a:ext cx="32761" cy="32761"/>
+            <p:cNvPr name="Point 47" id="47"/>
+            <p:cNvSpPr/>
+            <p:nvPr/>
+          </p:nvSpPr>
+          <p:spPr>
+            <a:xfrm>
+              <a:off y="5293665" x="3684162"/>
+              <a:ext cy="32761" cx="32761"/>
             </a:xfrm>
             <a:prstGeom prst="ellipse">
               <a:avLst/>
@@ -5052,14 +5052,14 @@
         </p:sp>
         <p:sp>
           <p:nvSpPr>
-            <p:cNvPr id="48" name="Point 48"/>
-            <p:cNvSpPr/>
-            <p:nvPr/>
-          </p:nvSpPr>
-          <p:spPr>
-            <a:xfrm>
-              <a:off x="2575193" y="5169532"/>
-              <a:ext cx="32761" cy="32761"/>
+            <p:cNvPr name="Point 48" id="48"/>
+            <p:cNvSpPr/>
+            <p:nvPr/>
+          </p:nvSpPr>
+          <p:spPr>
+            <a:xfrm>
+              <a:off y="5179385" x="2567297"/>
+              <a:ext cy="32761" cx="32761"/>
             </a:xfrm>
             <a:prstGeom prst="ellipse">
               <a:avLst/>
@@ -5078,14 +5078,14 @@
         </p:sp>
         <p:sp>
           <p:nvSpPr>
-            <p:cNvPr id="49" name="Point 49"/>
-            <p:cNvSpPr/>
-            <p:nvPr/>
-          </p:nvSpPr>
-          <p:spPr>
-            <a:xfrm>
-              <a:off x="2797956" y="5169532"/>
-              <a:ext cx="32761" cy="32761"/>
+            <p:cNvPr name="Point 49" id="49"/>
+            <p:cNvSpPr/>
+            <p:nvPr/>
+          </p:nvSpPr>
+          <p:spPr>
+            <a:xfrm>
+              <a:off y="5179385" x="2790670"/>
+              <a:ext cy="32761" cx="32761"/>
             </a:xfrm>
             <a:prstGeom prst="ellipse">
               <a:avLst/>
@@ -5104,14 +5104,14 @@
         </p:sp>
         <p:sp>
           <p:nvSpPr>
-            <p:cNvPr id="50" name="Point 50"/>
-            <p:cNvSpPr/>
-            <p:nvPr/>
-          </p:nvSpPr>
-          <p:spPr>
-            <a:xfrm>
-              <a:off x="4128853" y="5220809"/>
-              <a:ext cx="44132" cy="44132"/>
+            <p:cNvPr name="Point 50" id="50"/>
+            <p:cNvSpPr/>
+            <p:nvPr/>
+          </p:nvSpPr>
+          <p:spPr>
+            <a:xfrm>
+              <a:off y="5230839" x="4125222"/>
+              <a:ext cy="44132" cx="44132"/>
             </a:xfrm>
             <a:prstGeom prst="ellipse">
               <a:avLst/>
@@ -5130,14 +5130,14 @@
         </p:sp>
         <p:sp>
           <p:nvSpPr>
-            <p:cNvPr id="51" name="Point 51"/>
-            <p:cNvSpPr/>
-            <p:nvPr/>
-          </p:nvSpPr>
-          <p:spPr>
-            <a:xfrm>
-              <a:off x="3691854" y="5229338"/>
-              <a:ext cx="27075" cy="27075"/>
+            <p:cNvPr name="Point 51" id="51"/>
+            <p:cNvSpPr/>
+            <p:nvPr/>
+          </p:nvSpPr>
+          <p:spPr>
+            <a:xfrm>
+              <a:off y="5239368" x="3687005"/>
+              <a:ext cy="27075" cx="27075"/>
             </a:xfrm>
             <a:prstGeom prst="ellipse">
               <a:avLst/>
@@ -5156,14 +5156,14 @@
         </p:sp>
         <p:sp>
           <p:nvSpPr>
-            <p:cNvPr id="52" name="Point 52"/>
-            <p:cNvSpPr/>
-            <p:nvPr/>
-          </p:nvSpPr>
-          <p:spPr>
-            <a:xfrm>
-              <a:off x="4357302" y="5283459"/>
-              <a:ext cx="32761" cy="32761"/>
+            <p:cNvPr name="Point 52" id="52"/>
+            <p:cNvSpPr/>
+            <p:nvPr/>
+          </p:nvSpPr>
+          <p:spPr>
+            <a:xfrm>
+              <a:off y="5293665" x="4354281"/>
+              <a:ext cy="32761" cx="32761"/>
             </a:xfrm>
             <a:prstGeom prst="ellipse">
               <a:avLst/>
@@ -5182,14 +5182,14 @@
         </p:sp>
         <p:sp>
           <p:nvSpPr>
-            <p:cNvPr id="53" name="Point 53"/>
-            <p:cNvSpPr/>
-            <p:nvPr/>
-          </p:nvSpPr>
-          <p:spPr>
-            <a:xfrm>
-              <a:off x="3020720" y="5226495"/>
-              <a:ext cx="32761" cy="32761"/>
+            <p:cNvPr name="Point 53" id="53"/>
+            <p:cNvSpPr/>
+            <p:nvPr/>
+          </p:nvSpPr>
+          <p:spPr>
+            <a:xfrm>
+              <a:off y="5236525" x="3014043"/>
+              <a:ext cy="32761" cx="32761"/>
             </a:xfrm>
             <a:prstGeom prst="ellipse">
               <a:avLst/>
@@ -5208,14 +5208,14 @@
         </p:sp>
         <p:sp>
           <p:nvSpPr>
-            <p:cNvPr id="54" name="Point 54"/>
-            <p:cNvSpPr/>
-            <p:nvPr/>
-          </p:nvSpPr>
-          <p:spPr>
-            <a:xfrm>
-              <a:off x="3243484" y="5397386"/>
-              <a:ext cx="32761" cy="32761"/>
+            <p:cNvPr name="Point 54" id="54"/>
+            <p:cNvSpPr/>
+            <p:nvPr/>
+          </p:nvSpPr>
+          <p:spPr>
+            <a:xfrm>
+              <a:off y="5407944" x="3237416"/>
+              <a:ext cy="32761" cx="32761"/>
             </a:xfrm>
             <a:prstGeom prst="ellipse">
               <a:avLst/>
@@ -5234,14 +5234,14 @@
         </p:sp>
         <p:sp>
           <p:nvSpPr>
-            <p:cNvPr id="55" name="Point 55"/>
-            <p:cNvSpPr/>
-            <p:nvPr/>
-          </p:nvSpPr>
-          <p:spPr>
-            <a:xfrm>
-              <a:off x="4357302" y="5340422"/>
-              <a:ext cx="32761" cy="32761"/>
+            <p:cNvPr name="Point 55" id="55"/>
+            <p:cNvSpPr/>
+            <p:nvPr/>
+          </p:nvSpPr>
+          <p:spPr>
+            <a:xfrm>
+              <a:off y="5350804" x="4354281"/>
+              <a:ext cy="32761" cx="32761"/>
             </a:xfrm>
             <a:prstGeom prst="ellipse">
               <a:avLst/>
@@ -5260,14 +5260,14 @@
         </p:sp>
         <p:sp>
           <p:nvSpPr>
-            <p:cNvPr id="56" name="Point 56"/>
-            <p:cNvSpPr/>
-            <p:nvPr/>
-          </p:nvSpPr>
-          <p:spPr>
-            <a:xfrm>
-              <a:off x="3023563" y="5286301"/>
-              <a:ext cx="27075" cy="27075"/>
+            <p:cNvPr name="Point 56" id="56"/>
+            <p:cNvSpPr/>
+            <p:nvPr/>
+          </p:nvSpPr>
+          <p:spPr>
+            <a:xfrm>
+              <a:off y="5296507" x="3016886"/>
+              <a:ext cy="27075" cx="27075"/>
             </a:xfrm>
             <a:prstGeom prst="ellipse">
               <a:avLst/>
@@ -5286,14 +5286,14 @@
         </p:sp>
         <p:sp>
           <p:nvSpPr>
-            <p:cNvPr id="57" name="Point 57"/>
-            <p:cNvSpPr/>
-            <p:nvPr/>
-          </p:nvSpPr>
-          <p:spPr>
-            <a:xfrm>
-              <a:off x="1906902" y="5340422"/>
-              <a:ext cx="32761" cy="32761"/>
+            <p:cNvPr name="Point 57" id="57"/>
+            <p:cNvSpPr/>
+            <p:nvPr/>
+          </p:nvSpPr>
+          <p:spPr>
+            <a:xfrm>
+              <a:off y="5350804" x="1897178"/>
+              <a:ext cy="32761" cx="32761"/>
             </a:xfrm>
             <a:prstGeom prst="ellipse">
               <a:avLst/>
@@ -5312,14 +5312,14 @@
         </p:sp>
         <p:sp>
           <p:nvSpPr>
-            <p:cNvPr id="58" name="Point 58"/>
-            <p:cNvSpPr/>
-            <p:nvPr/>
-          </p:nvSpPr>
-          <p:spPr>
-            <a:xfrm>
-              <a:off x="3466247" y="5226495"/>
-              <a:ext cx="32761" cy="32761"/>
+            <p:cNvPr name="Point 58" id="58"/>
+            <p:cNvSpPr/>
+            <p:nvPr/>
+          </p:nvSpPr>
+          <p:spPr>
+            <a:xfrm>
+              <a:off y="5236525" x="3460789"/>
+              <a:ext cy="32761" cx="32761"/>
             </a:xfrm>
             <a:prstGeom prst="ellipse">
               <a:avLst/>
@@ -5338,14 +5338,14 @@
         </p:sp>
         <p:sp>
           <p:nvSpPr>
-            <p:cNvPr id="59" name="Point 59"/>
-            <p:cNvSpPr/>
-            <p:nvPr/>
-          </p:nvSpPr>
-          <p:spPr>
-            <a:xfrm>
-              <a:off x="3240641" y="5337579"/>
-              <a:ext cx="38446" cy="38446"/>
+            <p:cNvPr name="Point 59" id="59"/>
+            <p:cNvSpPr/>
+            <p:nvPr/>
+          </p:nvSpPr>
+          <p:spPr>
+            <a:xfrm>
+              <a:off y="5347961" x="3234573"/>
+              <a:ext cy="38446" cx="38446"/>
             </a:xfrm>
             <a:prstGeom prst="ellipse">
               <a:avLst/>
@@ -5364,14 +5364,14 @@
         </p:sp>
         <p:sp>
           <p:nvSpPr>
-            <p:cNvPr id="60" name="Point 60"/>
-            <p:cNvSpPr/>
-            <p:nvPr/>
-          </p:nvSpPr>
-          <p:spPr>
-            <a:xfrm>
-              <a:off x="2126823" y="5337579"/>
-              <a:ext cx="38446" cy="38446"/>
+            <p:cNvPr name="Point 60" id="60"/>
+            <p:cNvSpPr/>
+            <p:nvPr/>
+          </p:nvSpPr>
+          <p:spPr>
+            <a:xfrm>
+              <a:off y="5347961" x="2117708"/>
+              <a:ext cy="38446" cx="38446"/>
             </a:xfrm>
             <a:prstGeom prst="ellipse">
               <a:avLst/>
@@ -5390,14 +5390,14 @@
         </p:sp>
         <p:sp>
           <p:nvSpPr>
-            <p:cNvPr id="61" name="Point 61"/>
-            <p:cNvSpPr/>
-            <p:nvPr/>
-          </p:nvSpPr>
-          <p:spPr>
-            <a:xfrm>
-              <a:off x="1906902" y="5340422"/>
-              <a:ext cx="32761" cy="32761"/>
+            <p:cNvPr name="Point 61" id="61"/>
+            <p:cNvSpPr/>
+            <p:nvPr/>
+          </p:nvSpPr>
+          <p:spPr>
+            <a:xfrm>
+              <a:off y="5350804" x="1897178"/>
+              <a:ext cy="32761" cx="32761"/>
             </a:xfrm>
             <a:prstGeom prst="ellipse">
               <a:avLst/>
@@ -5416,14 +5416,14 @@
         </p:sp>
         <p:sp>
           <p:nvSpPr>
-            <p:cNvPr id="62" name="Point 62"/>
-            <p:cNvSpPr/>
-            <p:nvPr/>
-          </p:nvSpPr>
-          <p:spPr>
-            <a:xfrm>
-              <a:off x="3232248" y="5158295"/>
-              <a:ext cx="55233" cy="55233"/>
+            <p:cNvPr name="Point 62" id="62"/>
+            <p:cNvSpPr/>
+            <p:nvPr/>
+          </p:nvSpPr>
+          <p:spPr>
+            <a:xfrm>
+              <a:off y="5168149" x="3226180"/>
+              <a:ext cy="55233" cx="55233"/>
             </a:xfrm>
             <a:prstGeom prst="ellipse">
               <a:avLst/>
@@ -5442,14 +5442,14 @@
         </p:sp>
         <p:sp>
           <p:nvSpPr>
-            <p:cNvPr id="63" name="Point 63"/>
-            <p:cNvSpPr/>
-            <p:nvPr/>
-          </p:nvSpPr>
-          <p:spPr>
-            <a:xfrm>
-              <a:off x="3460562" y="4992955"/>
-              <a:ext cx="44132" cy="44132"/>
+            <p:cNvPr name="Point 63" id="63"/>
+            <p:cNvSpPr/>
+            <p:nvPr/>
+          </p:nvSpPr>
+          <p:spPr>
+            <a:xfrm>
+              <a:off y="5002281" x="3455103"/>
+              <a:ext cy="44132" cx="44132"/>
             </a:xfrm>
             <a:prstGeom prst="ellipse">
               <a:avLst/>
@@ -5468,14 +5468,14 @@
         </p:sp>
         <p:sp>
           <p:nvSpPr>
-            <p:cNvPr id="64" name="Point 64"/>
-            <p:cNvSpPr/>
-            <p:nvPr/>
-          </p:nvSpPr>
-          <p:spPr>
-            <a:xfrm>
-              <a:off x="2795114" y="5280616"/>
-              <a:ext cx="38446" cy="38446"/>
+            <p:cNvPr name="Point 64" id="64"/>
+            <p:cNvSpPr/>
+            <p:nvPr/>
+          </p:nvSpPr>
+          <p:spPr>
+            <a:xfrm>
+              <a:off y="5290822" x="2787827"/>
+              <a:ext cy="38446" cx="38446"/>
             </a:xfrm>
             <a:prstGeom prst="ellipse">
               <a:avLst/>
@@ -5494,14 +5494,14 @@
         </p:sp>
         <p:sp>
           <p:nvSpPr>
-            <p:cNvPr id="65" name="Point 65"/>
-            <p:cNvSpPr/>
-            <p:nvPr/>
-          </p:nvSpPr>
-          <p:spPr>
-            <a:xfrm>
-              <a:off x="3466247" y="5169532"/>
-              <a:ext cx="32761" cy="32761"/>
+            <p:cNvPr name="Point 65" id="65"/>
+            <p:cNvSpPr/>
+            <p:nvPr/>
+          </p:nvSpPr>
+          <p:spPr>
+            <a:xfrm>
+              <a:off y="5179385" x="3460789"/>
+              <a:ext cy="32761" cx="32761"/>
             </a:xfrm>
             <a:prstGeom prst="ellipse">
               <a:avLst/>
@@ -5520,14 +5520,14 @@
         </p:sp>
         <p:sp>
           <p:nvSpPr>
-            <p:cNvPr id="66" name="Point 66"/>
-            <p:cNvSpPr/>
-            <p:nvPr/>
-          </p:nvSpPr>
-          <p:spPr>
-            <a:xfrm>
-              <a:off x="2352429" y="5283459"/>
-              <a:ext cx="32761" cy="32761"/>
+            <p:cNvPr name="Point 66" id="66"/>
+            <p:cNvSpPr/>
+            <p:nvPr/>
+          </p:nvSpPr>
+          <p:spPr>
+            <a:xfrm>
+              <a:off y="5293665" x="2343924"/>
+              <a:ext cy="32761" cx="32761"/>
             </a:xfrm>
             <a:prstGeom prst="ellipse">
               <a:avLst/>
@@ -5546,14 +5546,14 @@
         </p:sp>
         <p:sp>
           <p:nvSpPr>
-            <p:cNvPr id="67" name="Point 67"/>
-            <p:cNvSpPr/>
-            <p:nvPr/>
-          </p:nvSpPr>
-          <p:spPr>
-            <a:xfrm>
-              <a:off x="3911775" y="5226495"/>
-              <a:ext cx="32761" cy="32761"/>
+            <p:cNvPr name="Point 67" id="67"/>
+            <p:cNvSpPr/>
+            <p:nvPr/>
+          </p:nvSpPr>
+          <p:spPr>
+            <a:xfrm>
+              <a:off y="5236525" x="3907535"/>
+              <a:ext cy="32761" cx="32761"/>
             </a:xfrm>
             <a:prstGeom prst="ellipse">
               <a:avLst/>
@@ -5572,14 +5572,14 @@
         </p:sp>
         <p:sp>
           <p:nvSpPr>
-            <p:cNvPr id="68" name="Point 68"/>
-            <p:cNvSpPr/>
-            <p:nvPr/>
-          </p:nvSpPr>
-          <p:spPr>
-            <a:xfrm>
-              <a:off x="3243484" y="5283459"/>
-              <a:ext cx="32761" cy="32761"/>
+            <p:cNvPr name="Point 68" id="68"/>
+            <p:cNvSpPr/>
+            <p:nvPr/>
+          </p:nvSpPr>
+          <p:spPr>
+            <a:xfrm>
+              <a:off y="5293665" x="3237416"/>
+              <a:ext cy="32761" cx="32761"/>
             </a:xfrm>
             <a:prstGeom prst="ellipse">
               <a:avLst/>
@@ -5598,14 +5598,14 @@
         </p:sp>
         <p:sp>
           <p:nvSpPr>
-            <p:cNvPr id="69" name="Point 69"/>
-            <p:cNvSpPr/>
-            <p:nvPr/>
-          </p:nvSpPr>
-          <p:spPr>
-            <a:xfrm>
-              <a:off x="7664913" y="3369818"/>
-              <a:ext cx="100448" cy="100448"/>
+            <p:cNvPr name="Point 69" id="69"/>
+            <p:cNvSpPr/>
+            <p:nvPr/>
+          </p:nvSpPr>
+          <p:spPr>
+            <a:xfrm>
+              <a:off y="3374212" x="7671032"/>
+              <a:ext cy="100448" cx="100448"/>
             </a:xfrm>
             <a:prstGeom prst="ellipse">
               <a:avLst/>
@@ -5624,14 +5624,14 @@
         </p:sp>
         <p:sp>
           <p:nvSpPr>
-            <p:cNvPr id="70" name="Point 70"/>
-            <p:cNvSpPr/>
-            <p:nvPr/>
-          </p:nvSpPr>
-          <p:spPr>
-            <a:xfrm>
-              <a:off x="6325488" y="3480902"/>
-              <a:ext cx="106134" cy="106134"/>
+            <p:cNvPr name="Point 70" id="70"/>
+            <p:cNvSpPr/>
+            <p:nvPr/>
+          </p:nvSpPr>
+          <p:spPr>
+            <a:xfrm>
+              <a:off y="3485649" x="6327951"/>
+              <a:ext cy="106134" cx="106134"/>
             </a:xfrm>
             <a:prstGeom prst="ellipse">
               <a:avLst/>
@@ -5650,14 +5650,14 @@
         </p:sp>
         <p:sp>
           <p:nvSpPr>
-            <p:cNvPr id="71" name="Point 71"/>
-            <p:cNvSpPr/>
-            <p:nvPr/>
-          </p:nvSpPr>
-          <p:spPr>
-            <a:xfrm>
-              <a:off x="7439306" y="3253048"/>
-              <a:ext cx="106134" cy="106134"/>
+            <p:cNvPr name="Point 71" id="71"/>
+            <p:cNvSpPr/>
+            <p:nvPr/>
+          </p:nvSpPr>
+          <p:spPr>
+            <a:xfrm>
+              <a:off y="3257090" x="7444816"/>
+              <a:ext cy="106134" cx="106134"/>
             </a:xfrm>
             <a:prstGeom prst="ellipse">
               <a:avLst/>
@@ -5676,14 +5676,14 @@
         </p:sp>
         <p:sp>
           <p:nvSpPr>
-            <p:cNvPr id="72" name="Point 72"/>
-            <p:cNvSpPr/>
-            <p:nvPr/>
-          </p:nvSpPr>
-          <p:spPr>
-            <a:xfrm>
-              <a:off x="4326301" y="3771406"/>
-              <a:ext cx="94763" cy="94763"/>
+            <p:cNvPr name="Point 72" id="72"/>
+            <p:cNvSpPr/>
+            <p:nvPr/>
+          </p:nvSpPr>
+          <p:spPr>
+            <a:xfrm>
+              <a:off y="3777033" x="4323280"/>
+              <a:ext cy="94762" cx="94762"/>
             </a:xfrm>
             <a:prstGeom prst="ellipse">
               <a:avLst/>
@@ -5702,14 +5702,14 @@
         </p:sp>
         <p:sp>
           <p:nvSpPr>
-            <p:cNvPr id="73" name="Point 73"/>
-            <p:cNvSpPr/>
-            <p:nvPr/>
-          </p:nvSpPr>
-          <p:spPr>
-            <a:xfrm>
-              <a:off x="6548252" y="3423939"/>
-              <a:ext cx="106134" cy="106134"/>
+            <p:cNvPr name="Point 73" id="73"/>
+            <p:cNvSpPr/>
+            <p:nvPr/>
+          </p:nvSpPr>
+          <p:spPr>
+            <a:xfrm>
+              <a:off y="3428509" x="6551324"/>
+              <a:ext cy="106134" cx="106134"/>
             </a:xfrm>
             <a:prstGeom prst="ellipse">
               <a:avLst/>
@@ -5728,14 +5728,14 @@
         </p:sp>
         <p:sp>
           <p:nvSpPr>
-            <p:cNvPr id="74" name="Point 74"/>
-            <p:cNvSpPr/>
-            <p:nvPr/>
-          </p:nvSpPr>
-          <p:spPr>
-            <a:xfrm>
-              <a:off x="4771828" y="3486588"/>
-              <a:ext cx="94763" cy="94763"/>
+            <p:cNvPr name="Point 74" id="74"/>
+            <p:cNvSpPr/>
+            <p:nvPr/>
+          </p:nvSpPr>
+          <p:spPr>
+            <a:xfrm>
+              <a:off y="3491334" x="4770026"/>
+              <a:ext cy="94762" cx="94762"/>
             </a:xfrm>
             <a:prstGeom prst="ellipse">
               <a:avLst/>
@@ -5754,14 +5754,14 @@
         </p:sp>
         <p:sp>
           <p:nvSpPr>
-            <p:cNvPr id="75" name="Point 75"/>
-            <p:cNvSpPr/>
-            <p:nvPr/>
-          </p:nvSpPr>
-          <p:spPr>
-            <a:xfrm>
-              <a:off x="6100017" y="3364268"/>
-              <a:ext cx="111549" cy="111549"/>
+            <p:cNvPr name="Point 75" id="75"/>
+            <p:cNvSpPr/>
+            <p:nvPr/>
+          </p:nvSpPr>
+          <p:spPr>
+            <a:xfrm>
+              <a:off y="3368662" x="6101871"/>
+              <a:ext cy="111549" cx="111549"/>
             </a:xfrm>
             <a:prstGeom prst="ellipse">
               <a:avLst/>
@@ -5780,14 +5780,14 @@
         </p:sp>
         <p:sp>
           <p:nvSpPr>
-            <p:cNvPr id="76" name="Point 76"/>
-            <p:cNvSpPr/>
-            <p:nvPr/>
-          </p:nvSpPr>
-          <p:spPr>
-            <a:xfrm>
-              <a:off x="2998112" y="4178544"/>
-              <a:ext cx="77976" cy="77976"/>
+            <p:cNvPr name="Point 76" id="76"/>
+            <p:cNvSpPr/>
+            <p:nvPr/>
+          </p:nvSpPr>
+          <p:spPr>
+            <a:xfrm>
+              <a:off y="4185403" x="2991435"/>
+              <a:ext cy="77976" cx="77976"/>
             </a:xfrm>
             <a:prstGeom prst="ellipse">
               <a:avLst/>
@@ -5806,14 +5806,14 @@
         </p:sp>
         <p:sp>
           <p:nvSpPr>
-            <p:cNvPr id="77" name="Point 77"/>
-            <p:cNvSpPr/>
-            <p:nvPr/>
-          </p:nvSpPr>
-          <p:spPr>
-            <a:xfrm>
-              <a:off x="6776701" y="3429624"/>
-              <a:ext cx="94763" cy="94763"/>
+            <p:cNvPr name="Point 77" id="77"/>
+            <p:cNvSpPr/>
+            <p:nvPr/>
+          </p:nvSpPr>
+          <p:spPr>
+            <a:xfrm>
+              <a:off y="3434195" x="6780383"/>
+              <a:ext cy="94762" cx="94762"/>
             </a:xfrm>
             <a:prstGeom prst="ellipse">
               <a:avLst/>
@@ -5832,14 +5832,14 @@
         </p:sp>
         <p:sp>
           <p:nvSpPr>
-            <p:cNvPr id="78" name="Point 78"/>
-            <p:cNvSpPr/>
-            <p:nvPr/>
-          </p:nvSpPr>
-          <p:spPr>
-            <a:xfrm>
-              <a:off x="3655167" y="3825526"/>
-              <a:ext cx="100448" cy="100448"/>
+            <p:cNvPr name="Point 78" id="78"/>
+            <p:cNvSpPr/>
+            <p:nvPr/>
+          </p:nvSpPr>
+          <p:spPr>
+            <a:xfrm>
+              <a:off y="3831329" x="3650318"/>
+              <a:ext cy="100448" cx="100448"/>
             </a:xfrm>
             <a:prstGeom prst="ellipse">
               <a:avLst/>
@@ -5858,14 +5858,14 @@
         </p:sp>
         <p:sp>
           <p:nvSpPr>
-            <p:cNvPr id="79" name="Point 79"/>
-            <p:cNvSpPr/>
-            <p:nvPr/>
-          </p:nvSpPr>
-          <p:spPr>
-            <a:xfrm>
-              <a:off x="3220876" y="4064617"/>
-              <a:ext cx="77976" cy="77976"/>
+            <p:cNvPr name="Point 79" id="79"/>
+            <p:cNvSpPr/>
+            <p:nvPr/>
+          </p:nvSpPr>
+          <p:spPr>
+            <a:xfrm>
+              <a:off y="4071124" x="3214808"/>
+              <a:ext cy="77976" cx="77976"/>
             </a:xfrm>
             <a:prstGeom prst="ellipse">
               <a:avLst/>
@@ -5884,14 +5884,14 @@
         </p:sp>
         <p:sp>
           <p:nvSpPr>
-            <p:cNvPr id="80" name="Point 80"/>
-            <p:cNvSpPr/>
-            <p:nvPr/>
-          </p:nvSpPr>
-          <p:spPr>
-            <a:xfrm>
-              <a:off x="5211670" y="3651793"/>
-              <a:ext cx="106134" cy="106134"/>
+            <p:cNvPr name="Point 80" id="80"/>
+            <p:cNvSpPr/>
+            <p:nvPr/>
+          </p:nvSpPr>
+          <p:spPr>
+            <a:xfrm>
+              <a:off y="3657068" x="5211086"/>
+              <a:ext cy="106134" cx="106134"/>
             </a:xfrm>
             <a:prstGeom prst="ellipse">
               <a:avLst/>
@@ -5910,14 +5910,14 @@
         </p:sp>
         <p:sp>
           <p:nvSpPr>
-            <p:cNvPr id="81" name="Point 81"/>
-            <p:cNvSpPr/>
-            <p:nvPr/>
-          </p:nvSpPr>
-          <p:spPr>
-            <a:xfrm>
-              <a:off x="5448513" y="3779799"/>
-              <a:ext cx="77976" cy="77976"/>
+            <p:cNvPr name="Point 81" id="81"/>
+            <p:cNvSpPr/>
+            <p:nvPr/>
+          </p:nvSpPr>
+          <p:spPr>
+            <a:xfrm>
+              <a:off y="3785426" x="5448538"/>
+              <a:ext cy="77976" cx="77976"/>
             </a:xfrm>
             <a:prstGeom prst="ellipse">
               <a:avLst/>
@@ -5936,14 +5936,14 @@
         </p:sp>
         <p:sp>
           <p:nvSpPr>
-            <p:cNvPr id="82" name="Point 82"/>
-            <p:cNvSpPr/>
-            <p:nvPr/>
-          </p:nvSpPr>
-          <p:spPr>
-            <a:xfrm>
-              <a:off x="5660040" y="3369818"/>
-              <a:ext cx="100448" cy="100448"/>
+            <p:cNvPr name="Point 82" id="82"/>
+            <p:cNvSpPr/>
+            <p:nvPr/>
+          </p:nvSpPr>
+          <p:spPr>
+            <a:xfrm>
+              <a:off y="3374212" x="5660675"/>
+              <a:ext cy="100448" cx="100448"/>
             </a:xfrm>
             <a:prstGeom prst="ellipse">
               <a:avLst/>
@@ -5962,14 +5962,14 @@
         </p:sp>
         <p:sp>
           <p:nvSpPr>
-            <p:cNvPr id="83" name="Point 83"/>
-            <p:cNvSpPr/>
-            <p:nvPr/>
-          </p:nvSpPr>
-          <p:spPr>
-            <a:xfrm>
-              <a:off x="4549065" y="3999260"/>
-              <a:ext cx="94763" cy="94763"/>
+            <p:cNvPr name="Point 83" id="83"/>
+            <p:cNvSpPr/>
+            <p:nvPr/>
+          </p:nvSpPr>
+          <p:spPr>
+            <a:xfrm>
+              <a:off y="4005591" x="4546653"/>
+              <a:ext cy="94762" cx="94762"/>
             </a:xfrm>
             <a:prstGeom prst="ellipse">
               <a:avLst/>
@@ -5988,14 +5988,14 @@
         </p:sp>
         <p:sp>
           <p:nvSpPr>
-            <p:cNvPr id="84" name="Point 84"/>
-            <p:cNvSpPr/>
-            <p:nvPr/>
-          </p:nvSpPr>
-          <p:spPr>
-            <a:xfrm>
-              <a:off x="6996622" y="3540709"/>
-              <a:ext cx="100448" cy="100448"/>
+            <p:cNvPr name="Point 84" id="84"/>
+            <p:cNvSpPr/>
+            <p:nvPr/>
+          </p:nvSpPr>
+          <p:spPr>
+            <a:xfrm>
+              <a:off y="3545631" x="7000913"/>
+              <a:ext cy="100448" cx="100448"/>
             </a:xfrm>
             <a:prstGeom prst="ellipse">
               <a:avLst/>
@@ -6014,14 +6014,14 @@
         </p:sp>
         <p:sp>
           <p:nvSpPr>
-            <p:cNvPr id="85" name="Point 85"/>
-            <p:cNvSpPr/>
-            <p:nvPr/>
-          </p:nvSpPr>
-          <p:spPr>
-            <a:xfrm>
-              <a:off x="4543379" y="3480902"/>
-              <a:ext cx="106134" cy="106134"/>
+            <p:cNvPr name="Point 85" id="85"/>
+            <p:cNvSpPr/>
+            <p:nvPr/>
+          </p:nvSpPr>
+          <p:spPr>
+            <a:xfrm>
+              <a:off y="3485649" x="4540967"/>
+              <a:ext cy="106134" cx="106134"/>
             </a:xfrm>
             <a:prstGeom prst="ellipse">
               <a:avLst/>
@@ -6040,14 +6040,14 @@
         </p:sp>
         <p:sp>
           <p:nvSpPr>
-            <p:cNvPr id="86" name="Point 86"/>
-            <p:cNvSpPr/>
-            <p:nvPr/>
-          </p:nvSpPr>
-          <p:spPr>
-            <a:xfrm>
-              <a:off x="5002985" y="3722835"/>
-              <a:ext cx="77976" cy="77976"/>
+            <p:cNvPr name="Point 86" id="86"/>
+            <p:cNvSpPr/>
+            <p:nvPr/>
+          </p:nvSpPr>
+          <p:spPr>
+            <a:xfrm>
+              <a:off y="3728286" x="5001792"/>
+              <a:ext cy="77976" cx="77976"/>
             </a:xfrm>
             <a:prstGeom prst="ellipse">
               <a:avLst/>
@@ -6066,14 +6066,14 @@
         </p:sp>
         <p:sp>
           <p:nvSpPr>
-            <p:cNvPr id="87" name="Point 87"/>
-            <p:cNvSpPr/>
-            <p:nvPr/>
-          </p:nvSpPr>
-          <p:spPr>
-            <a:xfrm>
-              <a:off x="5879961" y="3480902"/>
-              <a:ext cx="106134" cy="106134"/>
+            <p:cNvPr name="Point 87" id="87"/>
+            <p:cNvSpPr/>
+            <p:nvPr/>
+          </p:nvSpPr>
+          <p:spPr>
+            <a:xfrm>
+              <a:off y="3485649" x="5881205"/>
+              <a:ext cy="106134" cx="106134"/>
             </a:xfrm>
             <a:prstGeom prst="ellipse">
               <a:avLst/>
@@ -6092,14 +6092,14 @@
         </p:sp>
         <p:sp>
           <p:nvSpPr>
-            <p:cNvPr id="88" name="Point 88"/>
-            <p:cNvSpPr/>
-            <p:nvPr/>
-          </p:nvSpPr>
-          <p:spPr>
-            <a:xfrm>
-              <a:off x="4554750" y="3834055"/>
-              <a:ext cx="83391" cy="83391"/>
+            <p:cNvPr name="Point 88" id="88"/>
+            <p:cNvSpPr/>
+            <p:nvPr/>
+          </p:nvSpPr>
+          <p:spPr>
+            <a:xfrm>
+              <a:off y="3839858" x="4552339"/>
+              <a:ext cy="83391" cx="83391"/>
             </a:xfrm>
             <a:prstGeom prst="ellipse">
               <a:avLst/>
@@ -6118,14 +6118,14 @@
         </p:sp>
         <p:sp>
           <p:nvSpPr>
-            <p:cNvPr id="89" name="Point 89"/>
-            <p:cNvSpPr/>
-            <p:nvPr/>
-          </p:nvSpPr>
-          <p:spPr>
-            <a:xfrm>
-              <a:off x="5203277" y="3301618"/>
-              <a:ext cx="122921" cy="122921"/>
+            <p:cNvPr name="Point 89" id="89"/>
+            <p:cNvSpPr/>
+            <p:nvPr/>
+          </p:nvSpPr>
+          <p:spPr>
+            <a:xfrm>
+              <a:off y="3305836" x="5202693"/>
+              <a:ext cy="122921" cx="122921"/>
             </a:xfrm>
             <a:prstGeom prst="ellipse">
               <a:avLst/>
@@ -6144,14 +6144,14 @@
         </p:sp>
         <p:sp>
           <p:nvSpPr>
-            <p:cNvPr id="90" name="Point 90"/>
-            <p:cNvSpPr/>
-            <p:nvPr/>
-          </p:nvSpPr>
-          <p:spPr>
-            <a:xfrm>
-              <a:off x="5662883" y="3771406"/>
-              <a:ext cx="94763" cy="94763"/>
+            <p:cNvPr name="Point 90" id="90"/>
+            <p:cNvSpPr/>
+            <p:nvPr/>
+          </p:nvSpPr>
+          <p:spPr>
+            <a:xfrm>
+              <a:off y="3777033" x="5663518"/>
+              <a:ext cy="94762" cx="94762"/>
             </a:xfrm>
             <a:prstGeom prst="ellipse">
               <a:avLst/>
@@ -6170,14 +6170,14 @@
         </p:sp>
         <p:sp>
           <p:nvSpPr>
-            <p:cNvPr id="91" name="Point 91"/>
-            <p:cNvSpPr/>
-            <p:nvPr/>
-          </p:nvSpPr>
-          <p:spPr>
-            <a:xfrm>
-              <a:off x="6102724" y="3253048"/>
-              <a:ext cx="106134" cy="106134"/>
+            <p:cNvPr name="Point 91" id="91"/>
+            <p:cNvSpPr/>
+            <p:nvPr/>
+          </p:nvSpPr>
+          <p:spPr>
+            <a:xfrm>
+              <a:off y="3257090" x="6104578"/>
+              <a:ext cy="106134" cx="106134"/>
             </a:xfrm>
             <a:prstGeom prst="ellipse">
               <a:avLst/>
@@ -6196,14 +6196,14 @@
         </p:sp>
         <p:sp>
           <p:nvSpPr>
-            <p:cNvPr id="92" name="Point 92"/>
-            <p:cNvSpPr/>
-            <p:nvPr/>
-          </p:nvSpPr>
-          <p:spPr>
-            <a:xfrm>
-              <a:off x="5665726" y="3375504"/>
-              <a:ext cx="89077" cy="89077"/>
+            <p:cNvPr name="Point 92" id="92"/>
+            <p:cNvSpPr/>
+            <p:nvPr/>
+          </p:nvSpPr>
+          <p:spPr>
+            <a:xfrm>
+              <a:off y="3379898" x="5666361"/>
+              <a:ext cy="89077" cx="89077"/>
             </a:xfrm>
             <a:prstGeom prst="ellipse">
               <a:avLst/>
@@ -6222,14 +6222,14 @@
         </p:sp>
         <p:sp>
           <p:nvSpPr>
-            <p:cNvPr id="93" name="Point 93"/>
-            <p:cNvSpPr/>
-            <p:nvPr/>
-          </p:nvSpPr>
-          <p:spPr>
-            <a:xfrm>
-              <a:off x="6331174" y="3600515"/>
-              <a:ext cx="94763" cy="94763"/>
+            <p:cNvPr name="Point 93" id="93"/>
+            <p:cNvSpPr/>
+            <p:nvPr/>
+          </p:nvSpPr>
+          <p:spPr>
+            <a:xfrm>
+              <a:off y="3605614" x="6333637"/>
+              <a:ext cy="94762" cx="94762"/>
             </a:xfrm>
             <a:prstGeom prst="ellipse">
               <a:avLst/>
@@ -6248,14 +6248,14 @@
         </p:sp>
         <p:sp>
           <p:nvSpPr>
-            <p:cNvPr id="94" name="Point 94"/>
-            <p:cNvSpPr/>
-            <p:nvPr/>
-          </p:nvSpPr>
-          <p:spPr>
-            <a:xfrm>
-              <a:off x="6773858" y="3540709"/>
-              <a:ext cx="100448" cy="100448"/>
+            <p:cNvPr name="Point 94" id="94"/>
+            <p:cNvSpPr/>
+            <p:nvPr/>
+          </p:nvSpPr>
+          <p:spPr>
+            <a:xfrm>
+              <a:off y="3545631" x="6777540"/>
+              <a:ext cy="100448" cx="100448"/>
             </a:xfrm>
             <a:prstGeom prst="ellipse">
               <a:avLst/>
@@ -6274,14 +6274,14 @@
         </p:sp>
         <p:sp>
           <p:nvSpPr>
-            <p:cNvPr id="95" name="Point 95"/>
-            <p:cNvSpPr/>
-            <p:nvPr/>
-          </p:nvSpPr>
-          <p:spPr>
-            <a:xfrm>
-              <a:off x="7219386" y="3312854"/>
-              <a:ext cx="100448" cy="100448"/>
+            <p:cNvPr name="Point 95" id="95"/>
+            <p:cNvSpPr/>
+            <p:nvPr/>
+          </p:nvSpPr>
+          <p:spPr>
+            <a:xfrm>
+              <a:off y="3317072" x="7224286"/>
+              <a:ext cy="100448" cx="100448"/>
             </a:xfrm>
             <a:prstGeom prst="ellipse">
               <a:avLst/>
@@ -6300,14 +6300,14 @@
         </p:sp>
         <p:sp>
           <p:nvSpPr>
-            <p:cNvPr id="96" name="Point 96"/>
-            <p:cNvSpPr/>
-            <p:nvPr/>
-          </p:nvSpPr>
-          <p:spPr>
-            <a:xfrm>
-              <a:off x="6988229" y="3190534"/>
-              <a:ext cx="117235" cy="117235"/>
+            <p:cNvPr name="Point 96" id="96"/>
+            <p:cNvSpPr/>
+            <p:nvPr/>
+          </p:nvSpPr>
+          <p:spPr>
+            <a:xfrm>
+              <a:off y="3194400" x="6992520"/>
+              <a:ext cy="117235" cx="117235"/>
             </a:xfrm>
             <a:prstGeom prst="ellipse">
               <a:avLst/>
@@ -6326,14 +6326,14 @@
         </p:sp>
         <p:sp>
           <p:nvSpPr>
-            <p:cNvPr id="97" name="Point 97"/>
-            <p:cNvSpPr/>
-            <p:nvPr/>
-          </p:nvSpPr>
-          <p:spPr>
-            <a:xfrm>
-              <a:off x="5434434" y="3480902"/>
-              <a:ext cx="106134" cy="106134"/>
+            <p:cNvPr name="Point 97" id="97"/>
+            <p:cNvSpPr/>
+            <p:nvPr/>
+          </p:nvSpPr>
+          <p:spPr>
+            <a:xfrm>
+              <a:off y="3485649" x="5434459"/>
+              <a:ext cy="106134" cx="106134"/>
             </a:xfrm>
             <a:prstGeom prst="ellipse">
               <a:avLst/>
@@ -6352,14 +6352,14 @@
         </p:sp>
         <p:sp>
           <p:nvSpPr>
-            <p:cNvPr id="98" name="Point 98"/>
-            <p:cNvSpPr/>
-            <p:nvPr/>
-          </p:nvSpPr>
-          <p:spPr>
-            <a:xfrm>
-              <a:off x="4780222" y="4064617"/>
-              <a:ext cx="77976" cy="77976"/>
+            <p:cNvPr name="Point 98" id="98"/>
+            <p:cNvSpPr/>
+            <p:nvPr/>
+          </p:nvSpPr>
+          <p:spPr>
+            <a:xfrm>
+              <a:off y="4071124" x="4778419"/>
+              <a:ext cy="77976" cx="77976"/>
             </a:xfrm>
             <a:prstGeom prst="ellipse">
               <a:avLst/>
@@ -6378,14 +6378,14 @@
         </p:sp>
         <p:sp>
           <p:nvSpPr>
-            <p:cNvPr id="99" name="Point 99"/>
-            <p:cNvSpPr/>
-            <p:nvPr/>
-          </p:nvSpPr>
-          <p:spPr>
-            <a:xfrm>
-              <a:off x="4331987" y="3891019"/>
-              <a:ext cx="83391" cy="83391"/>
+            <p:cNvPr name="Point 99" id="99"/>
+            <p:cNvSpPr/>
+            <p:nvPr/>
+          </p:nvSpPr>
+          <p:spPr>
+            <a:xfrm>
+              <a:off y="3896998" x="4328966"/>
+              <a:ext cy="83391" cx="83391"/>
             </a:xfrm>
             <a:prstGeom prst="ellipse">
               <a:avLst/>
@@ -6404,14 +6404,14 @@
         </p:sp>
         <p:sp>
           <p:nvSpPr>
-            <p:cNvPr id="100" name="Point 100"/>
-            <p:cNvSpPr/>
-            <p:nvPr/>
-          </p:nvSpPr>
-          <p:spPr>
-            <a:xfrm>
-              <a:off x="4334694" y="3950690"/>
-              <a:ext cx="77976" cy="77976"/>
+            <p:cNvPr name="Point 100" id="100"/>
+            <p:cNvSpPr/>
+            <p:nvPr/>
+          </p:nvSpPr>
+          <p:spPr>
+            <a:xfrm>
+              <a:off y="3956845" x="4331673"/>
+              <a:ext cy="77976" cx="77976"/>
             </a:xfrm>
             <a:prstGeom prst="ellipse">
               <a:avLst/>
@@ -6430,14 +6430,14 @@
         </p:sp>
         <p:sp>
           <p:nvSpPr>
-            <p:cNvPr id="101" name="Point 101"/>
-            <p:cNvSpPr/>
-            <p:nvPr/>
-          </p:nvSpPr>
-          <p:spPr>
-            <a:xfrm>
-              <a:off x="4997435" y="3831212"/>
-              <a:ext cx="89077" cy="89077"/>
+            <p:cNvPr name="Point 101" id="101"/>
+            <p:cNvSpPr/>
+            <p:nvPr/>
+          </p:nvSpPr>
+          <p:spPr>
+            <a:xfrm>
+              <a:off y="3837015" x="4996242"/>
+              <a:ext cy="89077" cx="89077"/>
             </a:xfrm>
             <a:prstGeom prst="ellipse">
               <a:avLst/>
@@ -6456,14 +6456,14 @@
         </p:sp>
         <p:sp>
           <p:nvSpPr>
-            <p:cNvPr id="102" name="Point 102"/>
-            <p:cNvSpPr/>
-            <p:nvPr/>
-          </p:nvSpPr>
-          <p:spPr>
-            <a:xfrm>
-              <a:off x="5431726" y="3136414"/>
-              <a:ext cx="111549" cy="111549"/>
+            <p:cNvPr name="Point 102" id="102"/>
+            <p:cNvSpPr/>
+            <p:nvPr/>
+          </p:nvSpPr>
+          <p:spPr>
+            <a:xfrm>
+              <a:off y="3140103" x="5431752"/>
+              <a:ext cy="111549" cx="111549"/>
             </a:xfrm>
             <a:prstGeom prst="ellipse">
               <a:avLst/>
@@ -6482,14 +6482,14 @@
         </p:sp>
         <p:sp>
           <p:nvSpPr>
-            <p:cNvPr id="103" name="Point 103"/>
-            <p:cNvSpPr/>
-            <p:nvPr/>
-          </p:nvSpPr>
-          <p:spPr>
-            <a:xfrm>
-              <a:off x="4097852" y="3480902"/>
-              <a:ext cx="106134" cy="106134"/>
+            <p:cNvPr name="Point 103" id="103"/>
+            <p:cNvSpPr/>
+            <p:nvPr/>
+          </p:nvSpPr>
+          <p:spPr>
+            <a:xfrm>
+              <a:off y="3485649" x="4094221"/>
+              <a:ext cy="106134" cx="106134"/>
             </a:xfrm>
             <a:prstGeom prst="ellipse">
               <a:avLst/>
@@ -6508,14 +6508,14 @@
         </p:sp>
         <p:sp>
           <p:nvSpPr>
-            <p:cNvPr id="104" name="Point 104"/>
-            <p:cNvSpPr/>
-            <p:nvPr/>
-          </p:nvSpPr>
-          <p:spPr>
-            <a:xfrm>
-              <a:off x="5431726" y="3478195"/>
-              <a:ext cx="111549" cy="111549"/>
+            <p:cNvPr name="Point 104" id="104"/>
+            <p:cNvSpPr/>
+            <p:nvPr/>
+          </p:nvSpPr>
+          <p:spPr>
+            <a:xfrm>
+              <a:off y="3482941" x="5431752"/>
+              <a:ext cy="111549" cx="111549"/>
             </a:xfrm>
             <a:prstGeom prst="ellipse">
               <a:avLst/>
@@ -6534,14 +6534,14 @@
         </p:sp>
         <p:sp>
           <p:nvSpPr>
-            <p:cNvPr id="105" name="Point 105"/>
-            <p:cNvSpPr/>
-            <p:nvPr/>
-          </p:nvSpPr>
-          <p:spPr>
-            <a:xfrm>
-              <a:off x="6993779" y="3366975"/>
-              <a:ext cx="106134" cy="106134"/>
+            <p:cNvPr name="Point 105" id="105"/>
+            <p:cNvSpPr/>
+            <p:nvPr/>
+          </p:nvSpPr>
+          <p:spPr>
+            <a:xfrm>
+              <a:off y="3371369" x="6998070"/>
+              <a:ext cy="106134" cx="106134"/>
             </a:xfrm>
             <a:prstGeom prst="ellipse">
               <a:avLst/>
@@ -6560,14 +6560,14 @@
         </p:sp>
         <p:sp>
           <p:nvSpPr>
-            <p:cNvPr id="106" name="Point 106"/>
-            <p:cNvSpPr/>
-            <p:nvPr/>
-          </p:nvSpPr>
-          <p:spPr>
-            <a:xfrm>
-              <a:off x="6108410" y="3543552"/>
-              <a:ext cx="94763" cy="94763"/>
+            <p:cNvPr name="Point 106" id="106"/>
+            <p:cNvSpPr/>
+            <p:nvPr/>
+          </p:nvSpPr>
+          <p:spPr>
+            <a:xfrm>
+              <a:off y="3548474" x="6110264"/>
+              <a:ext cy="94762" cx="94762"/>
             </a:xfrm>
             <a:prstGeom prst="ellipse">
               <a:avLst/>
@@ -6586,14 +6586,14 @@
         </p:sp>
         <p:sp>
           <p:nvSpPr>
-            <p:cNvPr id="107" name="Point 107"/>
-            <p:cNvSpPr/>
-            <p:nvPr/>
-          </p:nvSpPr>
-          <p:spPr>
-            <a:xfrm>
-              <a:off x="4549065" y="3714442"/>
-              <a:ext cx="94763" cy="94763"/>
+            <p:cNvPr name="Point 107" id="107"/>
+            <p:cNvSpPr/>
+            <p:nvPr/>
+          </p:nvSpPr>
+          <p:spPr>
+            <a:xfrm>
+              <a:off y="3719893" x="4546653"/>
+              <a:ext cy="94762" cx="94762"/>
             </a:xfrm>
             <a:prstGeom prst="ellipse">
               <a:avLst/>
@@ -6612,14 +6612,14 @@
         </p:sp>
         <p:sp>
           <p:nvSpPr>
-            <p:cNvPr id="108" name="Point 108"/>
-            <p:cNvSpPr/>
-            <p:nvPr/>
-          </p:nvSpPr>
-          <p:spPr>
-            <a:xfrm>
-              <a:off x="4326301" y="3771406"/>
-              <a:ext cx="94763" cy="94763"/>
+            <p:cNvPr name="Point 108" id="108"/>
+            <p:cNvSpPr/>
+            <p:nvPr/>
+          </p:nvSpPr>
+          <p:spPr>
+            <a:xfrm>
+              <a:off y="3777033" x="4323280"/>
+              <a:ext cy="94762" cx="94762"/>
             </a:xfrm>
             <a:prstGeom prst="ellipse">
               <a:avLst/>
@@ -6638,14 +6638,14 @@
         </p:sp>
         <p:sp>
           <p:nvSpPr>
-            <p:cNvPr id="109" name="Point 109"/>
-            <p:cNvSpPr/>
-            <p:nvPr/>
-          </p:nvSpPr>
-          <p:spPr>
-            <a:xfrm>
-              <a:off x="4329144" y="3546394"/>
-              <a:ext cx="89077" cy="89077"/>
+            <p:cNvPr name="Point 109" id="109"/>
+            <p:cNvSpPr/>
+            <p:nvPr/>
+          </p:nvSpPr>
+          <p:spPr>
+            <a:xfrm>
+              <a:off y="3551317" x="4326123"/>
+              <a:ext cy="89077" cx="89077"/>
             </a:xfrm>
             <a:prstGeom prst="ellipse">
               <a:avLst/>
@@ -6664,14 +6664,14 @@
         </p:sp>
         <p:sp>
           <p:nvSpPr>
-            <p:cNvPr id="110" name="Point 110"/>
-            <p:cNvSpPr/>
-            <p:nvPr/>
-          </p:nvSpPr>
-          <p:spPr>
-            <a:xfrm>
-              <a:off x="5660040" y="3426782"/>
-              <a:ext cx="100448" cy="100448"/>
+            <p:cNvPr name="Point 110" id="110"/>
+            <p:cNvSpPr/>
+            <p:nvPr/>
+          </p:nvSpPr>
+          <p:spPr>
+            <a:xfrm>
+              <a:off y="3431352" x="5660675"/>
+              <a:ext cy="100448" cx="100448"/>
             </a:xfrm>
             <a:prstGeom prst="ellipse">
               <a:avLst/>
@@ -6690,14 +6690,14 @@
         </p:sp>
         <p:sp>
           <p:nvSpPr>
-            <p:cNvPr id="111" name="Point 111"/>
-            <p:cNvSpPr/>
-            <p:nvPr/>
-          </p:nvSpPr>
-          <p:spPr>
-            <a:xfrm>
-              <a:off x="4997435" y="3774249"/>
-              <a:ext cx="89077" cy="89077"/>
+            <p:cNvPr name="Point 111" id="111"/>
+            <p:cNvSpPr/>
+            <p:nvPr/>
+          </p:nvSpPr>
+          <p:spPr>
+            <a:xfrm>
+              <a:off y="3779876" x="4996242"/>
+              <a:ext cy="89077" cx="89077"/>
             </a:xfrm>
             <a:prstGeom prst="ellipse">
               <a:avLst/>
@@ -6716,14 +6716,14 @@
         </p:sp>
         <p:sp>
           <p:nvSpPr>
-            <p:cNvPr id="112" name="Point 112"/>
-            <p:cNvSpPr/>
-            <p:nvPr/>
-          </p:nvSpPr>
-          <p:spPr>
-            <a:xfrm>
-              <a:off x="3220876" y="4178544"/>
-              <a:ext cx="77976" cy="77976"/>
+            <p:cNvPr name="Point 112" id="112"/>
+            <p:cNvSpPr/>
+            <p:nvPr/>
+          </p:nvSpPr>
+          <p:spPr>
+            <a:xfrm>
+              <a:off y="4185403" x="3214808"/>
+              <a:ext cy="77976" cx="77976"/>
             </a:xfrm>
             <a:prstGeom prst="ellipse">
               <a:avLst/>
@@ -6742,14 +6742,14 @@
         </p:sp>
         <p:sp>
           <p:nvSpPr>
-            <p:cNvPr id="113" name="Point 113"/>
-            <p:cNvSpPr/>
-            <p:nvPr/>
-          </p:nvSpPr>
-          <p:spPr>
-            <a:xfrm>
-              <a:off x="4549065" y="3657479"/>
-              <a:ext cx="94763" cy="94763"/>
+            <p:cNvPr name="Point 113" id="113"/>
+            <p:cNvSpPr/>
+            <p:nvPr/>
+          </p:nvSpPr>
+          <p:spPr>
+            <a:xfrm>
+              <a:off y="3662753" x="4546653"/>
+              <a:ext cy="94762" cx="94762"/>
             </a:xfrm>
             <a:prstGeom prst="ellipse">
               <a:avLst/>
@@ -6768,14 +6768,14 @@
         </p:sp>
         <p:sp>
           <p:nvSpPr>
-            <p:cNvPr id="114" name="Point 114"/>
-            <p:cNvSpPr/>
-            <p:nvPr/>
-          </p:nvSpPr>
-          <p:spPr>
-            <a:xfrm>
-              <a:off x="4774671" y="3660321"/>
-              <a:ext cx="89077" cy="89077"/>
+            <p:cNvPr name="Point 114" id="114"/>
+            <p:cNvSpPr/>
+            <p:nvPr/>
+          </p:nvSpPr>
+          <p:spPr>
+            <a:xfrm>
+              <a:off y="3665596" x="4772869"/>
+              <a:ext cy="89077" cx="89077"/>
             </a:xfrm>
             <a:prstGeom prst="ellipse">
               <a:avLst/>
@@ -6794,14 +6794,14 @@
         </p:sp>
         <p:sp>
           <p:nvSpPr>
-            <p:cNvPr id="115" name="Point 115"/>
-            <p:cNvSpPr/>
-            <p:nvPr/>
-          </p:nvSpPr>
-          <p:spPr>
-            <a:xfrm>
-              <a:off x="4771828" y="3657479"/>
-              <a:ext cx="94763" cy="94763"/>
+            <p:cNvPr name="Point 115" id="115"/>
+            <p:cNvSpPr/>
+            <p:nvPr/>
+          </p:nvSpPr>
+          <p:spPr>
+            <a:xfrm>
+              <a:off y="3662753" x="4770026"/>
+              <a:ext cy="94762" cx="94762"/>
             </a:xfrm>
             <a:prstGeom prst="ellipse">
               <a:avLst/>
@@ -6820,14 +6820,14 @@
         </p:sp>
         <p:sp>
           <p:nvSpPr>
-            <p:cNvPr id="116" name="Point 116"/>
-            <p:cNvSpPr/>
-            <p:nvPr/>
-          </p:nvSpPr>
-          <p:spPr>
-            <a:xfrm>
-              <a:off x="5885647" y="3600515"/>
-              <a:ext cx="94763" cy="94763"/>
+            <p:cNvPr name="Point 116" id="116"/>
+            <p:cNvSpPr/>
+            <p:nvPr/>
+          </p:nvSpPr>
+          <p:spPr>
+            <a:xfrm>
+              <a:off y="3605614" x="5886891"/>
+              <a:ext cy="94762" cx="94762"/>
             </a:xfrm>
             <a:prstGeom prst="ellipse">
               <a:avLst/>
@@ -6846,14 +6846,14 @@
         </p:sp>
         <p:sp>
           <p:nvSpPr>
-            <p:cNvPr id="117" name="Point 117"/>
-            <p:cNvSpPr/>
-            <p:nvPr/>
-          </p:nvSpPr>
-          <p:spPr>
-            <a:xfrm>
-              <a:off x="3440932" y="4346727"/>
-              <a:ext cx="83391" cy="83391"/>
+            <p:cNvPr name="Point 117" id="117"/>
+            <p:cNvSpPr/>
+            <p:nvPr/>
+          </p:nvSpPr>
+          <p:spPr>
+            <a:xfrm>
+              <a:off y="4354115" x="3435474"/>
+              <a:ext cy="83391" cx="83391"/>
             </a:xfrm>
             <a:prstGeom prst="ellipse">
               <a:avLst/>
@@ -6872,14 +6872,14 @@
         </p:sp>
         <p:sp>
           <p:nvSpPr>
-            <p:cNvPr id="118" name="Point 118"/>
-            <p:cNvSpPr/>
-            <p:nvPr/>
-          </p:nvSpPr>
-          <p:spPr>
-            <a:xfrm>
-              <a:off x="4771828" y="3714442"/>
-              <a:ext cx="94763" cy="94763"/>
+            <p:cNvPr name="Point 118" id="118"/>
+            <p:cNvSpPr/>
+            <p:nvPr/>
+          </p:nvSpPr>
+          <p:spPr>
+            <a:xfrm>
+              <a:off y="3719893" x="4770026"/>
+              <a:ext cy="94762" cx="94762"/>
             </a:xfrm>
             <a:prstGeom prst="ellipse">
               <a:avLst/>
@@ -6898,14 +6898,14 @@
         </p:sp>
         <p:sp>
           <p:nvSpPr>
-            <p:cNvPr id="119" name="Point 119"/>
-            <p:cNvSpPr/>
-            <p:nvPr/>
-          </p:nvSpPr>
-          <p:spPr>
-            <a:xfrm>
-              <a:off x="6074566" y="2598291"/>
-              <a:ext cx="162450" cy="162450"/>
+            <p:cNvPr name="Point 119" id="119"/>
+            <p:cNvSpPr/>
+            <p:nvPr/>
+          </p:nvSpPr>
+          <p:spPr>
+            <a:xfrm>
+              <a:off y="2600396" x="6076420"/>
+              <a:ext cy="162450" cx="162450"/>
             </a:xfrm>
             <a:prstGeom prst="ellipse">
               <a:avLst/>
@@ -6924,14 +6924,14 @@
         </p:sp>
         <p:sp>
           <p:nvSpPr>
-            <p:cNvPr id="120" name="Point 120"/>
-            <p:cNvSpPr/>
-            <p:nvPr/>
-          </p:nvSpPr>
-          <p:spPr>
-            <a:xfrm>
-              <a:off x="4977670" y="3127885"/>
-              <a:ext cx="128606" cy="128606"/>
+            <p:cNvPr name="Point 120" id="120"/>
+            <p:cNvSpPr/>
+            <p:nvPr/>
+          </p:nvSpPr>
+          <p:spPr>
+            <a:xfrm>
+              <a:off y="3131575" x="4976477"/>
+              <a:ext cy="128606" cx="128606"/>
             </a:xfrm>
             <a:prstGeom prst="ellipse">
               <a:avLst/>
@@ -6950,14 +6950,14 @@
         </p:sp>
         <p:sp>
           <p:nvSpPr>
-            <p:cNvPr id="121" name="Point 121"/>
-            <p:cNvSpPr/>
-            <p:nvPr/>
-          </p:nvSpPr>
-          <p:spPr>
-            <a:xfrm>
-              <a:off x="7867912" y="2666491"/>
-              <a:ext cx="139978" cy="139978"/>
+            <p:cNvPr name="Point 121" id="121"/>
+            <p:cNvSpPr/>
+            <p:nvPr/>
+          </p:nvSpPr>
+          <p:spPr>
+            <a:xfrm>
+              <a:off y="2668772" x="7874640"/>
+              <a:ext cy="139978" cx="139978"/>
             </a:xfrm>
             <a:prstGeom prst="ellipse">
               <a:avLst/>
@@ -6976,14 +6976,14 @@
         </p:sp>
         <p:sp>
           <p:nvSpPr>
-            <p:cNvPr id="122" name="Point 122"/>
-            <p:cNvSpPr/>
-            <p:nvPr/>
-          </p:nvSpPr>
-          <p:spPr>
-            <a:xfrm>
-              <a:off x="6094331" y="2845910"/>
-              <a:ext cx="122921" cy="122921"/>
+            <p:cNvPr name="Point 122" id="122"/>
+            <p:cNvSpPr/>
+            <p:nvPr/>
+          </p:nvSpPr>
+          <p:spPr>
+            <a:xfrm>
+              <a:off y="2848719" x="6096185"/>
+              <a:ext cy="122921" cx="122921"/>
             </a:xfrm>
             <a:prstGeom prst="ellipse">
               <a:avLst/>
@@ -7002,14 +7002,14 @@
         </p:sp>
         <p:sp>
           <p:nvSpPr>
-            <p:cNvPr id="123" name="Point 123"/>
-            <p:cNvSpPr/>
-            <p:nvPr/>
-          </p:nvSpPr>
-          <p:spPr>
-            <a:xfrm>
-              <a:off x="6528487" y="2720611"/>
-              <a:ext cx="145664" cy="145664"/>
+            <p:cNvPr name="Point 123" id="123"/>
+            <p:cNvSpPr/>
+            <p:nvPr/>
+          </p:nvSpPr>
+          <p:spPr>
+            <a:xfrm>
+              <a:off y="2723068" x="6531559"/>
+              <a:ext cy="145664" cx="145664"/>
             </a:xfrm>
             <a:prstGeom prst="ellipse">
               <a:avLst/>
@@ -7028,14 +7028,14 @@
         </p:sp>
         <p:sp>
           <p:nvSpPr>
-            <p:cNvPr id="124" name="Point 124"/>
-            <p:cNvSpPr/>
-            <p:nvPr/>
-          </p:nvSpPr>
-          <p:spPr>
-            <a:xfrm>
-              <a:off x="8981730" y="2267746"/>
-              <a:ext cx="139978" cy="139978"/>
+            <p:cNvPr name="Point 124" id="124"/>
+            <p:cNvSpPr/>
+            <p:nvPr/>
+          </p:nvSpPr>
+          <p:spPr>
+            <a:xfrm>
+              <a:off y="2268794" x="8991505"/>
+              <a:ext cy="139978" cx="139978"/>
             </a:xfrm>
             <a:prstGeom prst="ellipse">
               <a:avLst/>
@@ -7054,14 +7054,14 @@
         </p:sp>
         <p:sp>
           <p:nvSpPr>
-            <p:cNvPr id="125" name="Point 125"/>
-            <p:cNvSpPr/>
-            <p:nvPr/>
-          </p:nvSpPr>
-          <p:spPr>
-            <a:xfrm>
-              <a:off x="2978483" y="3475352"/>
-              <a:ext cx="117235" cy="117235"/>
+            <p:cNvPr name="Point 125" id="125"/>
+            <p:cNvSpPr/>
+            <p:nvPr/>
+          </p:nvSpPr>
+          <p:spPr>
+            <a:xfrm>
+              <a:off y="3480098" x="2971806"/>
+              <a:ext cy="117235" cx="117235"/>
             </a:xfrm>
             <a:prstGeom prst="ellipse">
               <a:avLst/>
@@ -7080,14 +7080,14 @@
         </p:sp>
         <p:sp>
           <p:nvSpPr>
-            <p:cNvPr id="126" name="Point 126"/>
-            <p:cNvSpPr/>
-            <p:nvPr/>
-          </p:nvSpPr>
-          <p:spPr>
-            <a:xfrm>
-              <a:off x="8321968" y="2447165"/>
-              <a:ext cx="122921" cy="122921"/>
+            <p:cNvPr name="Point 126" id="126"/>
+            <p:cNvSpPr/>
+            <p:nvPr/>
+          </p:nvSpPr>
+          <p:spPr>
+            <a:xfrm>
+              <a:off y="2448742" x="8329915"/>
+              <a:ext cy="122921" cx="122921"/>
             </a:xfrm>
             <a:prstGeom prst="ellipse">
               <a:avLst/>
@@ -7106,14 +7106,14 @@
         </p:sp>
         <p:sp>
           <p:nvSpPr>
-            <p:cNvPr id="127" name="Point 127"/>
-            <p:cNvSpPr/>
-            <p:nvPr/>
-          </p:nvSpPr>
-          <p:spPr>
-            <a:xfrm>
-              <a:off x="6985386" y="2731983"/>
-              <a:ext cx="122921" cy="122921"/>
+            <p:cNvPr name="Point 127" id="127"/>
+            <p:cNvSpPr/>
+            <p:nvPr/>
+          </p:nvSpPr>
+          <p:spPr>
+            <a:xfrm>
+              <a:off y="2734440" x="6989677"/>
+              <a:ext cy="122921" cx="122921"/>
             </a:xfrm>
             <a:prstGeom prst="ellipse">
               <a:avLst/>
@@ -7132,14 +7132,14 @@
         </p:sp>
         <p:sp>
           <p:nvSpPr>
-            <p:cNvPr id="128" name="Point 128"/>
-            <p:cNvSpPr/>
-            <p:nvPr/>
-          </p:nvSpPr>
-          <p:spPr>
-            <a:xfrm>
-              <a:off x="8079439" y="2541328"/>
-              <a:ext cx="162450" cy="162450"/>
+            <p:cNvPr name="Point 128" id="128"/>
+            <p:cNvSpPr/>
+            <p:nvPr/>
+          </p:nvSpPr>
+          <p:spPr>
+            <a:xfrm>
+              <a:off y="2543256" x="8086777"/>
+              <a:ext cy="162450" cx="162450"/>
             </a:xfrm>
             <a:prstGeom prst="ellipse">
               <a:avLst/>
@@ -7158,14 +7158,14 @@
         </p:sp>
         <p:sp>
           <p:nvSpPr>
-            <p:cNvPr id="129" name="Point 129"/>
-            <p:cNvSpPr/>
-            <p:nvPr/>
-          </p:nvSpPr>
-          <p:spPr>
-            <a:xfrm>
-              <a:off x="6534173" y="3125042"/>
-              <a:ext cx="134292" cy="134292"/>
+            <p:cNvPr name="Point 129" id="129"/>
+            <p:cNvSpPr/>
+            <p:nvPr/>
+          </p:nvSpPr>
+          <p:spPr>
+            <a:xfrm>
+              <a:off y="3128732" x="6537245"/>
+              <a:ext cy="134292" cx="134292"/>
             </a:xfrm>
             <a:prstGeom prst="ellipse">
               <a:avLst/>
@@ -7184,14 +7184,14 @@
         </p:sp>
         <p:sp>
           <p:nvSpPr>
-            <p:cNvPr id="130" name="Point 130"/>
-            <p:cNvSpPr/>
-            <p:nvPr/>
-          </p:nvSpPr>
-          <p:spPr>
-            <a:xfrm>
-              <a:off x="6314252" y="3013958"/>
-              <a:ext cx="128606" cy="128606"/>
+            <p:cNvPr name="Point 130" id="130"/>
+            <p:cNvSpPr/>
+            <p:nvPr/>
+          </p:nvSpPr>
+          <p:spPr>
+            <a:xfrm>
+              <a:off y="3017295" x="6316715"/>
+              <a:ext cy="128606" cx="128606"/>
             </a:xfrm>
             <a:prstGeom prst="ellipse">
               <a:avLst/>
@@ -7210,14 +7210,14 @@
         </p:sp>
         <p:sp>
           <p:nvSpPr>
-            <p:cNvPr id="131" name="Point 131"/>
-            <p:cNvSpPr/>
-            <p:nvPr/>
-          </p:nvSpPr>
-          <p:spPr>
-            <a:xfrm>
-              <a:off x="7199621" y="2894345"/>
-              <a:ext cx="139978" cy="139978"/>
+            <p:cNvPr name="Point 131" id="131"/>
+            <p:cNvSpPr/>
+            <p:nvPr/>
+          </p:nvSpPr>
+          <p:spPr>
+            <a:xfrm>
+              <a:off y="2897330" x="7204521"/>
+              <a:ext cy="139978" cx="139978"/>
             </a:xfrm>
             <a:prstGeom prst="ellipse">
               <a:avLst/>
@@ -7236,14 +7236,14 @@
         </p:sp>
         <p:sp>
           <p:nvSpPr>
-            <p:cNvPr id="132" name="Point 132"/>
-            <p:cNvSpPr/>
-            <p:nvPr/>
-          </p:nvSpPr>
-          <p:spPr>
-            <a:xfrm>
-              <a:off x="4752064" y="3182006"/>
-              <a:ext cx="134292" cy="134292"/>
+            <p:cNvPr name="Point 132" id="132"/>
+            <p:cNvSpPr/>
+            <p:nvPr/>
+          </p:nvSpPr>
+          <p:spPr>
+            <a:xfrm>
+              <a:off y="3185871" x="4750261"/>
+              <a:ext cy="134292" cx="134292"/>
             </a:xfrm>
             <a:prstGeom prst="ellipse">
               <a:avLst/>
@@ -7262,14 +7262,14 @@
         </p:sp>
         <p:sp>
           <p:nvSpPr>
-            <p:cNvPr id="133" name="Point 133"/>
-            <p:cNvSpPr/>
-            <p:nvPr/>
-          </p:nvSpPr>
-          <p:spPr>
-            <a:xfrm>
-              <a:off x="4963591" y="3113806"/>
-              <a:ext cx="156764" cy="156764"/>
+            <p:cNvPr name="Point 133" id="133"/>
+            <p:cNvSpPr/>
+            <p:nvPr/>
+          </p:nvSpPr>
+          <p:spPr>
+            <a:xfrm>
+              <a:off y="3117496" x="4962398"/>
+              <a:ext cy="156764" cx="156764"/>
             </a:xfrm>
             <a:prstGeom prst="ellipse">
               <a:avLst/>
@@ -7288,14 +7288,14 @@
         </p:sp>
         <p:sp>
           <p:nvSpPr>
-            <p:cNvPr id="134" name="Point 134"/>
-            <p:cNvSpPr/>
-            <p:nvPr/>
-          </p:nvSpPr>
-          <p:spPr>
-            <a:xfrm>
-              <a:off x="6303016" y="3002722"/>
-              <a:ext cx="151079" cy="151079"/>
+            <p:cNvPr name="Point 134" id="134"/>
+            <p:cNvSpPr/>
+            <p:nvPr/>
+          </p:nvSpPr>
+          <p:spPr>
+            <a:xfrm>
+              <a:off y="3006059" x="6305479"/>
+              <a:ext cy="151078" cx="151078"/>
             </a:xfrm>
             <a:prstGeom prst="ellipse">
               <a:avLst/>
@@ -7314,14 +7314,14 @@
         </p:sp>
         <p:sp>
           <p:nvSpPr>
-            <p:cNvPr id="135" name="Point 135"/>
-            <p:cNvSpPr/>
-            <p:nvPr/>
-          </p:nvSpPr>
-          <p:spPr>
-            <a:xfrm>
-              <a:off x="6539859" y="2902874"/>
-              <a:ext cx="122921" cy="122921"/>
+            <p:cNvPr name="Point 135" id="135"/>
+            <p:cNvSpPr/>
+            <p:nvPr/>
+          </p:nvSpPr>
+          <p:spPr>
+            <a:xfrm>
+              <a:off y="2905859" x="6542931"/>
+              <a:ext cy="122921" cx="122921"/>
             </a:xfrm>
             <a:prstGeom prst="ellipse">
               <a:avLst/>
@@ -7340,14 +7340,14 @@
         </p:sp>
         <p:sp>
           <p:nvSpPr>
-            <p:cNvPr id="136" name="Point 136"/>
-            <p:cNvSpPr/>
-            <p:nvPr/>
-          </p:nvSpPr>
-          <p:spPr>
-            <a:xfrm>
-              <a:off x="9201651" y="2207940"/>
-              <a:ext cx="145664" cy="145664"/>
+            <p:cNvPr name="Point 136" id="136"/>
+            <p:cNvSpPr/>
+            <p:nvPr/>
+          </p:nvSpPr>
+          <p:spPr>
+            <a:xfrm>
+              <a:off y="2208811" x="9212035"/>
+              <a:ext cy="145664" cx="145664"/>
             </a:xfrm>
             <a:prstGeom prst="ellipse">
               <a:avLst/>
@@ -7366,14 +7366,14 @@
         </p:sp>
         <p:sp>
           <p:nvSpPr>
-            <p:cNvPr id="137" name="Point 137"/>
-            <p:cNvSpPr/>
-            <p:nvPr/>
-          </p:nvSpPr>
-          <p:spPr>
-            <a:xfrm>
-              <a:off x="9198943" y="2091305"/>
-              <a:ext cx="151079" cy="151079"/>
+            <p:cNvPr name="Point 137" id="137"/>
+            <p:cNvSpPr/>
+            <p:nvPr/>
+          </p:nvSpPr>
+          <p:spPr>
+            <a:xfrm>
+              <a:off y="2091825" x="9209328"/>
+              <a:ext cy="151078" cx="151078"/>
             </a:xfrm>
             <a:prstGeom prst="ellipse">
               <a:avLst/>
@@ -7392,14 +7392,14 @@
         </p:sp>
         <p:sp>
           <p:nvSpPr>
-            <p:cNvPr id="138" name="Point 138"/>
-            <p:cNvSpPr/>
-            <p:nvPr/>
-          </p:nvSpPr>
-          <p:spPr>
-            <a:xfrm>
-              <a:off x="5434434" y="3196085"/>
-              <a:ext cx="106134" cy="106134"/>
+            <p:cNvPr name="Point 138" id="138"/>
+            <p:cNvSpPr/>
+            <p:nvPr/>
+          </p:nvSpPr>
+          <p:spPr>
+            <a:xfrm>
+              <a:off y="3199950" x="5434459"/>
+              <a:ext cy="106134" cx="106134"/>
             </a:xfrm>
             <a:prstGeom prst="ellipse">
               <a:avLst/>
@@ -7418,14 +7418,14 @@
         </p:sp>
         <p:sp>
           <p:nvSpPr>
-            <p:cNvPr id="139" name="Point 139"/>
-            <p:cNvSpPr/>
-            <p:nvPr/>
-          </p:nvSpPr>
-          <p:spPr>
-            <a:xfrm>
-              <a:off x="7416834" y="2774868"/>
-              <a:ext cx="151079" cy="151079"/>
+            <p:cNvPr name="Point 139" id="139"/>
+            <p:cNvSpPr/>
+            <p:nvPr/>
+          </p:nvSpPr>
+          <p:spPr>
+            <a:xfrm>
+              <a:off y="2777500" x="7422344"/>
+              <a:ext cy="151078" cx="151078"/>
             </a:xfrm>
             <a:prstGeom prst="ellipse">
               <a:avLst/>
@@ -7444,14 +7444,14 @@
         </p:sp>
         <p:sp>
           <p:nvSpPr>
-            <p:cNvPr id="140" name="Point 140"/>
-            <p:cNvSpPr/>
-            <p:nvPr/>
-          </p:nvSpPr>
-          <p:spPr>
-            <a:xfrm>
-              <a:off x="4529300" y="3238969"/>
-              <a:ext cx="134292" cy="134292"/>
+            <p:cNvPr name="Point 140" id="140"/>
+            <p:cNvSpPr/>
+            <p:nvPr/>
+          </p:nvSpPr>
+          <p:spPr>
+            <a:xfrm>
+              <a:off y="3243011" x="4526888"/>
+              <a:ext cy="134292" cx="134292"/>
             </a:xfrm>
             <a:prstGeom prst="ellipse">
               <a:avLst/>
@@ -7470,14 +7470,14 @@
         </p:sp>
         <p:sp>
           <p:nvSpPr>
-            <p:cNvPr id="141" name="Point 141"/>
-            <p:cNvSpPr/>
-            <p:nvPr/>
-          </p:nvSpPr>
-          <p:spPr>
-            <a:xfrm>
-              <a:off x="9207336" y="2213625"/>
-              <a:ext cx="134292" cy="134292"/>
+            <p:cNvPr name="Point 141" id="141"/>
+            <p:cNvSpPr/>
+            <p:nvPr/>
+          </p:nvSpPr>
+          <p:spPr>
+            <a:xfrm>
+              <a:off y="2214497" x="9217721"/>
+              <a:ext cy="134292" cx="134292"/>
             </a:xfrm>
             <a:prstGeom prst="ellipse">
               <a:avLst/>
@@ -7496,14 +7496,14 @@
         </p:sp>
         <p:sp>
           <p:nvSpPr>
-            <p:cNvPr id="142" name="Point 142"/>
-            <p:cNvSpPr/>
-            <p:nvPr/>
-          </p:nvSpPr>
-          <p:spPr>
-            <a:xfrm>
-              <a:off x="6094331" y="3244655"/>
-              <a:ext cx="122921" cy="122921"/>
+            <p:cNvPr name="Point 142" id="142"/>
+            <p:cNvSpPr/>
+            <p:nvPr/>
+          </p:nvSpPr>
+          <p:spPr>
+            <a:xfrm>
+              <a:off y="3248697" x="6096185"/>
+              <a:ext cy="122921" cx="122921"/>
             </a:xfrm>
             <a:prstGeom prst="ellipse">
               <a:avLst/>
@@ -7522,14 +7522,14 @@
         </p:sp>
         <p:sp>
           <p:nvSpPr>
-            <p:cNvPr id="143" name="Point 143"/>
-            <p:cNvSpPr/>
-            <p:nvPr/>
-          </p:nvSpPr>
-          <p:spPr>
-            <a:xfrm>
-              <a:off x="6976857" y="2780418"/>
-              <a:ext cx="139978" cy="139978"/>
+            <p:cNvPr name="Point 143" id="143"/>
+            <p:cNvSpPr/>
+            <p:nvPr/>
+          </p:nvSpPr>
+          <p:spPr>
+            <a:xfrm>
+              <a:off y="2783051" x="6981148"/>
+              <a:ext cy="139978" cx="139978"/>
             </a:xfrm>
             <a:prstGeom prst="ellipse">
               <a:avLst/>
@@ -7548,14 +7548,14 @@
         </p:sp>
         <p:sp>
           <p:nvSpPr>
-            <p:cNvPr id="144" name="Point 144"/>
-            <p:cNvSpPr/>
-            <p:nvPr/>
-          </p:nvSpPr>
-          <p:spPr>
-            <a:xfrm>
-              <a:off x="8099204" y="2618056"/>
-              <a:ext cx="122921" cy="122921"/>
+            <p:cNvPr name="Point 144" id="144"/>
+            <p:cNvSpPr/>
+            <p:nvPr/>
+          </p:nvSpPr>
+          <p:spPr>
+            <a:xfrm>
+              <a:off y="2620160" x="8106542"/>
+              <a:ext cy="122921" cx="122921"/>
             </a:xfrm>
             <a:prstGeom prst="ellipse">
               <a:avLst/>
@@ -7574,14 +7574,14 @@
         </p:sp>
         <p:sp>
           <p:nvSpPr>
-            <p:cNvPr id="145" name="Point 145"/>
-            <p:cNvSpPr/>
-            <p:nvPr/>
-          </p:nvSpPr>
-          <p:spPr>
-            <a:xfrm>
-              <a:off x="5871568" y="3301618"/>
-              <a:ext cx="122921" cy="122921"/>
+            <p:cNvPr name="Point 145" id="145"/>
+            <p:cNvSpPr/>
+            <p:nvPr/>
+          </p:nvSpPr>
+          <p:spPr>
+            <a:xfrm>
+              <a:off y="3305836" x="5872812"/>
+              <a:ext cy="122921" cx="122921"/>
             </a:xfrm>
             <a:prstGeom prst="ellipse">
               <a:avLst/>
@@ -7600,14 +7600,14 @@
         </p:sp>
         <p:sp>
           <p:nvSpPr>
-            <p:cNvPr id="146" name="Point 146"/>
-            <p:cNvSpPr/>
-            <p:nvPr/>
-          </p:nvSpPr>
-          <p:spPr>
-            <a:xfrm>
-              <a:off x="5648804" y="3244655"/>
-              <a:ext cx="122921" cy="122921"/>
+            <p:cNvPr name="Point 146" id="146"/>
+            <p:cNvSpPr/>
+            <p:nvPr/>
+          </p:nvSpPr>
+          <p:spPr>
+            <a:xfrm>
+              <a:off y="3248697" x="5649439"/>
+              <a:ext cy="122921" cx="122921"/>
             </a:xfrm>
             <a:prstGeom prst="ellipse">
               <a:avLst/>
@@ -7626,14 +7626,14 @@
         </p:sp>
         <p:sp>
           <p:nvSpPr>
-            <p:cNvPr id="147" name="Point 147"/>
-            <p:cNvSpPr/>
-            <p:nvPr/>
-          </p:nvSpPr>
-          <p:spPr>
-            <a:xfrm>
-              <a:off x="6308566" y="2837381"/>
-              <a:ext cx="139978" cy="139978"/>
+            <p:cNvPr name="Point 147" id="147"/>
+            <p:cNvSpPr/>
+            <p:nvPr/>
+          </p:nvSpPr>
+          <p:spPr>
+            <a:xfrm>
+              <a:off y="2840190" x="6311029"/>
+              <a:ext cy="139978" cx="139978"/>
             </a:xfrm>
             <a:prstGeom prst="ellipse">
               <a:avLst/>
@@ -7652,14 +7652,14 @@
         </p:sp>
         <p:sp>
           <p:nvSpPr>
-            <p:cNvPr id="148" name="Point 148"/>
-            <p:cNvSpPr/>
-            <p:nvPr/>
-          </p:nvSpPr>
-          <p:spPr>
-            <a:xfrm>
-              <a:off x="8104890" y="2737669"/>
-              <a:ext cx="111549" cy="111549"/>
+            <p:cNvPr name="Point 148" id="148"/>
+            <p:cNvSpPr/>
+            <p:nvPr/>
+          </p:nvSpPr>
+          <p:spPr>
+            <a:xfrm>
+              <a:off y="2740126" x="8112228"/>
+              <a:ext cy="111549" cx="111549"/>
             </a:xfrm>
             <a:prstGeom prst="ellipse">
               <a:avLst/>
@@ -7678,14 +7678,14 @@
         </p:sp>
         <p:sp>
           <p:nvSpPr>
-            <p:cNvPr id="149" name="Point 149"/>
-            <p:cNvSpPr/>
-            <p:nvPr/>
-          </p:nvSpPr>
-          <p:spPr>
-            <a:xfrm>
-              <a:off x="8541888" y="2558249"/>
-              <a:ext cx="128606" cy="128606"/>
+            <p:cNvPr name="Point 149" id="149"/>
+            <p:cNvSpPr/>
+            <p:nvPr/>
+          </p:nvSpPr>
+          <p:spPr>
+            <a:xfrm>
+              <a:off y="2560178" x="8550445"/>
+              <a:ext cy="128606" cx="128606"/>
             </a:xfrm>
             <a:prstGeom prst="ellipse">
               <a:avLst/>
@@ -7704,14 +7704,14 @@
         </p:sp>
         <p:sp>
           <p:nvSpPr>
-            <p:cNvPr id="150" name="Point 150"/>
-            <p:cNvSpPr/>
-            <p:nvPr/>
-          </p:nvSpPr>
-          <p:spPr>
-            <a:xfrm>
-              <a:off x="9652864" y="2384516"/>
-              <a:ext cx="134292" cy="134292"/>
+            <p:cNvPr name="Point 150" id="150"/>
+            <p:cNvSpPr/>
+            <p:nvPr/>
+          </p:nvSpPr>
+          <p:spPr>
+            <a:xfrm>
+              <a:off y="2385916" x="9664467"/>
+              <a:ext cy="134292" cx="134292"/>
             </a:xfrm>
             <a:prstGeom prst="ellipse">
               <a:avLst/>
@@ -7730,14 +7730,14 @@
         </p:sp>
         <p:sp>
           <p:nvSpPr>
-            <p:cNvPr id="151" name="Point 151"/>
-            <p:cNvSpPr/>
-            <p:nvPr/>
-          </p:nvSpPr>
-          <p:spPr>
-            <a:xfrm>
-              <a:off x="6305723" y="2834539"/>
-              <a:ext cx="145664" cy="145664"/>
+            <p:cNvPr name="Point 151" id="151"/>
+            <p:cNvSpPr/>
+            <p:nvPr/>
+          </p:nvSpPr>
+          <p:spPr>
+            <a:xfrm>
+              <a:off y="2837348" x="6308186"/>
+              <a:ext cy="145664" cx="145664"/>
             </a:xfrm>
             <a:prstGeom prst="ellipse">
               <a:avLst/>
@@ -7756,14 +7756,14 @@
         </p:sp>
         <p:sp>
           <p:nvSpPr>
-            <p:cNvPr id="152" name="Point 152"/>
-            <p:cNvSpPr/>
-            <p:nvPr/>
-          </p:nvSpPr>
-          <p:spPr>
-            <a:xfrm>
-              <a:off x="6102724" y="3139121"/>
-              <a:ext cx="106134" cy="106134"/>
+            <p:cNvPr name="Point 152" id="152"/>
+            <p:cNvSpPr/>
+            <p:nvPr/>
+          </p:nvSpPr>
+          <p:spPr>
+            <a:xfrm>
+              <a:off y="3142811" x="6104578"/>
+              <a:ext cy="106134" cx="106134"/>
             </a:xfrm>
             <a:prstGeom prst="ellipse">
               <a:avLst/>
@@ -7782,14 +7782,14 @@
         </p:sp>
         <p:sp>
           <p:nvSpPr>
-            <p:cNvPr id="153" name="Point 153"/>
-            <p:cNvSpPr/>
-            <p:nvPr/>
-          </p:nvSpPr>
-          <p:spPr>
-            <a:xfrm>
-              <a:off x="5660040" y="2857146"/>
-              <a:ext cx="100448" cy="100448"/>
+            <p:cNvPr name="Point 153" id="153"/>
+            <p:cNvSpPr/>
+            <p:nvPr/>
+          </p:nvSpPr>
+          <p:spPr>
+            <a:xfrm>
+              <a:off y="2859955" x="5660675"/>
+              <a:ext cy="100448" cx="100448"/>
             </a:xfrm>
             <a:prstGeom prst="ellipse">
               <a:avLst/>
@@ -7808,14 +7808,14 @@
         </p:sp>
         <p:sp>
           <p:nvSpPr>
-            <p:cNvPr id="154" name="Point 154"/>
-            <p:cNvSpPr/>
-            <p:nvPr/>
-          </p:nvSpPr>
-          <p:spPr>
-            <a:xfrm>
-              <a:off x="9198943" y="2547013"/>
-              <a:ext cx="151079" cy="151079"/>
+            <p:cNvPr name="Point 154" id="154"/>
+            <p:cNvSpPr/>
+            <p:nvPr/>
+          </p:nvSpPr>
+          <p:spPr>
+            <a:xfrm>
+              <a:off y="2548942" x="9209328"/>
+              <a:ext cy="151078" cx="151078"/>
             </a:xfrm>
             <a:prstGeom prst="ellipse">
               <a:avLst/>
@@ -7834,14 +7834,14 @@
         </p:sp>
         <p:sp>
           <p:nvSpPr>
-            <p:cNvPr id="155" name="Point 155"/>
-            <p:cNvSpPr/>
-            <p:nvPr/>
-          </p:nvSpPr>
-          <p:spPr>
-            <a:xfrm>
-              <a:off x="6077409" y="2828988"/>
-              <a:ext cx="156764" cy="156764"/>
+            <p:cNvPr name="Point 155" id="155"/>
+            <p:cNvSpPr/>
+            <p:nvPr/>
+          </p:nvSpPr>
+          <p:spPr>
+            <a:xfrm>
+              <a:off y="2831797" x="6079263"/>
+              <a:ext cy="156764" cx="156764"/>
             </a:xfrm>
             <a:prstGeom prst="ellipse">
               <a:avLst/>
@@ -7860,14 +7860,14 @@
         </p:sp>
         <p:sp>
           <p:nvSpPr>
-            <p:cNvPr id="156" name="Point 156"/>
-            <p:cNvSpPr/>
-            <p:nvPr/>
-          </p:nvSpPr>
-          <p:spPr>
-            <a:xfrm>
-              <a:off x="6317095" y="2902874"/>
-              <a:ext cx="122921" cy="122921"/>
+            <p:cNvPr name="Point 156" id="156"/>
+            <p:cNvSpPr/>
+            <p:nvPr/>
+          </p:nvSpPr>
+          <p:spPr>
+            <a:xfrm>
+              <a:off y="2905859" x="6319558"/>
+              <a:ext cy="122921" cx="122921"/>
             </a:xfrm>
             <a:prstGeom prst="ellipse">
               <a:avLst/>
@@ -7886,14 +7886,14 @@
         </p:sp>
         <p:sp>
           <p:nvSpPr>
-            <p:cNvPr id="157" name="Point 157"/>
-            <p:cNvSpPr/>
-            <p:nvPr/>
-          </p:nvSpPr>
-          <p:spPr>
-            <a:xfrm>
-              <a:off x="5426040" y="3301618"/>
-              <a:ext cx="122921" cy="122921"/>
+            <p:cNvPr name="Point 157" id="157"/>
+            <p:cNvSpPr/>
+            <p:nvPr/>
+          </p:nvSpPr>
+          <p:spPr>
+            <a:xfrm>
+              <a:off y="3305836" x="5426066"/>
+              <a:ext cy="122921" cx="122921"/>
             </a:xfrm>
             <a:prstGeom prst="ellipse">
               <a:avLst/>
@@ -7912,14 +7912,14 @@
         </p:sp>
         <p:sp>
           <p:nvSpPr>
-            <p:cNvPr id="158" name="Point 158"/>
-            <p:cNvSpPr/>
-            <p:nvPr/>
-          </p:nvSpPr>
-          <p:spPr>
-            <a:xfrm>
-              <a:off x="7422384" y="2951309"/>
-              <a:ext cx="139978" cy="139978"/>
+            <p:cNvPr name="Point 158" id="158"/>
+            <p:cNvSpPr/>
+            <p:nvPr/>
+          </p:nvSpPr>
+          <p:spPr>
+            <a:xfrm>
+              <a:off y="2954470" x="7427894"/>
+              <a:ext cy="139978" cx="139978"/>
             </a:xfrm>
             <a:prstGeom prst="ellipse">
               <a:avLst/>
@@ -7938,14 +7938,14 @@
         </p:sp>
         <p:sp>
           <p:nvSpPr>
-            <p:cNvPr id="159" name="Point 159"/>
-            <p:cNvSpPr/>
-            <p:nvPr/>
-          </p:nvSpPr>
-          <p:spPr>
-            <a:xfrm>
-              <a:off x="6968464" y="2828988"/>
-              <a:ext cx="156764" cy="156764"/>
+            <p:cNvPr name="Point 159" id="159"/>
+            <p:cNvSpPr/>
+            <p:nvPr/>
+          </p:nvSpPr>
+          <p:spPr>
+            <a:xfrm>
+              <a:off y="2831797" x="6972755"/>
+              <a:ext cy="156764" cx="156764"/>
             </a:xfrm>
             <a:prstGeom prst="ellipse">
               <a:avLst/>
@@ -7964,14 +7964,14 @@
         </p:sp>
         <p:sp>
           <p:nvSpPr>
-            <p:cNvPr id="160" name="Point 160"/>
-            <p:cNvSpPr/>
-            <p:nvPr/>
-          </p:nvSpPr>
-          <p:spPr>
-            <a:xfrm>
-              <a:off x="7416834" y="3116649"/>
-              <a:ext cx="151079" cy="151079"/>
+            <p:cNvPr name="Point 160" id="160"/>
+            <p:cNvSpPr/>
+            <p:nvPr/>
+          </p:nvSpPr>
+          <p:spPr>
+            <a:xfrm>
+              <a:off y="3120338" x="7422344"/>
+              <a:ext cy="151078" cx="151078"/>
             </a:xfrm>
             <a:prstGeom prst="ellipse">
               <a:avLst/>
@@ -7990,14 +7990,14 @@
         </p:sp>
         <p:sp>
           <p:nvSpPr>
-            <p:cNvPr id="161" name="Point 161"/>
-            <p:cNvSpPr/>
-            <p:nvPr/>
-          </p:nvSpPr>
-          <p:spPr>
-            <a:xfrm>
-              <a:off x="4977670" y="3127885"/>
-              <a:ext cx="128606" cy="128606"/>
+            <p:cNvPr name="Point 161" id="161"/>
+            <p:cNvSpPr/>
+            <p:nvPr/>
+          </p:nvSpPr>
+          <p:spPr>
+            <a:xfrm>
+              <a:off y="3131575" x="4976477"/>
+              <a:ext cy="128606" cx="128606"/>
             </a:xfrm>
             <a:prstGeom prst="ellipse">
               <a:avLst/>
@@ -8016,14 +8016,14 @@
         </p:sp>
         <p:sp>
           <p:nvSpPr>
-            <p:cNvPr id="162" name="Point 162"/>
-            <p:cNvSpPr/>
-            <p:nvPr/>
-          </p:nvSpPr>
-          <p:spPr>
-            <a:xfrm>
-              <a:off x="7194070" y="2660940"/>
-              <a:ext cx="151079" cy="151079"/>
+            <p:cNvPr name="Point 162" id="162"/>
+            <p:cNvSpPr/>
+            <p:nvPr/>
+          </p:nvSpPr>
+          <p:spPr>
+            <a:xfrm>
+              <a:off y="2663221" x="7198971"/>
+              <a:ext cy="151078" cx="151078"/>
             </a:xfrm>
             <a:prstGeom prst="ellipse">
               <a:avLst/>
@@ -8042,14 +8042,14 @@
         </p:sp>
         <p:sp>
           <p:nvSpPr>
-            <p:cNvPr id="163" name="Point 163"/>
-            <p:cNvSpPr/>
-            <p:nvPr/>
-          </p:nvSpPr>
-          <p:spPr>
-            <a:xfrm>
-              <a:off x="6965621" y="2769182"/>
-              <a:ext cx="162450" cy="162450"/>
+            <p:cNvPr name="Point 163" id="163"/>
+            <p:cNvSpPr/>
+            <p:nvPr/>
+          </p:nvSpPr>
+          <p:spPr>
+            <a:xfrm>
+              <a:off y="2771815" x="6969912"/>
+              <a:ext cy="162450" cx="162450"/>
             </a:xfrm>
             <a:prstGeom prst="ellipse">
               <a:avLst/>
@@ -8068,14 +8068,14 @@
         </p:sp>
         <p:sp>
           <p:nvSpPr>
-            <p:cNvPr id="164" name="Point 164"/>
-            <p:cNvSpPr/>
-            <p:nvPr/>
-          </p:nvSpPr>
-          <p:spPr>
-            <a:xfrm>
-              <a:off x="6971307" y="3059685"/>
-              <a:ext cx="151079" cy="151079"/>
+            <p:cNvPr name="Point 164" id="164"/>
+            <p:cNvSpPr/>
+            <p:nvPr/>
+          </p:nvSpPr>
+          <p:spPr>
+            <a:xfrm>
+              <a:off y="3063199" x="6975598"/>
+              <a:ext cy="151078" cx="151078"/>
             </a:xfrm>
             <a:prstGeom prst="ellipse">
               <a:avLst/>
@@ -8094,14 +8094,14 @@
         </p:sp>
         <p:sp>
           <p:nvSpPr>
-            <p:cNvPr id="165" name="Point 165"/>
-            <p:cNvSpPr/>
-            <p:nvPr/>
-          </p:nvSpPr>
-          <p:spPr>
-            <a:xfrm>
-              <a:off x="6091488" y="3184848"/>
-              <a:ext cx="128606" cy="128606"/>
+            <p:cNvPr name="Point 165" id="165"/>
+            <p:cNvSpPr/>
+            <p:nvPr/>
+          </p:nvSpPr>
+          <p:spPr>
+            <a:xfrm>
+              <a:off y="3188714" x="6093342"/>
+              <a:ext cy="128606" cx="128606"/>
             </a:xfrm>
             <a:prstGeom prst="ellipse">
               <a:avLst/>
@@ -8120,14 +8120,14 @@
         </p:sp>
         <p:sp>
           <p:nvSpPr>
-            <p:cNvPr id="166" name="Point 166"/>
-            <p:cNvSpPr/>
-            <p:nvPr/>
-          </p:nvSpPr>
-          <p:spPr>
-            <a:xfrm>
-              <a:off x="6534173" y="3068078"/>
-              <a:ext cx="134292" cy="134292"/>
+            <p:cNvPr name="Point 166" id="166"/>
+            <p:cNvSpPr/>
+            <p:nvPr/>
+          </p:nvSpPr>
+          <p:spPr>
+            <a:xfrm>
+              <a:off y="3071592" x="6537245"/>
+              <a:ext cy="134292" cx="134292"/>
             </a:xfrm>
             <a:prstGeom prst="ellipse">
               <a:avLst/>
@@ -8146,14 +8146,14 @@
         </p:sp>
         <p:sp>
           <p:nvSpPr>
-            <p:cNvPr id="167" name="Point 167"/>
-            <p:cNvSpPr/>
-            <p:nvPr/>
-          </p:nvSpPr>
-          <p:spPr>
-            <a:xfrm>
-              <a:off x="5857489" y="2945758"/>
-              <a:ext cx="151079" cy="151079"/>
+            <p:cNvPr name="Point 167" id="167"/>
+            <p:cNvSpPr/>
+            <p:nvPr/>
+          </p:nvSpPr>
+          <p:spPr>
+            <a:xfrm>
+              <a:off y="2948919" x="5858733"/>
+              <a:ext cy="151078" cx="151078"/>
             </a:xfrm>
             <a:prstGeom prst="ellipse">
               <a:avLst/>
@@ -8172,14 +8172,14 @@
         </p:sp>
         <p:sp>
           <p:nvSpPr>
-            <p:cNvPr id="168" name="Point 168"/>
-            <p:cNvSpPr/>
-            <p:nvPr/>
-          </p:nvSpPr>
-          <p:spPr>
-            <a:xfrm>
-              <a:off x="5203277" y="3130728"/>
-              <a:ext cx="122921" cy="122921"/>
+            <p:cNvPr name="Point 168" id="168"/>
+            <p:cNvSpPr/>
+            <p:nvPr/>
+          </p:nvSpPr>
+          <p:spPr>
+            <a:xfrm>
+              <a:off y="3134417" x="5202693"/>
+              <a:ext cy="122921" cx="122921"/>
             </a:xfrm>
             <a:prstGeom prst="ellipse">
               <a:avLst/>
@@ -8198,14 +8198,14 @@
         </p:sp>
         <p:sp>
           <p:nvSpPr>
-            <p:cNvPr id="169" name="Text 169"/>
+            <p:cNvPr name="Text 169" id="169"/>
             <p:cNvSpPr/>
             <p:nvPr/>
           </p:nvSpPr>
           <p:spPr>
             <a:xfrm rot="0">
-              <a:off x="1082294" y="4887573"/>
-              <a:ext cx="127000" cy="121920"/>
+              <a:off y="4896722" x="1070864"/>
+              <a:ext cy="121920" cx="127000"/>
             </a:xfrm>
             <a:prstGeom prst="rect">
               <a:avLst/>
@@ -8213,12 +8213,12 @@
             <a:noFill/>
           </p:spPr>
           <p:txBody>
-            <a:bodyPr lIns="0" tIns="0" rIns="0" bIns="0" anchor="b">
+            <a:bodyPr anchor="b" bIns="0" rIns="0" tIns="0" lIns="0">
               <a:spAutoFit/>
             </a:bodyPr>
             <a:lstStyle/>
             <a:p>
-              <a:pPr marL="0" marR="0" indent="0" algn="r">
+              <a:pPr algn="r" indent="0" marR="0" marL="0">
                 <a:lnSpc>
                   <a:spcPts val="960"/>
                 </a:lnSpc>
@@ -8246,14 +8246,14 @@
         </p:sp>
         <p:sp>
           <p:nvSpPr>
-            <p:cNvPr id="170" name="Text 170"/>
+            <p:cNvPr name="Text 170" id="170"/>
             <p:cNvSpPr/>
             <p:nvPr/>
           </p:nvSpPr>
           <p:spPr>
             <a:xfrm rot="0">
-              <a:off x="1082294" y="3748302"/>
-              <a:ext cx="127000" cy="121920"/>
+              <a:off y="3753929" x="1070864"/>
+              <a:ext cy="121920" cx="127000"/>
             </a:xfrm>
             <a:prstGeom prst="rect">
               <a:avLst/>
@@ -8261,12 +8261,12 @@
             <a:noFill/>
           </p:spPr>
           <p:txBody>
-            <a:bodyPr lIns="0" tIns="0" rIns="0" bIns="0" anchor="b">
+            <a:bodyPr anchor="b" bIns="0" rIns="0" tIns="0" lIns="0">
               <a:spAutoFit/>
             </a:bodyPr>
             <a:lstStyle/>
             <a:p>
-              <a:pPr marL="0" marR="0" indent="0" algn="r">
+              <a:pPr algn="r" indent="0" marR="0" marL="0">
                 <a:lnSpc>
                   <a:spcPts val="960"/>
                 </a:lnSpc>
@@ -8294,14 +8294,14 @@
         </p:sp>
         <p:sp>
           <p:nvSpPr>
-            <p:cNvPr id="171" name="Text 171"/>
+            <p:cNvPr name="Text 171" id="171"/>
             <p:cNvSpPr/>
             <p:nvPr/>
           </p:nvSpPr>
           <p:spPr>
             <a:xfrm rot="0">
-              <a:off x="1082294" y="2609031"/>
-              <a:ext cx="127000" cy="121920"/>
+              <a:off y="2611136" x="1070864"/>
+              <a:ext cy="121920" cx="127000"/>
             </a:xfrm>
             <a:prstGeom prst="rect">
               <a:avLst/>
@@ -8309,12 +8309,12 @@
             <a:noFill/>
           </p:spPr>
           <p:txBody>
-            <a:bodyPr lIns="0" tIns="0" rIns="0" bIns="0" anchor="b">
+            <a:bodyPr anchor="b" bIns="0" rIns="0" tIns="0" lIns="0">
               <a:spAutoFit/>
             </a:bodyPr>
             <a:lstStyle/>
             <a:p>
-              <a:pPr marL="0" marR="0" indent="0" algn="r">
+              <a:pPr algn="r" indent="0" marR="0" marL="0">
                 <a:lnSpc>
                   <a:spcPts val="960"/>
                 </a:lnSpc>
@@ -8342,24 +8342,24 @@
         </p:sp>
         <p:sp>
           <p:nvSpPr>
-            <p:cNvPr id="172" name="Polyline form 172"/>
-            <p:cNvSpPr/>
-            <p:nvPr/>
-          </p:nvSpPr>
-          <p:spPr>
-            <a:xfrm>
-              <a:off x="1245394" y="4958058"/>
-              <a:ext cx="54150" cy="0"/>
+            <p:cNvPr name="Polyline form 172" id="172"/>
+            <p:cNvSpPr/>
+            <p:nvPr/>
+          </p:nvSpPr>
+          <p:spPr>
+            <a:xfrm>
+              <a:off y="4967207" x="1233964"/>
+              <a:ext cy="0" cx="54150"/>
             </a:xfrm>
             <a:custGeom>
               <a:avLst/>
               <a:pathLst>
-                <a:path w="54150" h="0">
+                <a:path h="0" w="54150">
                   <a:moveTo>
-                    <a:pt x="0" y="0"/>
+                    <a:pt y="0" x="0"/>
                   </a:moveTo>
                   <a:lnTo>
-                    <a:pt x="54150" y="0"/>
+                    <a:pt y="0" x="54150"/>
                   </a:lnTo>
                 </a:path>
               </a:pathLst>
@@ -8382,24 +8382,24 @@
         </p:sp>
         <p:sp>
           <p:nvSpPr>
-            <p:cNvPr id="173" name="Polyline form 173"/>
-            <p:cNvSpPr/>
-            <p:nvPr/>
-          </p:nvSpPr>
-          <p:spPr>
-            <a:xfrm>
-              <a:off x="1245394" y="3818787"/>
-              <a:ext cx="54150" cy="0"/>
+            <p:cNvPr name="Polyline form 173" id="173"/>
+            <p:cNvSpPr/>
+            <p:nvPr/>
+          </p:nvSpPr>
+          <p:spPr>
+            <a:xfrm>
+              <a:off y="3824414" x="1233964"/>
+              <a:ext cy="0" cx="54150"/>
             </a:xfrm>
             <a:custGeom>
               <a:avLst/>
               <a:pathLst>
-                <a:path w="54150" h="0">
+                <a:path h="0" w="54150">
                   <a:moveTo>
-                    <a:pt x="0" y="0"/>
+                    <a:pt y="0" x="0"/>
                   </a:moveTo>
                   <a:lnTo>
-                    <a:pt x="54150" y="0"/>
+                    <a:pt y="0" x="54150"/>
                   </a:lnTo>
                 </a:path>
               </a:pathLst>
@@ -8422,24 +8422,24 @@
         </p:sp>
         <p:sp>
           <p:nvSpPr>
-            <p:cNvPr id="174" name="Polyline form 174"/>
-            <p:cNvSpPr/>
-            <p:nvPr/>
-          </p:nvSpPr>
-          <p:spPr>
-            <a:xfrm>
-              <a:off x="1245394" y="2679516"/>
-              <a:ext cx="54150" cy="0"/>
+            <p:cNvPr name="Polyline form 174" id="174"/>
+            <p:cNvSpPr/>
+            <p:nvPr/>
+          </p:nvSpPr>
+          <p:spPr>
+            <a:xfrm>
+              <a:off y="2681621" x="1233964"/>
+              <a:ext cy="0" cx="54150"/>
             </a:xfrm>
             <a:custGeom>
               <a:avLst/>
               <a:pathLst>
-                <a:path w="54150" h="0">
+                <a:path h="0" w="54150">
                   <a:moveTo>
-                    <a:pt x="0" y="0"/>
+                    <a:pt y="0" x="0"/>
                   </a:moveTo>
                   <a:lnTo>
-                    <a:pt x="54150" y="0"/>
+                    <a:pt y="0" x="54150"/>
                   </a:lnTo>
                 </a:path>
               </a:pathLst>
@@ -8462,24 +8462,24 @@
         </p:sp>
         <p:sp>
           <p:nvSpPr>
-            <p:cNvPr id="175" name="Polyline form 175"/>
-            <p:cNvSpPr/>
-            <p:nvPr/>
-          </p:nvSpPr>
-          <p:spPr>
-            <a:xfrm>
-              <a:off x="3259864" y="5695736"/>
-              <a:ext cx="0" cy="54150"/>
+            <p:cNvPr name="Polyline form 175" id="175"/>
+            <p:cNvSpPr/>
+            <p:nvPr/>
+          </p:nvSpPr>
+          <p:spPr>
+            <a:xfrm>
+              <a:off y="5707166" x="3253796"/>
+              <a:ext cy="54150" cx="0"/>
             </a:xfrm>
             <a:custGeom>
               <a:avLst/>
               <a:pathLst>
-                <a:path w="0" h="54150">
+                <a:path h="54150" w="0">
                   <a:moveTo>
-                    <a:pt x="0" y="54150"/>
+                    <a:pt y="54150" x="0"/>
                   </a:moveTo>
                   <a:lnTo>
-                    <a:pt x="0" y="0"/>
+                    <a:pt y="0" x="0"/>
                   </a:lnTo>
                 </a:path>
               </a:pathLst>
@@ -8502,24 +8502,24 @@
         </p:sp>
         <p:sp>
           <p:nvSpPr>
-            <p:cNvPr id="176" name="Polyline form 176"/>
-            <p:cNvSpPr/>
-            <p:nvPr/>
-          </p:nvSpPr>
-          <p:spPr>
-            <a:xfrm>
-              <a:off x="5487501" y="5695736"/>
-              <a:ext cx="0" cy="54150"/>
+            <p:cNvPr name="Polyline form 176" id="176"/>
+            <p:cNvSpPr/>
+            <p:nvPr/>
+          </p:nvSpPr>
+          <p:spPr>
+            <a:xfrm>
+              <a:off y="5707166" x="5487526"/>
+              <a:ext cy="54150" cx="0"/>
             </a:xfrm>
             <a:custGeom>
               <a:avLst/>
               <a:pathLst>
-                <a:path w="0" h="54150">
+                <a:path h="54150" w="0">
                   <a:moveTo>
-                    <a:pt x="0" y="54150"/>
+                    <a:pt y="54150" x="0"/>
                   </a:moveTo>
                   <a:lnTo>
-                    <a:pt x="0" y="0"/>
+                    <a:pt y="0" x="0"/>
                   </a:lnTo>
                 </a:path>
               </a:pathLst>
@@ -8542,24 +8542,24 @@
         </p:sp>
         <p:sp>
           <p:nvSpPr>
-            <p:cNvPr id="177" name="Polyline form 177"/>
-            <p:cNvSpPr/>
-            <p:nvPr/>
-          </p:nvSpPr>
-          <p:spPr>
-            <a:xfrm>
-              <a:off x="7715137" y="5695736"/>
-              <a:ext cx="0" cy="54150"/>
+            <p:cNvPr name="Polyline form 177" id="177"/>
+            <p:cNvSpPr/>
+            <p:nvPr/>
+          </p:nvSpPr>
+          <p:spPr>
+            <a:xfrm>
+              <a:off y="5707166" x="7721256"/>
+              <a:ext cy="54150" cx="0"/>
             </a:xfrm>
             <a:custGeom>
               <a:avLst/>
               <a:pathLst>
-                <a:path w="0" h="54150">
+                <a:path h="54150" w="0">
                   <a:moveTo>
-                    <a:pt x="0" y="54150"/>
+                    <a:pt y="54150" x="0"/>
                   </a:moveTo>
                   <a:lnTo>
-                    <a:pt x="0" y="0"/>
+                    <a:pt y="0" x="0"/>
                   </a:lnTo>
                 </a:path>
               </a:pathLst>
@@ -8582,24 +8582,24 @@
         </p:sp>
         <p:sp>
           <p:nvSpPr>
-            <p:cNvPr id="178" name="Polyline form 178"/>
-            <p:cNvSpPr/>
-            <p:nvPr/>
-          </p:nvSpPr>
-          <p:spPr>
-            <a:xfrm>
-              <a:off x="9942773" y="5695736"/>
-              <a:ext cx="0" cy="54150"/>
+            <p:cNvPr name="Polyline form 178" id="178"/>
+            <p:cNvSpPr/>
+            <p:nvPr/>
+          </p:nvSpPr>
+          <p:spPr>
+            <a:xfrm>
+              <a:off y="5707166" x="9954986"/>
+              <a:ext cy="54150" cx="0"/>
             </a:xfrm>
             <a:custGeom>
               <a:avLst/>
               <a:pathLst>
-                <a:path w="0" h="54150">
+                <a:path h="54150" w="0">
                   <a:moveTo>
-                    <a:pt x="0" y="54150"/>
+                    <a:pt y="54150" x="0"/>
                   </a:moveTo>
                   <a:lnTo>
-                    <a:pt x="0" y="0"/>
+                    <a:pt y="0" x="0"/>
                   </a:lnTo>
                 </a:path>
               </a:pathLst>
@@ -8622,14 +8622,14 @@
         </p:sp>
         <p:sp>
           <p:nvSpPr>
-            <p:cNvPr id="179" name="Text 179"/>
+            <p:cNvPr name="Text 179" id="179"/>
             <p:cNvSpPr/>
             <p:nvPr/>
           </p:nvSpPr>
           <p:spPr>
             <a:xfrm rot="0">
-              <a:off x="3196364" y="5766936"/>
-              <a:ext cx="127000" cy="121920"/>
+              <a:off y="5778366" x="3190296"/>
+              <a:ext cy="121920" cx="127000"/>
             </a:xfrm>
             <a:prstGeom prst="rect">
               <a:avLst/>
@@ -8637,12 +8637,12 @@
             <a:noFill/>
           </p:spPr>
           <p:txBody>
-            <a:bodyPr lIns="0" tIns="0" rIns="0" bIns="0" anchor="b">
+            <a:bodyPr anchor="b" bIns="0" rIns="0" tIns="0" lIns="0">
               <a:spAutoFit/>
             </a:bodyPr>
             <a:lstStyle/>
             <a:p>
-              <a:pPr marL="0" marR="0" indent="0" algn="ctr">
+              <a:pPr algn="ctr" indent="0" marR="0" marL="0">
                 <a:lnSpc>
                   <a:spcPts val="960"/>
                 </a:lnSpc>
@@ -8670,14 +8670,14 @@
         </p:sp>
         <p:sp>
           <p:nvSpPr>
-            <p:cNvPr id="180" name="Text 180"/>
+            <p:cNvPr name="Text 180" id="180"/>
             <p:cNvSpPr/>
             <p:nvPr/>
           </p:nvSpPr>
           <p:spPr>
             <a:xfrm rot="0">
-              <a:off x="5424001" y="5766936"/>
-              <a:ext cx="127000" cy="121920"/>
+              <a:off y="5778366" x="5424026"/>
+              <a:ext cy="121920" cx="127000"/>
             </a:xfrm>
             <a:prstGeom prst="rect">
               <a:avLst/>
@@ -8685,12 +8685,12 @@
             <a:noFill/>
           </p:spPr>
           <p:txBody>
-            <a:bodyPr lIns="0" tIns="0" rIns="0" bIns="0" anchor="b">
+            <a:bodyPr anchor="b" bIns="0" rIns="0" tIns="0" lIns="0">
               <a:spAutoFit/>
             </a:bodyPr>
             <a:lstStyle/>
             <a:p>
-              <a:pPr marL="0" marR="0" indent="0" algn="ctr">
+              <a:pPr algn="ctr" indent="0" marR="0" marL="0">
                 <a:lnSpc>
                   <a:spcPts val="960"/>
                 </a:lnSpc>
@@ -8718,14 +8718,14 @@
         </p:sp>
         <p:sp>
           <p:nvSpPr>
-            <p:cNvPr id="181" name="Text 181"/>
+            <p:cNvPr name="Text 181" id="181"/>
             <p:cNvSpPr/>
             <p:nvPr/>
           </p:nvSpPr>
           <p:spPr>
             <a:xfrm rot="0">
-              <a:off x="7651637" y="5766936"/>
-              <a:ext cx="127000" cy="121920"/>
+              <a:off y="5778366" x="7657756"/>
+              <a:ext cy="121920" cx="127000"/>
             </a:xfrm>
             <a:prstGeom prst="rect">
               <a:avLst/>
@@ -8733,12 +8733,12 @@
             <a:noFill/>
           </p:spPr>
           <p:txBody>
-            <a:bodyPr lIns="0" tIns="0" rIns="0" bIns="0" anchor="b">
+            <a:bodyPr anchor="b" bIns="0" rIns="0" tIns="0" lIns="0">
               <a:spAutoFit/>
             </a:bodyPr>
             <a:lstStyle/>
             <a:p>
-              <a:pPr marL="0" marR="0" indent="0" algn="ctr">
+              <a:pPr algn="ctr" indent="0" marR="0" marL="0">
                 <a:lnSpc>
                   <a:spcPts val="960"/>
                 </a:lnSpc>
@@ -8766,14 +8766,14 @@
         </p:sp>
         <p:sp>
           <p:nvSpPr>
-            <p:cNvPr id="182" name="Text 182"/>
+            <p:cNvPr name="Text 182" id="182"/>
             <p:cNvSpPr/>
             <p:nvPr/>
           </p:nvSpPr>
           <p:spPr>
             <a:xfrm rot="0">
-              <a:off x="9879273" y="5766936"/>
-              <a:ext cx="127000" cy="121920"/>
+              <a:off y="5778366" x="9891486"/>
+              <a:ext cy="121920" cx="127000"/>
             </a:xfrm>
             <a:prstGeom prst="rect">
               <a:avLst/>
@@ -8781,12 +8781,12 @@
             <a:noFill/>
           </p:spPr>
           <p:txBody>
-            <a:bodyPr lIns="0" tIns="0" rIns="0" bIns="0" anchor="b">
+            <a:bodyPr anchor="b" bIns="0" rIns="0" tIns="0" lIns="0">
               <a:spAutoFit/>
             </a:bodyPr>
             <a:lstStyle/>
             <a:p>
-              <a:pPr marL="0" marR="0" indent="0" algn="ctr">
+              <a:pPr algn="ctr" indent="0" marR="0" marL="0">
                 <a:lnSpc>
                   <a:spcPts val="960"/>
                 </a:lnSpc>
@@ -8814,14 +8814,14 @@
         </p:sp>
         <p:sp>
           <p:nvSpPr>
-            <p:cNvPr id="183" name="Text 183"/>
+            <p:cNvPr name="Text 183" id="183"/>
             <p:cNvSpPr/>
             <p:nvPr/>
           </p:nvSpPr>
           <p:spPr>
             <a:xfrm rot="0">
-              <a:off x="5130827" y="5915642"/>
-              <a:ext cx="1158875" cy="152400"/>
+              <a:off y="5915642" x="5131462"/>
+              <a:ext cy="152400" cx="1158875"/>
             </a:xfrm>
             <a:prstGeom prst="rect">
               <a:avLst/>
@@ -8829,12 +8829,12 @@
             <a:noFill/>
           </p:spPr>
           <p:txBody>
-            <a:bodyPr lIns="0" tIns="0" rIns="0" bIns="0" anchor="b">
+            <a:bodyPr anchor="b" bIns="0" rIns="0" tIns="0" lIns="0">
               <a:spAutoFit/>
             </a:bodyPr>
             <a:lstStyle/>
             <a:p>
-              <a:pPr marL="0" marR="0" indent="0" algn="ctr">
+              <a:pPr algn="ctr" indent="0" marR="0" marL="0">
                 <a:lnSpc>
                   <a:spcPts val="1200"/>
                 </a:lnSpc>
@@ -8862,14 +8862,14 @@
         </p:sp>
         <p:sp>
           <p:nvSpPr>
-            <p:cNvPr id="184" name="Text 184"/>
+            <p:cNvPr name="Text 184" id="184"/>
             <p:cNvSpPr/>
             <p:nvPr/>
           </p:nvSpPr>
           <p:spPr>
             <a:xfrm rot="-5400000">
-              <a:off x="479880" y="3771069"/>
-              <a:ext cx="1095375" cy="152400"/>
+              <a:off y="3776784" x="468450"/>
+              <a:ext cy="152400" cx="1095375"/>
             </a:xfrm>
             <a:prstGeom prst="rect">
               <a:avLst/>
@@ -8877,12 +8877,12 @@
             <a:noFill/>
           </p:spPr>
           <p:txBody>
-            <a:bodyPr lIns="0" tIns="0" rIns="0" bIns="0" anchor="b">
+            <a:bodyPr anchor="b" bIns="0" rIns="0" tIns="0" lIns="0">
               <a:spAutoFit/>
             </a:bodyPr>
             <a:lstStyle/>
             <a:p>
-              <a:pPr marL="0" marR="0" indent="0" algn="ctr">
+              <a:pPr algn="ctr" indent="0" marR="0" marL="0">
                 <a:lnSpc>
                   <a:spcPts val="1200"/>
                 </a:lnSpc>
@@ -8910,14 +8910,14 @@
         </p:sp>
         <p:sp>
           <p:nvSpPr>
-            <p:cNvPr id="185" name="Rectangle 185"/>
-            <p:cNvSpPr/>
-            <p:nvPr/>
-          </p:nvSpPr>
-          <p:spPr>
-            <a:xfrm>
-              <a:off x="10241137" y="2729297"/>
-              <a:ext cx="855943" cy="866782"/>
+            <p:cNvPr name="Rectangle 185" id="185"/>
+            <p:cNvSpPr/>
+            <p:nvPr/>
+          </p:nvSpPr>
+          <p:spPr>
+            <a:xfrm>
+              <a:off y="2735012" x="10253837"/>
+              <a:ext cy="866782" cx="843243"/>
             </a:xfrm>
             <a:prstGeom prst="rect">
               <a:avLst/>
@@ -8936,14 +8936,14 @@
         </p:sp>
         <p:sp>
           <p:nvSpPr>
-            <p:cNvPr id="186" name="Text 186"/>
+            <p:cNvPr name="Text 186" id="186"/>
             <p:cNvSpPr/>
             <p:nvPr/>
           </p:nvSpPr>
           <p:spPr>
             <a:xfrm rot="0">
-              <a:off x="10295287" y="2764397"/>
-              <a:ext cx="635000" cy="121920"/>
+              <a:off y="2770112" x="10307987"/>
+              <a:ext cy="121920" cx="616857"/>
             </a:xfrm>
             <a:prstGeom prst="rect">
               <a:avLst/>
@@ -8951,12 +8951,12 @@
             <a:noFill/>
           </p:spPr>
           <p:txBody>
-            <a:bodyPr lIns="0" tIns="0" rIns="0" bIns="0" anchor="b">
+            <a:bodyPr anchor="b" bIns="0" rIns="0" tIns="0" lIns="0">
               <a:spAutoFit/>
             </a:bodyPr>
             <a:lstStyle/>
             <a:p>
-              <a:pPr marL="0" marR="0" indent="0" algn="l">
+              <a:pPr algn="l" indent="0" marR="0" marL="0">
                 <a:lnSpc>
                   <a:spcPts val="960"/>
                 </a:lnSpc>
@@ -8968,7 +8968,7 @@
                 </a:spcAft>
               </a:pPr>
               <a:r>
-                <a:rPr sz="960" b="true">
+                <a:rPr b="true" sz="960">
                   <a:solidFill>
                     <a:srgbClr val="000000">
                       <a:alpha val="100000"/>
@@ -8984,14 +8984,14 @@
         </p:sp>
         <p:sp>
           <p:nvSpPr>
-            <p:cNvPr id="187" name="Rectangle 187"/>
-            <p:cNvSpPr/>
-            <p:nvPr/>
-          </p:nvSpPr>
-          <p:spPr>
-            <a:xfrm>
-              <a:off x="10295287" y="2936748"/>
-              <a:ext cx="201727" cy="201727"/>
+            <p:cNvPr name="Rectangle 187" id="187"/>
+            <p:cNvSpPr/>
+            <p:nvPr/>
+          </p:nvSpPr>
+          <p:spPr>
+            <a:xfrm>
+              <a:off y="2942463" x="10307987"/>
+              <a:ext cy="201727" cx="201727"/>
             </a:xfrm>
             <a:prstGeom prst="rect">
               <a:avLst/>
@@ -9019,14 +9019,14 @@
         </p:sp>
         <p:sp>
           <p:nvSpPr>
-            <p:cNvPr id="188" name="Point 188"/>
-            <p:cNvSpPr/>
-            <p:nvPr/>
-          </p:nvSpPr>
-          <p:spPr>
-            <a:xfrm>
-              <a:off x="10369076" y="3010537"/>
-              <a:ext cx="54150" cy="54150"/>
+            <p:cNvPr name="Point 188" id="188"/>
+            <p:cNvSpPr/>
+            <p:nvPr/>
+          </p:nvSpPr>
+          <p:spPr>
+            <a:xfrm>
+              <a:off y="3016252" x="10381776"/>
+              <a:ext cy="54150" cx="54150"/>
             </a:xfrm>
             <a:prstGeom prst="ellipse">
               <a:avLst/>
@@ -9045,14 +9045,14 @@
         </p:sp>
         <p:sp>
           <p:nvSpPr>
-            <p:cNvPr id="189" name="Rectangle 189"/>
-            <p:cNvSpPr/>
-            <p:nvPr/>
-          </p:nvSpPr>
-          <p:spPr>
-            <a:xfrm>
-              <a:off x="10295287" y="3138475"/>
-              <a:ext cx="201727" cy="201727"/>
+            <p:cNvPr name="Rectangle 189" id="189"/>
+            <p:cNvSpPr/>
+            <p:nvPr/>
+          </p:nvSpPr>
+          <p:spPr>
+            <a:xfrm>
+              <a:off y="3144190" x="10307987"/>
+              <a:ext cy="201727" cx="201727"/>
             </a:xfrm>
             <a:prstGeom prst="rect">
               <a:avLst/>
@@ -9080,14 +9080,14 @@
         </p:sp>
         <p:sp>
           <p:nvSpPr>
-            <p:cNvPr id="190" name="Point 190"/>
-            <p:cNvSpPr/>
-            <p:nvPr/>
-          </p:nvSpPr>
-          <p:spPr>
-            <a:xfrm>
-              <a:off x="10369076" y="3212264"/>
-              <a:ext cx="54150" cy="54150"/>
+            <p:cNvPr name="Point 190" id="190"/>
+            <p:cNvSpPr/>
+            <p:nvPr/>
+          </p:nvSpPr>
+          <p:spPr>
+            <a:xfrm>
+              <a:off y="3217979" x="10381776"/>
+              <a:ext cy="54150" cx="54150"/>
             </a:xfrm>
             <a:prstGeom prst="ellipse">
               <a:avLst/>
@@ -9106,14 +9106,14 @@
         </p:sp>
         <p:sp>
           <p:nvSpPr>
-            <p:cNvPr id="191" name="Rectangle 191"/>
-            <p:cNvSpPr/>
-            <p:nvPr/>
-          </p:nvSpPr>
-          <p:spPr>
-            <a:xfrm>
-              <a:off x="10295287" y="3340202"/>
-              <a:ext cx="201727" cy="201727"/>
+            <p:cNvPr name="Rectangle 191" id="191"/>
+            <p:cNvSpPr/>
+            <p:nvPr/>
+          </p:nvSpPr>
+          <p:spPr>
+            <a:xfrm>
+              <a:off y="3345917" x="10307987"/>
+              <a:ext cy="201727" cx="201727"/>
             </a:xfrm>
             <a:prstGeom prst="rect">
               <a:avLst/>
@@ -9141,14 +9141,14 @@
         </p:sp>
         <p:sp>
           <p:nvSpPr>
-            <p:cNvPr id="192" name="Point 192"/>
-            <p:cNvSpPr/>
-            <p:nvPr/>
-          </p:nvSpPr>
-          <p:spPr>
-            <a:xfrm>
-              <a:off x="10369076" y="3413990"/>
-              <a:ext cx="54150" cy="54150"/>
+            <p:cNvPr name="Point 192" id="192"/>
+            <p:cNvSpPr/>
+            <p:nvPr/>
+          </p:nvSpPr>
+          <p:spPr>
+            <a:xfrm>
+              <a:off y="3419705" x="10381776"/>
+              <a:ext cy="54150" cx="54150"/>
             </a:xfrm>
             <a:prstGeom prst="ellipse">
               <a:avLst/>
@@ -9167,14 +9167,14 @@
         </p:sp>
         <p:sp>
           <p:nvSpPr>
-            <p:cNvPr id="193" name="Text 193"/>
+            <p:cNvPr name="Text 193" id="193"/>
             <p:cNvSpPr/>
             <p:nvPr/>
           </p:nvSpPr>
           <p:spPr>
             <a:xfrm rot="0">
-              <a:off x="10522230" y="2967127"/>
-              <a:ext cx="533400" cy="121920"/>
+              <a:off y="2972842" x="10534930"/>
+              <a:ext cy="121920" cx="533400"/>
             </a:xfrm>
             <a:prstGeom prst="rect">
               <a:avLst/>
@@ -9182,12 +9182,12 @@
             <a:noFill/>
           </p:spPr>
           <p:txBody>
-            <a:bodyPr lIns="0" tIns="0" rIns="0" bIns="0" anchor="b">
+            <a:bodyPr anchor="b" bIns="0" rIns="0" tIns="0" lIns="0">
               <a:spAutoFit/>
             </a:bodyPr>
             <a:lstStyle/>
             <a:p>
-              <a:pPr marL="0" marR="0" indent="0" algn="l">
+              <a:pPr algn="l" indent="0" marR="0" marL="0">
                 <a:lnSpc>
                   <a:spcPts val="960"/>
                 </a:lnSpc>
@@ -9215,14 +9215,14 @@
         </p:sp>
         <p:sp>
           <p:nvSpPr>
-            <p:cNvPr id="194" name="Text 194"/>
+            <p:cNvPr name="Text 194" id="194"/>
             <p:cNvSpPr/>
             <p:nvPr/>
           </p:nvSpPr>
           <p:spPr>
             <a:xfrm rot="0">
-              <a:off x="10522230" y="3168854"/>
-              <a:ext cx="676910" cy="121920"/>
+              <a:off y="3174569" x="10534930"/>
+              <a:ext cy="121920" cx="660400"/>
             </a:xfrm>
             <a:prstGeom prst="rect">
               <a:avLst/>
@@ -9230,12 +9230,12 @@
             <a:noFill/>
           </p:spPr>
           <p:txBody>
-            <a:bodyPr lIns="0" tIns="0" rIns="0" bIns="0" anchor="b">
+            <a:bodyPr anchor="b" bIns="0" rIns="0" tIns="0" lIns="0">
               <a:spAutoFit/>
             </a:bodyPr>
             <a:lstStyle/>
             <a:p>
-              <a:pPr marL="0" marR="0" indent="0" algn="l">
+              <a:pPr algn="l" indent="0" marR="0" marL="0">
                 <a:lnSpc>
                   <a:spcPts val="960"/>
                 </a:lnSpc>
@@ -9263,14 +9263,14 @@
         </p:sp>
         <p:sp>
           <p:nvSpPr>
-            <p:cNvPr id="195" name="Text 195"/>
+            <p:cNvPr name="Text 195" id="195"/>
             <p:cNvSpPr/>
             <p:nvPr/>
           </p:nvSpPr>
           <p:spPr>
             <a:xfrm rot="0">
-              <a:off x="10522230" y="3370580"/>
-              <a:ext cx="592667" cy="121920"/>
+              <a:off y="3376295" x="10534930"/>
+              <a:ext cy="121920" cx="575733"/>
             </a:xfrm>
             <a:prstGeom prst="rect">
               <a:avLst/>
@@ -9278,12 +9278,12 @@
             <a:noFill/>
           </p:spPr>
           <p:txBody>
-            <a:bodyPr lIns="0" tIns="0" rIns="0" bIns="0" anchor="b">
+            <a:bodyPr anchor="b" bIns="0" rIns="0" tIns="0" lIns="0">
               <a:spAutoFit/>
             </a:bodyPr>
             <a:lstStyle/>
             <a:p>
-              <a:pPr marL="0" marR="0" indent="0" algn="l">
+              <a:pPr algn="l" indent="0" marR="0" marL="0">
                 <a:lnSpc>
                   <a:spcPts val="960"/>
                 </a:lnSpc>
@@ -9311,14 +9311,14 @@
         </p:sp>
         <p:sp>
           <p:nvSpPr>
-            <p:cNvPr id="196" name="Rectangle 196"/>
-            <p:cNvSpPr/>
-            <p:nvPr/>
-          </p:nvSpPr>
-          <p:spPr>
-            <a:xfrm>
-              <a:off x="10241137" y="3680132"/>
-              <a:ext cx="768700" cy="1285109"/>
+            <p:cNvPr name="Rectangle 196" id="196"/>
+            <p:cNvSpPr/>
+            <p:nvPr/>
+          </p:nvSpPr>
+          <p:spPr>
+            <a:xfrm>
+              <a:off y="3685847" x="10253837"/>
+              <a:ext cy="1285109" cx="730600"/>
             </a:xfrm>
             <a:prstGeom prst="rect">
               <a:avLst/>
@@ -9337,14 +9337,14 @@
         </p:sp>
         <p:sp>
           <p:nvSpPr>
-            <p:cNvPr id="197" name="Text 197"/>
+            <p:cNvPr name="Text 197" id="197"/>
             <p:cNvSpPr/>
             <p:nvPr/>
           </p:nvSpPr>
           <p:spPr>
             <a:xfrm rot="0">
-              <a:off x="10295287" y="3715232"/>
-              <a:ext cx="840509" cy="121920"/>
+              <a:off y="3720947" x="10307987"/>
+              <a:ext cy="121920" cx="792018"/>
             </a:xfrm>
             <a:prstGeom prst="rect">
               <a:avLst/>
@@ -9352,12 +9352,12 @@
             <a:noFill/>
           </p:spPr>
           <p:txBody>
-            <a:bodyPr lIns="0" tIns="0" rIns="0" bIns="0" anchor="b">
+            <a:bodyPr anchor="b" bIns="0" rIns="0" tIns="0" lIns="0">
               <a:spAutoFit/>
             </a:bodyPr>
             <a:lstStyle/>
             <a:p>
-              <a:pPr marL="0" marR="0" indent="0" algn="l">
+              <a:pPr algn="l" indent="0" marR="0" marL="0">
                 <a:lnSpc>
                   <a:spcPts val="960"/>
                 </a:lnSpc>
@@ -9369,7 +9369,7 @@
                 </a:spcAft>
               </a:pPr>
               <a:r>
-                <a:rPr sz="960" b="true">
+                <a:rPr b="true" sz="960">
                   <a:solidFill>
                     <a:srgbClr val="000000">
                       <a:alpha val="100000"/>
@@ -9385,14 +9385,14 @@
         </p:sp>
         <p:sp>
           <p:nvSpPr>
-            <p:cNvPr id="198" name="Rectangle 198"/>
-            <p:cNvSpPr/>
-            <p:nvPr/>
-          </p:nvSpPr>
-          <p:spPr>
-            <a:xfrm>
-              <a:off x="10295287" y="3887583"/>
-              <a:ext cx="216600" cy="201727"/>
+            <p:cNvPr name="Rectangle 198" id="198"/>
+            <p:cNvSpPr/>
+            <p:nvPr/>
+          </p:nvSpPr>
+          <p:spPr>
+            <a:xfrm>
+              <a:off y="3893298" x="10307987"/>
+              <a:ext cy="201727" cx="216600"/>
             </a:xfrm>
             <a:prstGeom prst="rect">
               <a:avLst/>
@@ -9420,14 +9420,14 @@
         </p:sp>
         <p:sp>
           <p:nvSpPr>
-            <p:cNvPr id="199" name="Point 199"/>
-            <p:cNvSpPr/>
-            <p:nvPr/>
-          </p:nvSpPr>
-          <p:spPr>
-            <a:xfrm>
-              <a:off x="10378814" y="3963673"/>
-              <a:ext cx="49547" cy="49547"/>
+            <p:cNvPr name="Point 199" id="199"/>
+            <p:cNvSpPr/>
+            <p:nvPr/>
+          </p:nvSpPr>
+          <p:spPr>
+            <a:xfrm>
+              <a:off y="3969388" x="10391514"/>
+              <a:ext cy="49547" cx="49547"/>
             </a:xfrm>
             <a:prstGeom prst="ellipse">
               <a:avLst/>
@@ -9446,14 +9446,14 @@
         </p:sp>
         <p:sp>
           <p:nvSpPr>
-            <p:cNvPr id="200" name="Rectangle 200"/>
-            <p:cNvSpPr/>
-            <p:nvPr/>
-          </p:nvSpPr>
-          <p:spPr>
-            <a:xfrm>
-              <a:off x="10295287" y="4089310"/>
-              <a:ext cx="216600" cy="201727"/>
+            <p:cNvPr name="Rectangle 200" id="200"/>
+            <p:cNvSpPr/>
+            <p:nvPr/>
+          </p:nvSpPr>
+          <p:spPr>
+            <a:xfrm>
+              <a:off y="4095025" x="10307987"/>
+              <a:ext cy="201727" cx="216600"/>
             </a:xfrm>
             <a:prstGeom prst="rect">
               <a:avLst/>
@@ -9481,14 +9481,14 @@
         </p:sp>
         <p:sp>
           <p:nvSpPr>
-            <p:cNvPr id="201" name="Point 201"/>
-            <p:cNvSpPr/>
-            <p:nvPr/>
-          </p:nvSpPr>
-          <p:spPr>
-            <a:xfrm>
-              <a:off x="10364599" y="4151186"/>
-              <a:ext cx="77976" cy="77976"/>
+            <p:cNvPr name="Point 201" id="201"/>
+            <p:cNvSpPr/>
+            <p:nvPr/>
+          </p:nvSpPr>
+          <p:spPr>
+            <a:xfrm>
+              <a:off y="4156901" x="10377299"/>
+              <a:ext cy="77976" cx="77976"/>
             </a:xfrm>
             <a:prstGeom prst="ellipse">
               <a:avLst/>
@@ -9507,14 +9507,14 @@
         </p:sp>
         <p:sp>
           <p:nvSpPr>
-            <p:cNvPr id="202" name="Rectangle 202"/>
-            <p:cNvSpPr/>
-            <p:nvPr/>
-          </p:nvSpPr>
-          <p:spPr>
-            <a:xfrm>
-              <a:off x="10295287" y="4291037"/>
-              <a:ext cx="216600" cy="201727"/>
+            <p:cNvPr name="Rectangle 202" id="202"/>
+            <p:cNvSpPr/>
+            <p:nvPr/>
+          </p:nvSpPr>
+          <p:spPr>
+            <a:xfrm>
+              <a:off y="4296752" x="10307987"/>
+              <a:ext cy="201727" cx="216600"/>
             </a:xfrm>
             <a:prstGeom prst="rect">
               <a:avLst/>
@@ -9542,14 +9542,14 @@
         </p:sp>
         <p:sp>
           <p:nvSpPr>
-            <p:cNvPr id="203" name="Point 203"/>
-            <p:cNvSpPr/>
-            <p:nvPr/>
-          </p:nvSpPr>
-          <p:spPr>
-            <a:xfrm>
-              <a:off x="10350520" y="4338833"/>
-              <a:ext cx="106134" cy="106134"/>
+            <p:cNvPr name="Point 203" id="203"/>
+            <p:cNvSpPr/>
+            <p:nvPr/>
+          </p:nvSpPr>
+          <p:spPr>
+            <a:xfrm>
+              <a:off y="4344548" x="10363220"/>
+              <a:ext cy="106134" cx="106134"/>
             </a:xfrm>
             <a:prstGeom prst="ellipse">
               <a:avLst/>
@@ -9568,14 +9568,14 @@
         </p:sp>
         <p:sp>
           <p:nvSpPr>
-            <p:cNvPr id="204" name="Rectangle 204"/>
-            <p:cNvSpPr/>
-            <p:nvPr/>
-          </p:nvSpPr>
-          <p:spPr>
-            <a:xfrm>
-              <a:off x="10295287" y="4492764"/>
-              <a:ext cx="216600" cy="201727"/>
+            <p:cNvPr name="Rectangle 204" id="204"/>
+            <p:cNvSpPr/>
+            <p:nvPr/>
+          </p:nvSpPr>
+          <p:spPr>
+            <a:xfrm>
+              <a:off y="4498479" x="10307987"/>
+              <a:ext cy="201727" cx="216600"/>
             </a:xfrm>
             <a:prstGeom prst="rect">
               <a:avLst/>
@@ -9603,14 +9603,14 @@
         </p:sp>
         <p:sp>
           <p:nvSpPr>
-            <p:cNvPr id="205" name="Point 205"/>
-            <p:cNvSpPr/>
-            <p:nvPr/>
-          </p:nvSpPr>
-          <p:spPr>
-            <a:xfrm>
-              <a:off x="10336441" y="4526481"/>
-              <a:ext cx="134292" cy="134292"/>
+            <p:cNvPr name="Point 205" id="205"/>
+            <p:cNvSpPr/>
+            <p:nvPr/>
+          </p:nvSpPr>
+          <p:spPr>
+            <a:xfrm>
+              <a:off y="4532196" x="10349141"/>
+              <a:ext cy="134292" cx="134292"/>
             </a:xfrm>
             <a:prstGeom prst="ellipse">
               <a:avLst/>
@@ -9629,14 +9629,14 @@
         </p:sp>
         <p:sp>
           <p:nvSpPr>
-            <p:cNvPr id="206" name="Rectangle 206"/>
-            <p:cNvSpPr/>
-            <p:nvPr/>
-          </p:nvSpPr>
-          <p:spPr>
-            <a:xfrm>
-              <a:off x="10295287" y="4694491"/>
-              <a:ext cx="216600" cy="216600"/>
+            <p:cNvPr name="Rectangle 206" id="206"/>
+            <p:cNvSpPr/>
+            <p:nvPr/>
+          </p:nvSpPr>
+          <p:spPr>
+            <a:xfrm>
+              <a:off y="4700206" x="10307987"/>
+              <a:ext cy="216600" cx="216600"/>
             </a:xfrm>
             <a:prstGeom prst="rect">
               <a:avLst/>
@@ -9664,14 +9664,14 @@
         </p:sp>
         <p:sp>
           <p:nvSpPr>
-            <p:cNvPr id="207" name="Point 207"/>
-            <p:cNvSpPr/>
-            <p:nvPr/>
-          </p:nvSpPr>
-          <p:spPr>
-            <a:xfrm>
-              <a:off x="10322362" y="4721566"/>
-              <a:ext cx="162450" cy="162450"/>
+            <p:cNvPr name="Point 207" id="207"/>
+            <p:cNvSpPr/>
+            <p:nvPr/>
+          </p:nvSpPr>
+          <p:spPr>
+            <a:xfrm>
+              <a:off y="4727281" x="10335062"/>
+              <a:ext cy="162450" cx="162450"/>
             </a:xfrm>
             <a:prstGeom prst="ellipse">
               <a:avLst/>
@@ -9690,14 +9690,14 @@
         </p:sp>
         <p:sp>
           <p:nvSpPr>
-            <p:cNvPr id="208" name="Text 208"/>
+            <p:cNvPr name="Text 208" id="208"/>
             <p:cNvSpPr/>
             <p:nvPr/>
           </p:nvSpPr>
           <p:spPr>
             <a:xfrm rot="0">
-              <a:off x="10537103" y="3917962"/>
-              <a:ext cx="330200" cy="121920"/>
+              <a:off y="3923677" x="10549803"/>
+              <a:ext cy="121920" cx="330200"/>
             </a:xfrm>
             <a:prstGeom prst="rect">
               <a:avLst/>
@@ -9705,12 +9705,12 @@
             <a:noFill/>
           </p:spPr>
           <p:txBody>
-            <a:bodyPr lIns="0" tIns="0" rIns="0" bIns="0" anchor="b">
+            <a:bodyPr anchor="b" bIns="0" rIns="0" tIns="0" lIns="0">
               <a:spAutoFit/>
             </a:bodyPr>
             <a:lstStyle/>
             <a:p>
-              <a:pPr marL="0" marR="0" indent="0" algn="l">
+              <a:pPr algn="l" indent="0" marR="0" marL="0">
                 <a:lnSpc>
                   <a:spcPts val="960"/>
                 </a:lnSpc>
@@ -9738,14 +9738,14 @@
         </p:sp>
         <p:sp>
           <p:nvSpPr>
-            <p:cNvPr id="209" name="Text 209"/>
+            <p:cNvPr name="Text 209" id="209"/>
             <p:cNvSpPr/>
             <p:nvPr/>
           </p:nvSpPr>
           <p:spPr>
             <a:xfrm rot="0">
-              <a:off x="10537103" y="4119689"/>
-              <a:ext cx="330200" cy="121920"/>
+              <a:off y="4125404" x="10549803"/>
+              <a:ext cy="121920" cx="330200"/>
             </a:xfrm>
             <a:prstGeom prst="rect">
               <a:avLst/>
@@ -9753,12 +9753,12 @@
             <a:noFill/>
           </p:spPr>
           <p:txBody>
-            <a:bodyPr lIns="0" tIns="0" rIns="0" bIns="0" anchor="b">
+            <a:bodyPr anchor="b" bIns="0" rIns="0" tIns="0" lIns="0">
               <a:spAutoFit/>
             </a:bodyPr>
             <a:lstStyle/>
             <a:p>
-              <a:pPr marL="0" marR="0" indent="0" algn="l">
+              <a:pPr algn="l" indent="0" marR="0" marL="0">
                 <a:lnSpc>
                   <a:spcPts val="960"/>
                 </a:lnSpc>
@@ -9786,14 +9786,14 @@
         </p:sp>
         <p:sp>
           <p:nvSpPr>
-            <p:cNvPr id="210" name="Text 210"/>
+            <p:cNvPr name="Text 210" id="210"/>
             <p:cNvSpPr/>
             <p:nvPr/>
           </p:nvSpPr>
           <p:spPr>
             <a:xfrm rot="0">
-              <a:off x="10537103" y="4321415"/>
-              <a:ext cx="330200" cy="121920"/>
+              <a:off y="4327130" x="10549803"/>
+              <a:ext cy="121920" cx="330200"/>
             </a:xfrm>
             <a:prstGeom prst="rect">
               <a:avLst/>
@@ -9801,12 +9801,12 @@
             <a:noFill/>
           </p:spPr>
           <p:txBody>
-            <a:bodyPr lIns="0" tIns="0" rIns="0" bIns="0" anchor="b">
+            <a:bodyPr anchor="b" bIns="0" rIns="0" tIns="0" lIns="0">
               <a:spAutoFit/>
             </a:bodyPr>
             <a:lstStyle/>
             <a:p>
-              <a:pPr marL="0" marR="0" indent="0" algn="l">
+              <a:pPr algn="l" indent="0" marR="0" marL="0">
                 <a:lnSpc>
                   <a:spcPts val="960"/>
                 </a:lnSpc>
@@ -9834,14 +9834,14 @@
         </p:sp>
         <p:sp>
           <p:nvSpPr>
-            <p:cNvPr id="211" name="Text 211"/>
+            <p:cNvPr name="Text 211" id="211"/>
             <p:cNvSpPr/>
             <p:nvPr/>
           </p:nvSpPr>
           <p:spPr>
             <a:xfrm rot="0">
-              <a:off x="10537103" y="4523142"/>
-              <a:ext cx="330200" cy="121920"/>
+              <a:off y="4528857" x="10549803"/>
+              <a:ext cy="121920" cx="330200"/>
             </a:xfrm>
             <a:prstGeom prst="rect">
               <a:avLst/>
@@ -9849,12 +9849,12 @@
             <a:noFill/>
           </p:spPr>
           <p:txBody>
-            <a:bodyPr lIns="0" tIns="0" rIns="0" bIns="0" anchor="b">
+            <a:bodyPr anchor="b" bIns="0" rIns="0" tIns="0" lIns="0">
               <a:spAutoFit/>
             </a:bodyPr>
             <a:lstStyle/>
             <a:p>
-              <a:pPr marL="0" marR="0" indent="0" algn="l">
+              <a:pPr algn="l" indent="0" marR="0" marL="0">
                 <a:lnSpc>
                   <a:spcPts val="960"/>
                 </a:lnSpc>
@@ -9882,14 +9882,14 @@
         </p:sp>
         <p:sp>
           <p:nvSpPr>
-            <p:cNvPr id="212" name="Text 212"/>
+            <p:cNvPr name="Text 212" id="212"/>
             <p:cNvSpPr/>
             <p:nvPr/>
           </p:nvSpPr>
           <p:spPr>
             <a:xfrm rot="0">
-              <a:off x="10537103" y="4732306"/>
-              <a:ext cx="330200" cy="121920"/>
+              <a:off y="4738021" x="10549803"/>
+              <a:ext cy="121920" cx="330200"/>
             </a:xfrm>
             <a:prstGeom prst="rect">
               <a:avLst/>
@@ -9897,12 +9897,12 @@
             <a:noFill/>
           </p:spPr>
           <p:txBody>
-            <a:bodyPr lIns="0" tIns="0" rIns="0" bIns="0" anchor="b">
+            <a:bodyPr anchor="b" bIns="0" rIns="0" tIns="0" lIns="0">
               <a:spAutoFit/>
             </a:bodyPr>
             <a:lstStyle/>
             <a:p>
-              <a:pPr marL="0" marR="0" indent="0" algn="l">
+              <a:pPr algn="l" indent="0" marR="0" marL="0">
                 <a:lnSpc>
                   <a:spcPts val="960"/>
                 </a:lnSpc>

--- a/examples/pp_replacement.pptx
+++ b/examples/pp_replacement.pptx
@@ -7,7 +7,7 @@
   <p:sldIdLst>
     <p:sldId r:id="rId2" id="256"/>
     <p:sldId r:id="rId3" id="257"/>
-    <p:sldId r:id="rId10" id="1042641092"/>
+    <p:sldId r:id="rId10" id="1628359739"/>
     <p:sldId r:id="rId5" id="259"/>
   </p:sldIdLst>
   <p:sldSz cy="6858000" cx="12192000"/>

--- a/examples/pp_replacement.pptx
+++ b/examples/pp_replacement.pptx
@@ -7,7 +7,7 @@
   <p:sldIdLst>
     <p:sldId r:id="rId2" id="256"/>
     <p:sldId r:id="rId3" id="257"/>
-    <p:sldId r:id="rId10" id="1628359739"/>
+    <p:sldId r:id="rId10" id="150393695"/>
     <p:sldId r:id="rId5" id="259"/>
   </p:sldIdLst>
   <p:sldSz cy="6858000" cx="12192000"/>
